--- a/test.pptx
+++ b/test.pptx
@@ -6,10 +6,20 @@
   </p:sldMasterIdLst>
   <p:sldIdLst>
     <p:sldId id="256" r:id="rId2"/>
-    <p:sldId id="257" r:id="rId3"/>
-    <p:sldId id="258" r:id="rId4"/>
+    <p:sldId id="261" r:id="rId3"/>
+    <p:sldId id="263" r:id="rId4"/>
+    <p:sldId id="262" r:id="rId5"/>
+    <p:sldId id="264" r:id="rId6"/>
+    <p:sldId id="265" r:id="rId7"/>
+    <p:sldId id="266" r:id="rId8"/>
+    <p:sldId id="267" r:id="rId9"/>
+    <p:sldId id="268" r:id="rId10"/>
+    <p:sldId id="269" r:id="rId11"/>
+    <p:sldId id="270" r:id="rId12"/>
+    <p:sldId id="271" r:id="rId13"/>
+    <p:sldId id="272" r:id="rId14"/>
   </p:sldIdLst>
-  <p:sldSz cx="12192000" cy="6858000"/>
+  <p:sldSz cx="9144000" cy="6858000" type="screen4x3"/>
   <p:notesSz cx="6858000" cy="9144000"/>
   <p:defaultTextStyle>
     <a:defPPr>
@@ -128,13 +138,7 @@
       </p:grpSpPr>
       <p:sp>
         <p:nvSpPr>
-          <p:cNvPr id="2" name="标题 1">
-            <a:extLst>
-              <a:ext uri="{FF2B5EF4-FFF2-40B4-BE49-F238E27FC236}">
-                <a16:creationId xmlns:a16="http://schemas.microsoft.com/office/drawing/2014/main" id="{2557197B-2AD1-4911-BA8E-F3CA02205B2F}"/>
-              </a:ext>
-            </a:extLst>
-          </p:cNvPr>
+          <p:cNvPr id="2" name="标题 1"/>
           <p:cNvSpPr>
             <a:spLocks noGrp="1"/>
           </p:cNvSpPr>
@@ -144,34 +148,25 @@
         </p:nvSpPr>
         <p:spPr>
           <a:xfrm>
-            <a:off x="1524000" y="1122363"/>
-            <a:ext cx="9144000" cy="2387600"/>
+            <a:off x="685800" y="2130425"/>
+            <a:ext cx="7772400" cy="1470025"/>
           </a:xfrm>
         </p:spPr>
         <p:txBody>
-          <a:bodyPr anchor="b"/>
-          <a:lstStyle>
-            <a:lvl1pPr algn="ctr">
-              <a:defRPr sz="6000"/>
-            </a:lvl1pPr>
-          </a:lstStyle>
-          <a:p>
-            <a:r>
-              <a:rPr lang="zh-CN" altLang="en-US"/>
+          <a:bodyPr/>
+          <a:lstStyle/>
+          <a:p>
+            <a:r>
+              <a:rPr lang="zh-CN" altLang="en-US" smtClean="0"/>
               <a:t>单击此处编辑母版标题样式</a:t>
             </a:r>
-          </a:p>
-        </p:txBody>
-      </p:sp>
-      <p:sp>
-        <p:nvSpPr>
-          <p:cNvPr id="3" name="副标题 2">
-            <a:extLst>
-              <a:ext uri="{FF2B5EF4-FFF2-40B4-BE49-F238E27FC236}">
-                <a16:creationId xmlns:a16="http://schemas.microsoft.com/office/drawing/2014/main" id="{4B1C5D91-58FB-4D2B-9B62-F07C3C042800}"/>
-              </a:ext>
-            </a:extLst>
-          </p:cNvPr>
+            <a:endParaRPr lang="zh-CN" altLang="en-US"/>
+          </a:p>
+        </p:txBody>
+      </p:sp>
+      <p:sp>
+        <p:nvSpPr>
+          <p:cNvPr id="3" name="副标题 2"/>
           <p:cNvSpPr>
             <a:spLocks noGrp="1"/>
           </p:cNvSpPr>
@@ -181,8 +176,8 @@
         </p:nvSpPr>
         <p:spPr>
           <a:xfrm>
-            <a:off x="1524000" y="3602038"/>
-            <a:ext cx="9144000" cy="1655762"/>
+            <a:off x="1371600" y="3886200"/>
+            <a:ext cx="6400800" cy="1752600"/>
           </a:xfrm>
         </p:spPr>
         <p:txBody>
@@ -190,58 +185,107 @@
           <a:lstStyle>
             <a:lvl1pPr marL="0" indent="0" algn="ctr">
               <a:buNone/>
-              <a:defRPr sz="2400"/>
+              <a:defRPr>
+                <a:solidFill>
+                  <a:schemeClr val="tx1">
+                    <a:tint val="75000"/>
+                  </a:schemeClr>
+                </a:solidFill>
+              </a:defRPr>
             </a:lvl1pPr>
             <a:lvl2pPr marL="457200" indent="0" algn="ctr">
               <a:buNone/>
-              <a:defRPr sz="2000"/>
+              <a:defRPr>
+                <a:solidFill>
+                  <a:schemeClr val="tx1">
+                    <a:tint val="75000"/>
+                  </a:schemeClr>
+                </a:solidFill>
+              </a:defRPr>
             </a:lvl2pPr>
             <a:lvl3pPr marL="914400" indent="0" algn="ctr">
               <a:buNone/>
-              <a:defRPr sz="1800"/>
+              <a:defRPr>
+                <a:solidFill>
+                  <a:schemeClr val="tx1">
+                    <a:tint val="75000"/>
+                  </a:schemeClr>
+                </a:solidFill>
+              </a:defRPr>
             </a:lvl3pPr>
             <a:lvl4pPr marL="1371600" indent="0" algn="ctr">
               <a:buNone/>
-              <a:defRPr sz="1600"/>
+              <a:defRPr>
+                <a:solidFill>
+                  <a:schemeClr val="tx1">
+                    <a:tint val="75000"/>
+                  </a:schemeClr>
+                </a:solidFill>
+              </a:defRPr>
             </a:lvl4pPr>
             <a:lvl5pPr marL="1828800" indent="0" algn="ctr">
               <a:buNone/>
-              <a:defRPr sz="1600"/>
+              <a:defRPr>
+                <a:solidFill>
+                  <a:schemeClr val="tx1">
+                    <a:tint val="75000"/>
+                  </a:schemeClr>
+                </a:solidFill>
+              </a:defRPr>
             </a:lvl5pPr>
             <a:lvl6pPr marL="2286000" indent="0" algn="ctr">
               <a:buNone/>
-              <a:defRPr sz="1600"/>
+              <a:defRPr>
+                <a:solidFill>
+                  <a:schemeClr val="tx1">
+                    <a:tint val="75000"/>
+                  </a:schemeClr>
+                </a:solidFill>
+              </a:defRPr>
             </a:lvl6pPr>
             <a:lvl7pPr marL="2743200" indent="0" algn="ctr">
               <a:buNone/>
-              <a:defRPr sz="1600"/>
+              <a:defRPr>
+                <a:solidFill>
+                  <a:schemeClr val="tx1">
+                    <a:tint val="75000"/>
+                  </a:schemeClr>
+                </a:solidFill>
+              </a:defRPr>
             </a:lvl7pPr>
             <a:lvl8pPr marL="3200400" indent="0" algn="ctr">
               <a:buNone/>
-              <a:defRPr sz="1600"/>
+              <a:defRPr>
+                <a:solidFill>
+                  <a:schemeClr val="tx1">
+                    <a:tint val="75000"/>
+                  </a:schemeClr>
+                </a:solidFill>
+              </a:defRPr>
             </a:lvl8pPr>
             <a:lvl9pPr marL="3657600" indent="0" algn="ctr">
               <a:buNone/>
-              <a:defRPr sz="1600"/>
+              <a:defRPr>
+                <a:solidFill>
+                  <a:schemeClr val="tx1">
+                    <a:tint val="75000"/>
+                  </a:schemeClr>
+                </a:solidFill>
+              </a:defRPr>
             </a:lvl9pPr>
           </a:lstStyle>
           <a:p>
             <a:r>
-              <a:rPr lang="zh-CN" altLang="en-US"/>
+              <a:rPr lang="zh-CN" altLang="en-US" smtClean="0"/>
               <a:t>单击此处编辑母版副标题样式</a:t>
             </a:r>
-          </a:p>
-        </p:txBody>
-      </p:sp>
-      <p:sp>
-        <p:nvSpPr>
-          <p:cNvPr id="4" name="日期占位符 3">
-            <a:extLst>
-              <a:ext uri="{FF2B5EF4-FFF2-40B4-BE49-F238E27FC236}">
-                <a16:creationId xmlns:a16="http://schemas.microsoft.com/office/drawing/2014/main" id="{69C6FBC5-2B16-4008-95B3-70E33A308B7F}"/>
-              </a:ext>
-            </a:extLst>
-          </p:cNvPr>
+            <a:endParaRPr lang="zh-CN" altLang="en-US"/>
+          </a:p>
+        </p:txBody>
+      </p:sp>
+      <p:sp>
+        <p:nvSpPr>
+          <p:cNvPr id="4" name="日期占位符 3"/>
           <p:cNvSpPr>
             <a:spLocks noGrp="1"/>
           </p:cNvSpPr>
@@ -254,9 +298,9 @@
           <a:bodyPr/>
           <a:lstStyle/>
           <a:p>
-            <a:fld id="{DBAB2A49-0B58-497A-B9F9-E636A0213331}" type="datetimeFigureOut">
-              <a:rPr lang="zh-CN" altLang="en-US" smtClean="0"/>
-              <a:t>2019/4/16 Tuesday</a:t>
+            <a:fld id="{530820CF-B880-4189-942D-D702A7CBA730}" type="datetimeFigureOut">
+              <a:rPr lang="zh-CN" altLang="en-US" smtClean="0"/>
+              <a:t>2019/4/18</a:t>
             </a:fld>
             <a:endParaRPr lang="zh-CN" altLang="en-US"/>
           </a:p>
@@ -264,13 +308,7 @@
       </p:sp>
       <p:sp>
         <p:nvSpPr>
-          <p:cNvPr id="5" name="页脚占位符 4">
-            <a:extLst>
-              <a:ext uri="{FF2B5EF4-FFF2-40B4-BE49-F238E27FC236}">
-                <a16:creationId xmlns:a16="http://schemas.microsoft.com/office/drawing/2014/main" id="{C75A1805-21A9-43E3-9251-8C61AEB2BC0C}"/>
-              </a:ext>
-            </a:extLst>
-          </p:cNvPr>
+          <p:cNvPr id="5" name="页脚占位符 4"/>
           <p:cNvSpPr>
             <a:spLocks noGrp="1"/>
           </p:cNvSpPr>
@@ -289,13 +327,7 @@
       </p:sp>
       <p:sp>
         <p:nvSpPr>
-          <p:cNvPr id="6" name="灯片编号占位符 5">
-            <a:extLst>
-              <a:ext uri="{FF2B5EF4-FFF2-40B4-BE49-F238E27FC236}">
-                <a16:creationId xmlns:a16="http://schemas.microsoft.com/office/drawing/2014/main" id="{FE6810E2-9390-40A9-81A7-6A2177B528A3}"/>
-              </a:ext>
-            </a:extLst>
-          </p:cNvPr>
+          <p:cNvPr id="6" name="灯片编号占位符 5"/>
           <p:cNvSpPr>
             <a:spLocks noGrp="1"/>
           </p:cNvSpPr>
@@ -308,7 +340,7 @@
           <a:bodyPr/>
           <a:lstStyle/>
           <a:p>
-            <a:fld id="{445314B8-DAD4-41D4-8F98-2BB6DC2BCE34}" type="slidenum">
+            <a:fld id="{0C913308-F349-4B6D-A68A-DD1791B4A57B}" type="slidenum">
               <a:rPr lang="zh-CN" altLang="en-US" smtClean="0"/>
               <a:t>‹#›</a:t>
             </a:fld>
@@ -317,11 +349,6 @@
         </p:txBody>
       </p:sp>
     </p:spTree>
-    <p:extLst>
-      <p:ext uri="{BB962C8B-B14F-4D97-AF65-F5344CB8AC3E}">
-        <p14:creationId xmlns:p14="http://schemas.microsoft.com/office/powerpoint/2010/main" val="713038335"/>
-      </p:ext>
-    </p:extLst>
   </p:cSld>
   <p:clrMapOvr>
     <a:masterClrMapping/>
@@ -348,13 +375,7 @@
       </p:grpSpPr>
       <p:sp>
         <p:nvSpPr>
-          <p:cNvPr id="2" name="标题 1">
-            <a:extLst>
-              <a:ext uri="{FF2B5EF4-FFF2-40B4-BE49-F238E27FC236}">
-                <a16:creationId xmlns:a16="http://schemas.microsoft.com/office/drawing/2014/main" id="{BF6A4A6D-3E6C-4B22-BC0A-733D998BD2B5}"/>
-              </a:ext>
-            </a:extLst>
-          </p:cNvPr>
+          <p:cNvPr id="2" name="标题 1"/>
           <p:cNvSpPr>
             <a:spLocks noGrp="1"/>
           </p:cNvSpPr>
@@ -368,21 +389,16 @@
           <a:lstStyle/>
           <a:p>
             <a:r>
-              <a:rPr lang="zh-CN" altLang="en-US"/>
+              <a:rPr lang="zh-CN" altLang="en-US" smtClean="0"/>
               <a:t>单击此处编辑母版标题样式</a:t>
             </a:r>
-          </a:p>
-        </p:txBody>
-      </p:sp>
-      <p:sp>
-        <p:nvSpPr>
-          <p:cNvPr id="3" name="竖排文字占位符 2">
-            <a:extLst>
-              <a:ext uri="{FF2B5EF4-FFF2-40B4-BE49-F238E27FC236}">
-                <a16:creationId xmlns:a16="http://schemas.microsoft.com/office/drawing/2014/main" id="{B8E0F7A4-28D5-4FCD-9A40-250A13EFCD16}"/>
-              </a:ext>
-            </a:extLst>
-          </p:cNvPr>
+            <a:endParaRPr lang="zh-CN" altLang="en-US"/>
+          </a:p>
+        </p:txBody>
+      </p:sp>
+      <p:sp>
+        <p:nvSpPr>
+          <p:cNvPr id="3" name="竖排文字占位符 2"/>
           <p:cNvSpPr>
             <a:spLocks noGrp="1"/>
           </p:cNvSpPr>
@@ -397,49 +413,44 @@
           <a:p>
             <a:pPr lvl="0"/>
             <a:r>
-              <a:rPr lang="zh-CN" altLang="en-US"/>
+              <a:rPr lang="zh-CN" altLang="en-US" smtClean="0"/>
               <a:t>单击此处编辑母版文本样式</a:t>
             </a:r>
           </a:p>
           <a:p>
             <a:pPr lvl="1"/>
             <a:r>
-              <a:rPr lang="zh-CN" altLang="en-US"/>
-              <a:t>二级</a:t>
+              <a:rPr lang="zh-CN" altLang="en-US" smtClean="0"/>
+              <a:t>第二级</a:t>
             </a:r>
           </a:p>
           <a:p>
             <a:pPr lvl="2"/>
             <a:r>
-              <a:rPr lang="zh-CN" altLang="en-US"/>
-              <a:t>三级</a:t>
+              <a:rPr lang="zh-CN" altLang="en-US" smtClean="0"/>
+              <a:t>第三级</a:t>
             </a:r>
           </a:p>
           <a:p>
             <a:pPr lvl="3"/>
             <a:r>
-              <a:rPr lang="zh-CN" altLang="en-US"/>
-              <a:t>四级</a:t>
+              <a:rPr lang="zh-CN" altLang="en-US" smtClean="0"/>
+              <a:t>第四级</a:t>
             </a:r>
           </a:p>
           <a:p>
             <a:pPr lvl="4"/>
             <a:r>
-              <a:rPr lang="zh-CN" altLang="en-US"/>
-              <a:t>五级</a:t>
-            </a:r>
-          </a:p>
-        </p:txBody>
-      </p:sp>
-      <p:sp>
-        <p:nvSpPr>
-          <p:cNvPr id="4" name="日期占位符 3">
-            <a:extLst>
-              <a:ext uri="{FF2B5EF4-FFF2-40B4-BE49-F238E27FC236}">
-                <a16:creationId xmlns:a16="http://schemas.microsoft.com/office/drawing/2014/main" id="{7156F434-3EF9-453F-869A-B85CE530FEF7}"/>
-              </a:ext>
-            </a:extLst>
-          </p:cNvPr>
+              <a:rPr lang="zh-CN" altLang="en-US" smtClean="0"/>
+              <a:t>第五级</a:t>
+            </a:r>
+            <a:endParaRPr lang="zh-CN" altLang="en-US"/>
+          </a:p>
+        </p:txBody>
+      </p:sp>
+      <p:sp>
+        <p:nvSpPr>
+          <p:cNvPr id="4" name="日期占位符 3"/>
           <p:cNvSpPr>
             <a:spLocks noGrp="1"/>
           </p:cNvSpPr>
@@ -452,9 +463,9 @@
           <a:bodyPr/>
           <a:lstStyle/>
           <a:p>
-            <a:fld id="{DBAB2A49-0B58-497A-B9F9-E636A0213331}" type="datetimeFigureOut">
-              <a:rPr lang="zh-CN" altLang="en-US" smtClean="0"/>
-              <a:t>2019/4/16 Tuesday</a:t>
+            <a:fld id="{530820CF-B880-4189-942D-D702A7CBA730}" type="datetimeFigureOut">
+              <a:rPr lang="zh-CN" altLang="en-US" smtClean="0"/>
+              <a:t>2019/4/18</a:t>
             </a:fld>
             <a:endParaRPr lang="zh-CN" altLang="en-US"/>
           </a:p>
@@ -462,13 +473,7 @@
       </p:sp>
       <p:sp>
         <p:nvSpPr>
-          <p:cNvPr id="5" name="页脚占位符 4">
-            <a:extLst>
-              <a:ext uri="{FF2B5EF4-FFF2-40B4-BE49-F238E27FC236}">
-                <a16:creationId xmlns:a16="http://schemas.microsoft.com/office/drawing/2014/main" id="{67116382-B7F0-4E1F-AAE3-934FD4A2E76C}"/>
-              </a:ext>
-            </a:extLst>
-          </p:cNvPr>
+          <p:cNvPr id="5" name="页脚占位符 4"/>
           <p:cNvSpPr>
             <a:spLocks noGrp="1"/>
           </p:cNvSpPr>
@@ -487,13 +492,7 @@
       </p:sp>
       <p:sp>
         <p:nvSpPr>
-          <p:cNvPr id="6" name="灯片编号占位符 5">
-            <a:extLst>
-              <a:ext uri="{FF2B5EF4-FFF2-40B4-BE49-F238E27FC236}">
-                <a16:creationId xmlns:a16="http://schemas.microsoft.com/office/drawing/2014/main" id="{DE94BF01-E546-4C30-9C85-9DE853B9FB66}"/>
-              </a:ext>
-            </a:extLst>
-          </p:cNvPr>
+          <p:cNvPr id="6" name="灯片编号占位符 5"/>
           <p:cNvSpPr>
             <a:spLocks noGrp="1"/>
           </p:cNvSpPr>
@@ -506,7 +505,7 @@
           <a:bodyPr/>
           <a:lstStyle/>
           <a:p>
-            <a:fld id="{445314B8-DAD4-41D4-8F98-2BB6DC2BCE34}" type="slidenum">
+            <a:fld id="{0C913308-F349-4B6D-A68A-DD1791B4A57B}" type="slidenum">
               <a:rPr lang="zh-CN" altLang="en-US" smtClean="0"/>
               <a:t>‹#›</a:t>
             </a:fld>
@@ -515,11 +514,6 @@
         </p:txBody>
       </p:sp>
     </p:spTree>
-    <p:extLst>
-      <p:ext uri="{BB962C8B-B14F-4D97-AF65-F5344CB8AC3E}">
-        <p14:creationId xmlns:p14="http://schemas.microsoft.com/office/powerpoint/2010/main" val="866841666"/>
-      </p:ext>
-    </p:extLst>
   </p:cSld>
   <p:clrMapOvr>
     <a:masterClrMapping/>
@@ -529,7 +523,7 @@
 
 <file path=ppt/slideLayouts/slideLayout11.xml><?xml version="1.0" encoding="utf-8"?>
 <p:sldLayout xmlns:a="http://schemas.openxmlformats.org/drawingml/2006/main" xmlns:r="http://schemas.openxmlformats.org/officeDocument/2006/relationships" xmlns:p="http://schemas.openxmlformats.org/presentationml/2006/main" type="vertTitleAndTx" preserve="1">
-  <p:cSld name="竖排标题与文本">
+  <p:cSld name="垂直排列标题与文本">
     <p:spTree>
       <p:nvGrpSpPr>
         <p:cNvPr id="1" name=""/>
@@ -546,13 +540,7 @@
       </p:grpSpPr>
       <p:sp>
         <p:nvSpPr>
-          <p:cNvPr id="2" name="竖排标题 1">
-            <a:extLst>
-              <a:ext uri="{FF2B5EF4-FFF2-40B4-BE49-F238E27FC236}">
-                <a16:creationId xmlns:a16="http://schemas.microsoft.com/office/drawing/2014/main" id="{B08C4DE3-F3B4-4B31-9B0E-29D7345E506E}"/>
-              </a:ext>
-            </a:extLst>
-          </p:cNvPr>
+          <p:cNvPr id="2" name="竖排标题 1"/>
           <p:cNvSpPr>
             <a:spLocks noGrp="1"/>
           </p:cNvSpPr>
@@ -562,8 +550,8 @@
         </p:nvSpPr>
         <p:spPr>
           <a:xfrm>
-            <a:off x="8724900" y="365125"/>
-            <a:ext cx="2628900" cy="5811838"/>
+            <a:off x="6629400" y="274638"/>
+            <a:ext cx="2057400" cy="5851525"/>
           </a:xfrm>
         </p:spPr>
         <p:txBody>
@@ -571,21 +559,16 @@
           <a:lstStyle/>
           <a:p>
             <a:r>
-              <a:rPr lang="zh-CN" altLang="en-US"/>
+              <a:rPr lang="zh-CN" altLang="en-US" smtClean="0"/>
               <a:t>单击此处编辑母版标题样式</a:t>
             </a:r>
-          </a:p>
-        </p:txBody>
-      </p:sp>
-      <p:sp>
-        <p:nvSpPr>
-          <p:cNvPr id="3" name="竖排文字占位符 2">
-            <a:extLst>
-              <a:ext uri="{FF2B5EF4-FFF2-40B4-BE49-F238E27FC236}">
-                <a16:creationId xmlns:a16="http://schemas.microsoft.com/office/drawing/2014/main" id="{CC7C02B7-B7A7-45E5-A429-234BF6B35894}"/>
-              </a:ext>
-            </a:extLst>
-          </p:cNvPr>
+            <a:endParaRPr lang="zh-CN" altLang="en-US"/>
+          </a:p>
+        </p:txBody>
+      </p:sp>
+      <p:sp>
+        <p:nvSpPr>
+          <p:cNvPr id="3" name="竖排文字占位符 2"/>
           <p:cNvSpPr>
             <a:spLocks noGrp="1"/>
           </p:cNvSpPr>
@@ -595,8 +578,8 @@
         </p:nvSpPr>
         <p:spPr>
           <a:xfrm>
-            <a:off x="838200" y="365125"/>
-            <a:ext cx="7734300" cy="5811838"/>
+            <a:off x="457200" y="274638"/>
+            <a:ext cx="6019800" cy="5851525"/>
           </a:xfrm>
         </p:spPr>
         <p:txBody>
@@ -605,49 +588,44 @@
           <a:p>
             <a:pPr lvl="0"/>
             <a:r>
-              <a:rPr lang="zh-CN" altLang="en-US"/>
+              <a:rPr lang="zh-CN" altLang="en-US" smtClean="0"/>
               <a:t>单击此处编辑母版文本样式</a:t>
             </a:r>
           </a:p>
           <a:p>
             <a:pPr lvl="1"/>
             <a:r>
-              <a:rPr lang="zh-CN" altLang="en-US"/>
-              <a:t>二级</a:t>
+              <a:rPr lang="zh-CN" altLang="en-US" smtClean="0"/>
+              <a:t>第二级</a:t>
             </a:r>
           </a:p>
           <a:p>
             <a:pPr lvl="2"/>
             <a:r>
-              <a:rPr lang="zh-CN" altLang="en-US"/>
-              <a:t>三级</a:t>
+              <a:rPr lang="zh-CN" altLang="en-US" smtClean="0"/>
+              <a:t>第三级</a:t>
             </a:r>
           </a:p>
           <a:p>
             <a:pPr lvl="3"/>
             <a:r>
-              <a:rPr lang="zh-CN" altLang="en-US"/>
-              <a:t>四级</a:t>
+              <a:rPr lang="zh-CN" altLang="en-US" smtClean="0"/>
+              <a:t>第四级</a:t>
             </a:r>
           </a:p>
           <a:p>
             <a:pPr lvl="4"/>
             <a:r>
-              <a:rPr lang="zh-CN" altLang="en-US"/>
-              <a:t>五级</a:t>
-            </a:r>
-          </a:p>
-        </p:txBody>
-      </p:sp>
-      <p:sp>
-        <p:nvSpPr>
-          <p:cNvPr id="4" name="日期占位符 3">
-            <a:extLst>
-              <a:ext uri="{FF2B5EF4-FFF2-40B4-BE49-F238E27FC236}">
-                <a16:creationId xmlns:a16="http://schemas.microsoft.com/office/drawing/2014/main" id="{E7899C69-E8B3-4C11-8CDF-C0DBB85DE8C1}"/>
-              </a:ext>
-            </a:extLst>
-          </p:cNvPr>
+              <a:rPr lang="zh-CN" altLang="en-US" smtClean="0"/>
+              <a:t>第五级</a:t>
+            </a:r>
+            <a:endParaRPr lang="zh-CN" altLang="en-US"/>
+          </a:p>
+        </p:txBody>
+      </p:sp>
+      <p:sp>
+        <p:nvSpPr>
+          <p:cNvPr id="4" name="日期占位符 3"/>
           <p:cNvSpPr>
             <a:spLocks noGrp="1"/>
           </p:cNvSpPr>
@@ -660,9 +638,9 @@
           <a:bodyPr/>
           <a:lstStyle/>
           <a:p>
-            <a:fld id="{DBAB2A49-0B58-497A-B9F9-E636A0213331}" type="datetimeFigureOut">
-              <a:rPr lang="zh-CN" altLang="en-US" smtClean="0"/>
-              <a:t>2019/4/16 Tuesday</a:t>
+            <a:fld id="{530820CF-B880-4189-942D-D702A7CBA730}" type="datetimeFigureOut">
+              <a:rPr lang="zh-CN" altLang="en-US" smtClean="0"/>
+              <a:t>2019/4/18</a:t>
             </a:fld>
             <a:endParaRPr lang="zh-CN" altLang="en-US"/>
           </a:p>
@@ -670,13 +648,7 @@
       </p:sp>
       <p:sp>
         <p:nvSpPr>
-          <p:cNvPr id="5" name="页脚占位符 4">
-            <a:extLst>
-              <a:ext uri="{FF2B5EF4-FFF2-40B4-BE49-F238E27FC236}">
-                <a16:creationId xmlns:a16="http://schemas.microsoft.com/office/drawing/2014/main" id="{51821F93-FCB2-4648-AD2D-8BF1B1781D39}"/>
-              </a:ext>
-            </a:extLst>
-          </p:cNvPr>
+          <p:cNvPr id="5" name="页脚占位符 4"/>
           <p:cNvSpPr>
             <a:spLocks noGrp="1"/>
           </p:cNvSpPr>
@@ -695,13 +667,7 @@
       </p:sp>
       <p:sp>
         <p:nvSpPr>
-          <p:cNvPr id="6" name="灯片编号占位符 5">
-            <a:extLst>
-              <a:ext uri="{FF2B5EF4-FFF2-40B4-BE49-F238E27FC236}">
-                <a16:creationId xmlns:a16="http://schemas.microsoft.com/office/drawing/2014/main" id="{6E070E88-5414-4CB2-A18F-BA27F0941D25}"/>
-              </a:ext>
-            </a:extLst>
-          </p:cNvPr>
+          <p:cNvPr id="6" name="灯片编号占位符 5"/>
           <p:cNvSpPr>
             <a:spLocks noGrp="1"/>
           </p:cNvSpPr>
@@ -714,7 +680,7 @@
           <a:bodyPr/>
           <a:lstStyle/>
           <a:p>
-            <a:fld id="{445314B8-DAD4-41D4-8F98-2BB6DC2BCE34}" type="slidenum">
+            <a:fld id="{0C913308-F349-4B6D-A68A-DD1791B4A57B}" type="slidenum">
               <a:rPr lang="zh-CN" altLang="en-US" smtClean="0"/>
               <a:t>‹#›</a:t>
             </a:fld>
@@ -723,11 +689,6 @@
         </p:txBody>
       </p:sp>
     </p:spTree>
-    <p:extLst>
-      <p:ext uri="{BB962C8B-B14F-4D97-AF65-F5344CB8AC3E}">
-        <p14:creationId xmlns:p14="http://schemas.microsoft.com/office/powerpoint/2010/main" val="1957120912"/>
-      </p:ext>
-    </p:extLst>
   </p:cSld>
   <p:clrMapOvr>
     <a:masterClrMapping/>
@@ -754,13 +715,7 @@
       </p:grpSpPr>
       <p:sp>
         <p:nvSpPr>
-          <p:cNvPr id="2" name="标题 1">
-            <a:extLst>
-              <a:ext uri="{FF2B5EF4-FFF2-40B4-BE49-F238E27FC236}">
-                <a16:creationId xmlns:a16="http://schemas.microsoft.com/office/drawing/2014/main" id="{21617678-EAF5-4FD1-9B02-0813F8E368EA}"/>
-              </a:ext>
-            </a:extLst>
-          </p:cNvPr>
+          <p:cNvPr id="2" name="标题 1"/>
           <p:cNvSpPr>
             <a:spLocks noGrp="1"/>
           </p:cNvSpPr>
@@ -774,21 +729,16 @@
           <a:lstStyle/>
           <a:p>
             <a:r>
-              <a:rPr lang="zh-CN" altLang="en-US"/>
+              <a:rPr lang="zh-CN" altLang="en-US" smtClean="0"/>
               <a:t>单击此处编辑母版标题样式</a:t>
             </a:r>
-          </a:p>
-        </p:txBody>
-      </p:sp>
-      <p:sp>
-        <p:nvSpPr>
-          <p:cNvPr id="3" name="内容占位符 2">
-            <a:extLst>
-              <a:ext uri="{FF2B5EF4-FFF2-40B4-BE49-F238E27FC236}">
-                <a16:creationId xmlns:a16="http://schemas.microsoft.com/office/drawing/2014/main" id="{A13C392D-4915-44EB-B7E9-64F4AA28FF61}"/>
-              </a:ext>
-            </a:extLst>
-          </p:cNvPr>
+            <a:endParaRPr lang="zh-CN" altLang="en-US"/>
+          </a:p>
+        </p:txBody>
+      </p:sp>
+      <p:sp>
+        <p:nvSpPr>
+          <p:cNvPr id="3" name="内容占位符 2"/>
           <p:cNvSpPr>
             <a:spLocks noGrp="1"/>
           </p:cNvSpPr>
@@ -803,49 +753,44 @@
           <a:p>
             <a:pPr lvl="0"/>
             <a:r>
-              <a:rPr lang="zh-CN" altLang="en-US"/>
+              <a:rPr lang="zh-CN" altLang="en-US" smtClean="0"/>
               <a:t>单击此处编辑母版文本样式</a:t>
             </a:r>
           </a:p>
           <a:p>
             <a:pPr lvl="1"/>
             <a:r>
-              <a:rPr lang="zh-CN" altLang="en-US"/>
-              <a:t>二级</a:t>
+              <a:rPr lang="zh-CN" altLang="en-US" smtClean="0"/>
+              <a:t>第二级</a:t>
             </a:r>
           </a:p>
           <a:p>
             <a:pPr lvl="2"/>
             <a:r>
-              <a:rPr lang="zh-CN" altLang="en-US"/>
-              <a:t>三级</a:t>
+              <a:rPr lang="zh-CN" altLang="en-US" smtClean="0"/>
+              <a:t>第三级</a:t>
             </a:r>
           </a:p>
           <a:p>
             <a:pPr lvl="3"/>
             <a:r>
-              <a:rPr lang="zh-CN" altLang="en-US"/>
-              <a:t>四级</a:t>
+              <a:rPr lang="zh-CN" altLang="en-US" smtClean="0"/>
+              <a:t>第四级</a:t>
             </a:r>
           </a:p>
           <a:p>
             <a:pPr lvl="4"/>
             <a:r>
-              <a:rPr lang="zh-CN" altLang="en-US"/>
-              <a:t>五级</a:t>
-            </a:r>
-          </a:p>
-        </p:txBody>
-      </p:sp>
-      <p:sp>
-        <p:nvSpPr>
-          <p:cNvPr id="4" name="日期占位符 3">
-            <a:extLst>
-              <a:ext uri="{FF2B5EF4-FFF2-40B4-BE49-F238E27FC236}">
-                <a16:creationId xmlns:a16="http://schemas.microsoft.com/office/drawing/2014/main" id="{1B33160E-7B72-4FFE-8337-CBB79047A701}"/>
-              </a:ext>
-            </a:extLst>
-          </p:cNvPr>
+              <a:rPr lang="zh-CN" altLang="en-US" smtClean="0"/>
+              <a:t>第五级</a:t>
+            </a:r>
+            <a:endParaRPr lang="zh-CN" altLang="en-US"/>
+          </a:p>
+        </p:txBody>
+      </p:sp>
+      <p:sp>
+        <p:nvSpPr>
+          <p:cNvPr id="4" name="日期占位符 3"/>
           <p:cNvSpPr>
             <a:spLocks noGrp="1"/>
           </p:cNvSpPr>
@@ -858,9 +803,9 @@
           <a:bodyPr/>
           <a:lstStyle/>
           <a:p>
-            <a:fld id="{DBAB2A49-0B58-497A-B9F9-E636A0213331}" type="datetimeFigureOut">
-              <a:rPr lang="zh-CN" altLang="en-US" smtClean="0"/>
-              <a:t>2019/4/16 Tuesday</a:t>
+            <a:fld id="{530820CF-B880-4189-942D-D702A7CBA730}" type="datetimeFigureOut">
+              <a:rPr lang="zh-CN" altLang="en-US" smtClean="0"/>
+              <a:t>2019/4/18</a:t>
             </a:fld>
             <a:endParaRPr lang="zh-CN" altLang="en-US"/>
           </a:p>
@@ -868,13 +813,7 @@
       </p:sp>
       <p:sp>
         <p:nvSpPr>
-          <p:cNvPr id="5" name="页脚占位符 4">
-            <a:extLst>
-              <a:ext uri="{FF2B5EF4-FFF2-40B4-BE49-F238E27FC236}">
-                <a16:creationId xmlns:a16="http://schemas.microsoft.com/office/drawing/2014/main" id="{490EBD36-55F4-48A3-8763-5FEFA2C9F7C9}"/>
-              </a:ext>
-            </a:extLst>
-          </p:cNvPr>
+          <p:cNvPr id="5" name="页脚占位符 4"/>
           <p:cNvSpPr>
             <a:spLocks noGrp="1"/>
           </p:cNvSpPr>
@@ -893,13 +832,7 @@
       </p:sp>
       <p:sp>
         <p:nvSpPr>
-          <p:cNvPr id="6" name="灯片编号占位符 5">
-            <a:extLst>
-              <a:ext uri="{FF2B5EF4-FFF2-40B4-BE49-F238E27FC236}">
-                <a16:creationId xmlns:a16="http://schemas.microsoft.com/office/drawing/2014/main" id="{06EF62C5-EEBC-43B8-975B-263BB0517C3E}"/>
-              </a:ext>
-            </a:extLst>
-          </p:cNvPr>
+          <p:cNvPr id="6" name="灯片编号占位符 5"/>
           <p:cNvSpPr>
             <a:spLocks noGrp="1"/>
           </p:cNvSpPr>
@@ -912,7 +845,7 @@
           <a:bodyPr/>
           <a:lstStyle/>
           <a:p>
-            <a:fld id="{445314B8-DAD4-41D4-8F98-2BB6DC2BCE34}" type="slidenum">
+            <a:fld id="{0C913308-F349-4B6D-A68A-DD1791B4A57B}" type="slidenum">
               <a:rPr lang="zh-CN" altLang="en-US" smtClean="0"/>
               <a:t>‹#›</a:t>
             </a:fld>
@@ -921,11 +854,6 @@
         </p:txBody>
       </p:sp>
     </p:spTree>
-    <p:extLst>
-      <p:ext uri="{BB962C8B-B14F-4D97-AF65-F5344CB8AC3E}">
-        <p14:creationId xmlns:p14="http://schemas.microsoft.com/office/powerpoint/2010/main" val="39947457"/>
-      </p:ext>
-    </p:extLst>
   </p:cSld>
   <p:clrMapOvr>
     <a:masterClrMapping/>
@@ -952,13 +880,7 @@
       </p:grpSpPr>
       <p:sp>
         <p:nvSpPr>
-          <p:cNvPr id="2" name="标题 1">
-            <a:extLst>
-              <a:ext uri="{FF2B5EF4-FFF2-40B4-BE49-F238E27FC236}">
-                <a16:creationId xmlns:a16="http://schemas.microsoft.com/office/drawing/2014/main" id="{2DA45DE8-5FEA-4702-BB72-2816723489D6}"/>
-              </a:ext>
-            </a:extLst>
-          </p:cNvPr>
+          <p:cNvPr id="2" name="标题 1"/>
           <p:cNvSpPr>
             <a:spLocks noGrp="1"/>
           </p:cNvSpPr>
@@ -968,34 +890,29 @@
         </p:nvSpPr>
         <p:spPr>
           <a:xfrm>
-            <a:off x="831850" y="1709738"/>
-            <a:ext cx="10515600" cy="2852737"/>
+            <a:off x="722313" y="4406900"/>
+            <a:ext cx="7772400" cy="1362075"/>
           </a:xfrm>
         </p:spPr>
         <p:txBody>
-          <a:bodyPr anchor="b"/>
+          <a:bodyPr anchor="t"/>
           <a:lstStyle>
-            <a:lvl1pPr>
-              <a:defRPr sz="6000"/>
+            <a:lvl1pPr algn="l">
+              <a:defRPr sz="4000" b="1" cap="all"/>
             </a:lvl1pPr>
           </a:lstStyle>
           <a:p>
             <a:r>
-              <a:rPr lang="zh-CN" altLang="en-US"/>
+              <a:rPr lang="zh-CN" altLang="en-US" smtClean="0"/>
               <a:t>单击此处编辑母版标题样式</a:t>
             </a:r>
-          </a:p>
-        </p:txBody>
-      </p:sp>
-      <p:sp>
-        <p:nvSpPr>
-          <p:cNvPr id="3" name="文本占位符 2">
-            <a:extLst>
-              <a:ext uri="{FF2B5EF4-FFF2-40B4-BE49-F238E27FC236}">
-                <a16:creationId xmlns:a16="http://schemas.microsoft.com/office/drawing/2014/main" id="{261B2CCC-AD71-41A3-AD35-614B6D2639A5}"/>
-              </a:ext>
-            </a:extLst>
-          </p:cNvPr>
+            <a:endParaRPr lang="zh-CN" altLang="en-US"/>
+          </a:p>
+        </p:txBody>
+      </p:sp>
+      <p:sp>
+        <p:nvSpPr>
+          <p:cNvPr id="3" name="文本占位符 2"/>
           <p:cNvSpPr>
             <a:spLocks noGrp="1"/>
           </p:cNvSpPr>
@@ -1005,16 +922,16 @@
         </p:nvSpPr>
         <p:spPr>
           <a:xfrm>
-            <a:off x="831850" y="4589463"/>
-            <a:ext cx="10515600" cy="1500187"/>
+            <a:off x="722313" y="2906713"/>
+            <a:ext cx="7772400" cy="1500187"/>
           </a:xfrm>
         </p:spPr>
         <p:txBody>
-          <a:bodyPr/>
+          <a:bodyPr anchor="b"/>
           <a:lstStyle>
             <a:lvl1pPr marL="0" indent="0">
               <a:buNone/>
-              <a:defRPr sz="2400">
+              <a:defRPr sz="2000">
                 <a:solidFill>
                   <a:schemeClr val="tx1">
                     <a:tint val="75000"/>
@@ -1024,7 +941,7 @@
             </a:lvl1pPr>
             <a:lvl2pPr marL="457200" indent="0">
               <a:buNone/>
-              <a:defRPr sz="2000">
+              <a:defRPr sz="1800">
                 <a:solidFill>
                   <a:schemeClr val="tx1">
                     <a:tint val="75000"/>
@@ -1034,7 +951,7 @@
             </a:lvl2pPr>
             <a:lvl3pPr marL="914400" indent="0">
               <a:buNone/>
-              <a:defRPr sz="1800">
+              <a:defRPr sz="1600">
                 <a:solidFill>
                   <a:schemeClr val="tx1">
                     <a:tint val="75000"/>
@@ -1044,7 +961,7 @@
             </a:lvl3pPr>
             <a:lvl4pPr marL="1371600" indent="0">
               <a:buNone/>
-              <a:defRPr sz="1600">
+              <a:defRPr sz="1400">
                 <a:solidFill>
                   <a:schemeClr val="tx1">
                     <a:tint val="75000"/>
@@ -1054,7 +971,7 @@
             </a:lvl4pPr>
             <a:lvl5pPr marL="1828800" indent="0">
               <a:buNone/>
-              <a:defRPr sz="1600">
+              <a:defRPr sz="1400">
                 <a:solidFill>
                   <a:schemeClr val="tx1">
                     <a:tint val="75000"/>
@@ -1064,7 +981,7 @@
             </a:lvl5pPr>
             <a:lvl6pPr marL="2286000" indent="0">
               <a:buNone/>
-              <a:defRPr sz="1600">
+              <a:defRPr sz="1400">
                 <a:solidFill>
                   <a:schemeClr val="tx1">
                     <a:tint val="75000"/>
@@ -1074,7 +991,7 @@
             </a:lvl6pPr>
             <a:lvl7pPr marL="2743200" indent="0">
               <a:buNone/>
-              <a:defRPr sz="1600">
+              <a:defRPr sz="1400">
                 <a:solidFill>
                   <a:schemeClr val="tx1">
                     <a:tint val="75000"/>
@@ -1084,7 +1001,7 @@
             </a:lvl7pPr>
             <a:lvl8pPr marL="3200400" indent="0">
               <a:buNone/>
-              <a:defRPr sz="1600">
+              <a:defRPr sz="1400">
                 <a:solidFill>
                   <a:schemeClr val="tx1">
                     <a:tint val="75000"/>
@@ -1094,7 +1011,7 @@
             </a:lvl8pPr>
             <a:lvl9pPr marL="3657600" indent="0">
               <a:buNone/>
-              <a:defRPr sz="1600">
+              <a:defRPr sz="1400">
                 <a:solidFill>
                   <a:schemeClr val="tx1">
                     <a:tint val="75000"/>
@@ -1106,7 +1023,7 @@
           <a:p>
             <a:pPr lvl="0"/>
             <a:r>
-              <a:rPr lang="zh-CN" altLang="en-US"/>
+              <a:rPr lang="zh-CN" altLang="en-US" smtClean="0"/>
               <a:t>单击此处编辑母版文本样式</a:t>
             </a:r>
           </a:p>
@@ -1114,13 +1031,7 @@
       </p:sp>
       <p:sp>
         <p:nvSpPr>
-          <p:cNvPr id="4" name="日期占位符 3">
-            <a:extLst>
-              <a:ext uri="{FF2B5EF4-FFF2-40B4-BE49-F238E27FC236}">
-                <a16:creationId xmlns:a16="http://schemas.microsoft.com/office/drawing/2014/main" id="{EE6AD97A-FFBE-4D32-8B20-B43E4A982B5E}"/>
-              </a:ext>
-            </a:extLst>
-          </p:cNvPr>
+          <p:cNvPr id="4" name="日期占位符 3"/>
           <p:cNvSpPr>
             <a:spLocks noGrp="1"/>
           </p:cNvSpPr>
@@ -1133,9 +1044,9 @@
           <a:bodyPr/>
           <a:lstStyle/>
           <a:p>
-            <a:fld id="{DBAB2A49-0B58-497A-B9F9-E636A0213331}" type="datetimeFigureOut">
-              <a:rPr lang="zh-CN" altLang="en-US" smtClean="0"/>
-              <a:t>2019/4/16 Tuesday</a:t>
+            <a:fld id="{530820CF-B880-4189-942D-D702A7CBA730}" type="datetimeFigureOut">
+              <a:rPr lang="zh-CN" altLang="en-US" smtClean="0"/>
+              <a:t>2019/4/18</a:t>
             </a:fld>
             <a:endParaRPr lang="zh-CN" altLang="en-US"/>
           </a:p>
@@ -1143,13 +1054,7 @@
       </p:sp>
       <p:sp>
         <p:nvSpPr>
-          <p:cNvPr id="5" name="页脚占位符 4">
-            <a:extLst>
-              <a:ext uri="{FF2B5EF4-FFF2-40B4-BE49-F238E27FC236}">
-                <a16:creationId xmlns:a16="http://schemas.microsoft.com/office/drawing/2014/main" id="{10309281-84CA-4571-A8E6-991F3319F465}"/>
-              </a:ext>
-            </a:extLst>
-          </p:cNvPr>
+          <p:cNvPr id="5" name="页脚占位符 4"/>
           <p:cNvSpPr>
             <a:spLocks noGrp="1"/>
           </p:cNvSpPr>
@@ -1168,13 +1073,7 @@
       </p:sp>
       <p:sp>
         <p:nvSpPr>
-          <p:cNvPr id="6" name="灯片编号占位符 5">
-            <a:extLst>
-              <a:ext uri="{FF2B5EF4-FFF2-40B4-BE49-F238E27FC236}">
-                <a16:creationId xmlns:a16="http://schemas.microsoft.com/office/drawing/2014/main" id="{C72ADBE6-C796-4608-B429-74B7A5B28FAC}"/>
-              </a:ext>
-            </a:extLst>
-          </p:cNvPr>
+          <p:cNvPr id="6" name="灯片编号占位符 5"/>
           <p:cNvSpPr>
             <a:spLocks noGrp="1"/>
           </p:cNvSpPr>
@@ -1187,7 +1086,7 @@
           <a:bodyPr/>
           <a:lstStyle/>
           <a:p>
-            <a:fld id="{445314B8-DAD4-41D4-8F98-2BB6DC2BCE34}" type="slidenum">
+            <a:fld id="{0C913308-F349-4B6D-A68A-DD1791B4A57B}" type="slidenum">
               <a:rPr lang="zh-CN" altLang="en-US" smtClean="0"/>
               <a:t>‹#›</a:t>
             </a:fld>
@@ -1196,11 +1095,6 @@
         </p:txBody>
       </p:sp>
     </p:spTree>
-    <p:extLst>
-      <p:ext uri="{BB962C8B-B14F-4D97-AF65-F5344CB8AC3E}">
-        <p14:creationId xmlns:p14="http://schemas.microsoft.com/office/powerpoint/2010/main" val="3576164744"/>
-      </p:ext>
-    </p:extLst>
   </p:cSld>
   <p:clrMapOvr>
     <a:masterClrMapping/>
@@ -1227,13 +1121,7 @@
       </p:grpSpPr>
       <p:sp>
         <p:nvSpPr>
-          <p:cNvPr id="2" name="标题 1">
-            <a:extLst>
-              <a:ext uri="{FF2B5EF4-FFF2-40B4-BE49-F238E27FC236}">
-                <a16:creationId xmlns:a16="http://schemas.microsoft.com/office/drawing/2014/main" id="{6A32732C-F2BA-4A5F-A3EE-605A99157EC4}"/>
-              </a:ext>
-            </a:extLst>
-          </p:cNvPr>
+          <p:cNvPr id="2" name="标题 1"/>
           <p:cNvSpPr>
             <a:spLocks noGrp="1"/>
           </p:cNvSpPr>
@@ -1247,21 +1135,16 @@
           <a:lstStyle/>
           <a:p>
             <a:r>
-              <a:rPr lang="zh-CN" altLang="en-US"/>
+              <a:rPr lang="zh-CN" altLang="en-US" smtClean="0"/>
               <a:t>单击此处编辑母版标题样式</a:t>
             </a:r>
-          </a:p>
-        </p:txBody>
-      </p:sp>
-      <p:sp>
-        <p:nvSpPr>
-          <p:cNvPr id="3" name="内容占位符 2">
-            <a:extLst>
-              <a:ext uri="{FF2B5EF4-FFF2-40B4-BE49-F238E27FC236}">
-                <a16:creationId xmlns:a16="http://schemas.microsoft.com/office/drawing/2014/main" id="{9AD8766E-C0CB-4C3D-BB61-2E49B82976F2}"/>
-              </a:ext>
-            </a:extLst>
-          </p:cNvPr>
+            <a:endParaRPr lang="zh-CN" altLang="en-US"/>
+          </a:p>
+        </p:txBody>
+      </p:sp>
+      <p:sp>
+        <p:nvSpPr>
+          <p:cNvPr id="3" name="内容占位符 2"/>
           <p:cNvSpPr>
             <a:spLocks noGrp="1"/>
           </p:cNvSpPr>
@@ -1271,59 +1154,82 @@
         </p:nvSpPr>
         <p:spPr>
           <a:xfrm>
-            <a:off x="838200" y="1825625"/>
-            <a:ext cx="5181600" cy="4351338"/>
+            <a:off x="457200" y="1600200"/>
+            <a:ext cx="4038600" cy="4525963"/>
           </a:xfrm>
         </p:spPr>
         <p:txBody>
           <a:bodyPr/>
-          <a:lstStyle/>
+          <a:lstStyle>
+            <a:lvl1pPr>
+              <a:defRPr sz="2800"/>
+            </a:lvl1pPr>
+            <a:lvl2pPr>
+              <a:defRPr sz="2400"/>
+            </a:lvl2pPr>
+            <a:lvl3pPr>
+              <a:defRPr sz="2000"/>
+            </a:lvl3pPr>
+            <a:lvl4pPr>
+              <a:defRPr sz="1800"/>
+            </a:lvl4pPr>
+            <a:lvl5pPr>
+              <a:defRPr sz="1800"/>
+            </a:lvl5pPr>
+            <a:lvl6pPr>
+              <a:defRPr sz="1800"/>
+            </a:lvl6pPr>
+            <a:lvl7pPr>
+              <a:defRPr sz="1800"/>
+            </a:lvl7pPr>
+            <a:lvl8pPr>
+              <a:defRPr sz="1800"/>
+            </a:lvl8pPr>
+            <a:lvl9pPr>
+              <a:defRPr sz="1800"/>
+            </a:lvl9pPr>
+          </a:lstStyle>
           <a:p>
             <a:pPr lvl="0"/>
             <a:r>
-              <a:rPr lang="zh-CN" altLang="en-US"/>
+              <a:rPr lang="zh-CN" altLang="en-US" smtClean="0"/>
               <a:t>单击此处编辑母版文本样式</a:t>
             </a:r>
           </a:p>
           <a:p>
             <a:pPr lvl="1"/>
             <a:r>
-              <a:rPr lang="zh-CN" altLang="en-US"/>
-              <a:t>二级</a:t>
+              <a:rPr lang="zh-CN" altLang="en-US" smtClean="0"/>
+              <a:t>第二级</a:t>
             </a:r>
           </a:p>
           <a:p>
             <a:pPr lvl="2"/>
             <a:r>
-              <a:rPr lang="zh-CN" altLang="en-US"/>
-              <a:t>三级</a:t>
+              <a:rPr lang="zh-CN" altLang="en-US" smtClean="0"/>
+              <a:t>第三级</a:t>
             </a:r>
           </a:p>
           <a:p>
             <a:pPr lvl="3"/>
             <a:r>
-              <a:rPr lang="zh-CN" altLang="en-US"/>
-              <a:t>四级</a:t>
+              <a:rPr lang="zh-CN" altLang="en-US" smtClean="0"/>
+              <a:t>第四级</a:t>
             </a:r>
           </a:p>
           <a:p>
             <a:pPr lvl="4"/>
             <a:r>
-              <a:rPr lang="zh-CN" altLang="en-US"/>
-              <a:t>五级</a:t>
-            </a:r>
-          </a:p>
-        </p:txBody>
-      </p:sp>
-      <p:sp>
-        <p:nvSpPr>
-          <p:cNvPr id="4" name="内容占位符 3">
-            <a:extLst>
-              <a:ext uri="{FF2B5EF4-FFF2-40B4-BE49-F238E27FC236}">
-                <a16:creationId xmlns:a16="http://schemas.microsoft.com/office/drawing/2014/main" id="{1244A138-88CC-4F02-B72E-019765C2E47A}"/>
-              </a:ext>
-            </a:extLst>
-          </p:cNvPr>
+              <a:rPr lang="zh-CN" altLang="en-US" smtClean="0"/>
+              <a:t>第五级</a:t>
+            </a:r>
+            <a:endParaRPr lang="zh-CN" altLang="en-US"/>
+          </a:p>
+        </p:txBody>
+      </p:sp>
+      <p:sp>
+        <p:nvSpPr>
+          <p:cNvPr id="4" name="内容占位符 3"/>
           <p:cNvSpPr>
             <a:spLocks noGrp="1"/>
           </p:cNvSpPr>
@@ -1333,59 +1239,82 @@
         </p:nvSpPr>
         <p:spPr>
           <a:xfrm>
-            <a:off x="6172200" y="1825625"/>
-            <a:ext cx="5181600" cy="4351338"/>
+            <a:off x="4648200" y="1600200"/>
+            <a:ext cx="4038600" cy="4525963"/>
           </a:xfrm>
         </p:spPr>
         <p:txBody>
           <a:bodyPr/>
-          <a:lstStyle/>
+          <a:lstStyle>
+            <a:lvl1pPr>
+              <a:defRPr sz="2800"/>
+            </a:lvl1pPr>
+            <a:lvl2pPr>
+              <a:defRPr sz="2400"/>
+            </a:lvl2pPr>
+            <a:lvl3pPr>
+              <a:defRPr sz="2000"/>
+            </a:lvl3pPr>
+            <a:lvl4pPr>
+              <a:defRPr sz="1800"/>
+            </a:lvl4pPr>
+            <a:lvl5pPr>
+              <a:defRPr sz="1800"/>
+            </a:lvl5pPr>
+            <a:lvl6pPr>
+              <a:defRPr sz="1800"/>
+            </a:lvl6pPr>
+            <a:lvl7pPr>
+              <a:defRPr sz="1800"/>
+            </a:lvl7pPr>
+            <a:lvl8pPr>
+              <a:defRPr sz="1800"/>
+            </a:lvl8pPr>
+            <a:lvl9pPr>
+              <a:defRPr sz="1800"/>
+            </a:lvl9pPr>
+          </a:lstStyle>
           <a:p>
             <a:pPr lvl="0"/>
             <a:r>
-              <a:rPr lang="zh-CN" altLang="en-US"/>
+              <a:rPr lang="zh-CN" altLang="en-US" smtClean="0"/>
               <a:t>单击此处编辑母版文本样式</a:t>
             </a:r>
           </a:p>
           <a:p>
             <a:pPr lvl="1"/>
             <a:r>
-              <a:rPr lang="zh-CN" altLang="en-US"/>
-              <a:t>二级</a:t>
+              <a:rPr lang="zh-CN" altLang="en-US" smtClean="0"/>
+              <a:t>第二级</a:t>
             </a:r>
           </a:p>
           <a:p>
             <a:pPr lvl="2"/>
             <a:r>
-              <a:rPr lang="zh-CN" altLang="en-US"/>
-              <a:t>三级</a:t>
+              <a:rPr lang="zh-CN" altLang="en-US" smtClean="0"/>
+              <a:t>第三级</a:t>
             </a:r>
           </a:p>
           <a:p>
             <a:pPr lvl="3"/>
             <a:r>
-              <a:rPr lang="zh-CN" altLang="en-US"/>
-              <a:t>四级</a:t>
+              <a:rPr lang="zh-CN" altLang="en-US" smtClean="0"/>
+              <a:t>第四级</a:t>
             </a:r>
           </a:p>
           <a:p>
             <a:pPr lvl="4"/>
             <a:r>
-              <a:rPr lang="zh-CN" altLang="en-US"/>
-              <a:t>五级</a:t>
-            </a:r>
-          </a:p>
-        </p:txBody>
-      </p:sp>
-      <p:sp>
-        <p:nvSpPr>
-          <p:cNvPr id="5" name="日期占位符 4">
-            <a:extLst>
-              <a:ext uri="{FF2B5EF4-FFF2-40B4-BE49-F238E27FC236}">
-                <a16:creationId xmlns:a16="http://schemas.microsoft.com/office/drawing/2014/main" id="{E8F175FB-2C3D-40FE-B57E-D3D827B5D2D4}"/>
-              </a:ext>
-            </a:extLst>
-          </p:cNvPr>
+              <a:rPr lang="zh-CN" altLang="en-US" smtClean="0"/>
+              <a:t>第五级</a:t>
+            </a:r>
+            <a:endParaRPr lang="zh-CN" altLang="en-US"/>
+          </a:p>
+        </p:txBody>
+      </p:sp>
+      <p:sp>
+        <p:nvSpPr>
+          <p:cNvPr id="5" name="日期占位符 4"/>
           <p:cNvSpPr>
             <a:spLocks noGrp="1"/>
           </p:cNvSpPr>
@@ -1398,9 +1327,9 @@
           <a:bodyPr/>
           <a:lstStyle/>
           <a:p>
-            <a:fld id="{DBAB2A49-0B58-497A-B9F9-E636A0213331}" type="datetimeFigureOut">
-              <a:rPr lang="zh-CN" altLang="en-US" smtClean="0"/>
-              <a:t>2019/4/16 Tuesday</a:t>
+            <a:fld id="{530820CF-B880-4189-942D-D702A7CBA730}" type="datetimeFigureOut">
+              <a:rPr lang="zh-CN" altLang="en-US" smtClean="0"/>
+              <a:t>2019/4/18</a:t>
             </a:fld>
             <a:endParaRPr lang="zh-CN" altLang="en-US"/>
           </a:p>
@@ -1408,13 +1337,7 @@
       </p:sp>
       <p:sp>
         <p:nvSpPr>
-          <p:cNvPr id="6" name="页脚占位符 5">
-            <a:extLst>
-              <a:ext uri="{FF2B5EF4-FFF2-40B4-BE49-F238E27FC236}">
-                <a16:creationId xmlns:a16="http://schemas.microsoft.com/office/drawing/2014/main" id="{7A9C9DA5-0823-4094-9D32-7AD439D939C8}"/>
-              </a:ext>
-            </a:extLst>
-          </p:cNvPr>
+          <p:cNvPr id="6" name="页脚占位符 5"/>
           <p:cNvSpPr>
             <a:spLocks noGrp="1"/>
           </p:cNvSpPr>
@@ -1433,13 +1356,7 @@
       </p:sp>
       <p:sp>
         <p:nvSpPr>
-          <p:cNvPr id="7" name="灯片编号占位符 6">
-            <a:extLst>
-              <a:ext uri="{FF2B5EF4-FFF2-40B4-BE49-F238E27FC236}">
-                <a16:creationId xmlns:a16="http://schemas.microsoft.com/office/drawing/2014/main" id="{1C2A181A-BAE4-41A5-881F-7BB81D939613}"/>
-              </a:ext>
-            </a:extLst>
-          </p:cNvPr>
+          <p:cNvPr id="7" name="灯片编号占位符 6"/>
           <p:cNvSpPr>
             <a:spLocks noGrp="1"/>
           </p:cNvSpPr>
@@ -1452,7 +1369,7 @@
           <a:bodyPr/>
           <a:lstStyle/>
           <a:p>
-            <a:fld id="{445314B8-DAD4-41D4-8F98-2BB6DC2BCE34}" type="slidenum">
+            <a:fld id="{0C913308-F349-4B6D-A68A-DD1791B4A57B}" type="slidenum">
               <a:rPr lang="zh-CN" altLang="en-US" smtClean="0"/>
               <a:t>‹#›</a:t>
             </a:fld>
@@ -1461,11 +1378,6 @@
         </p:txBody>
       </p:sp>
     </p:spTree>
-    <p:extLst>
-      <p:ext uri="{BB962C8B-B14F-4D97-AF65-F5344CB8AC3E}">
-        <p14:creationId xmlns:p14="http://schemas.microsoft.com/office/powerpoint/2010/main" val="3739589609"/>
-      </p:ext>
-    </p:extLst>
   </p:cSld>
   <p:clrMapOvr>
     <a:masterClrMapping/>
@@ -1492,13 +1404,7 @@
       </p:grpSpPr>
       <p:sp>
         <p:nvSpPr>
-          <p:cNvPr id="2" name="标题 1">
-            <a:extLst>
-              <a:ext uri="{FF2B5EF4-FFF2-40B4-BE49-F238E27FC236}">
-                <a16:creationId xmlns:a16="http://schemas.microsoft.com/office/drawing/2014/main" id="{AA941C51-8938-4883-A91D-95D0BAB38AE0}"/>
-              </a:ext>
-            </a:extLst>
-          </p:cNvPr>
+          <p:cNvPr id="2" name="标题 1"/>
           <p:cNvSpPr>
             <a:spLocks noGrp="1"/>
           </p:cNvSpPr>
@@ -1506,32 +1412,26 @@
             <p:ph type="title"/>
           </p:nvPr>
         </p:nvSpPr>
-        <p:spPr>
-          <a:xfrm>
-            <a:off x="839788" y="365125"/>
-            <a:ext cx="10515600" cy="1325563"/>
-          </a:xfrm>
-        </p:spPr>
+        <p:spPr/>
         <p:txBody>
           <a:bodyPr/>
-          <a:lstStyle/>
-          <a:p>
-            <a:r>
-              <a:rPr lang="zh-CN" altLang="en-US"/>
+          <a:lstStyle>
+            <a:lvl1pPr>
+              <a:defRPr/>
+            </a:lvl1pPr>
+          </a:lstStyle>
+          <a:p>
+            <a:r>
+              <a:rPr lang="zh-CN" altLang="en-US" smtClean="0"/>
               <a:t>单击此处编辑母版标题样式</a:t>
             </a:r>
-          </a:p>
-        </p:txBody>
-      </p:sp>
-      <p:sp>
-        <p:nvSpPr>
-          <p:cNvPr id="3" name="文本占位符 2">
-            <a:extLst>
-              <a:ext uri="{FF2B5EF4-FFF2-40B4-BE49-F238E27FC236}">
-                <a16:creationId xmlns:a16="http://schemas.microsoft.com/office/drawing/2014/main" id="{7DCF3E0D-8BF0-42A5-BEE4-6CFE1B36D46D}"/>
-              </a:ext>
-            </a:extLst>
-          </p:cNvPr>
+            <a:endParaRPr lang="zh-CN" altLang="en-US"/>
+          </a:p>
+        </p:txBody>
+      </p:sp>
+      <p:sp>
+        <p:nvSpPr>
+          <p:cNvPr id="3" name="文本占位符 2"/>
           <p:cNvSpPr>
             <a:spLocks noGrp="1"/>
           </p:cNvSpPr>
@@ -1541,8 +1441,8 @@
         </p:nvSpPr>
         <p:spPr>
           <a:xfrm>
-            <a:off x="839788" y="1681163"/>
-            <a:ext cx="5157787" cy="823912"/>
+            <a:off x="457200" y="1535113"/>
+            <a:ext cx="4040188" cy="639762"/>
           </a:xfrm>
         </p:spPr>
         <p:txBody>
@@ -1588,7 +1488,7 @@
           <a:p>
             <a:pPr lvl="0"/>
             <a:r>
-              <a:rPr lang="zh-CN" altLang="en-US"/>
+              <a:rPr lang="zh-CN" altLang="en-US" smtClean="0"/>
               <a:t>单击此处编辑母版文本样式</a:t>
             </a:r>
           </a:p>
@@ -1596,13 +1496,7 @@
       </p:sp>
       <p:sp>
         <p:nvSpPr>
-          <p:cNvPr id="4" name="内容占位符 3">
-            <a:extLst>
-              <a:ext uri="{FF2B5EF4-FFF2-40B4-BE49-F238E27FC236}">
-                <a16:creationId xmlns:a16="http://schemas.microsoft.com/office/drawing/2014/main" id="{35DACDE8-6B97-4B93-AFE9-706DAAE45D6D}"/>
-              </a:ext>
-            </a:extLst>
-          </p:cNvPr>
+          <p:cNvPr id="4" name="内容占位符 3"/>
           <p:cNvSpPr>
             <a:spLocks noGrp="1"/>
           </p:cNvSpPr>
@@ -1612,59 +1506,82 @@
         </p:nvSpPr>
         <p:spPr>
           <a:xfrm>
-            <a:off x="839788" y="2505075"/>
-            <a:ext cx="5157787" cy="3684588"/>
+            <a:off x="457200" y="2174875"/>
+            <a:ext cx="4040188" cy="3951288"/>
           </a:xfrm>
         </p:spPr>
         <p:txBody>
           <a:bodyPr/>
-          <a:lstStyle/>
+          <a:lstStyle>
+            <a:lvl1pPr>
+              <a:defRPr sz="2400"/>
+            </a:lvl1pPr>
+            <a:lvl2pPr>
+              <a:defRPr sz="2000"/>
+            </a:lvl2pPr>
+            <a:lvl3pPr>
+              <a:defRPr sz="1800"/>
+            </a:lvl3pPr>
+            <a:lvl4pPr>
+              <a:defRPr sz="1600"/>
+            </a:lvl4pPr>
+            <a:lvl5pPr>
+              <a:defRPr sz="1600"/>
+            </a:lvl5pPr>
+            <a:lvl6pPr>
+              <a:defRPr sz="1600"/>
+            </a:lvl6pPr>
+            <a:lvl7pPr>
+              <a:defRPr sz="1600"/>
+            </a:lvl7pPr>
+            <a:lvl8pPr>
+              <a:defRPr sz="1600"/>
+            </a:lvl8pPr>
+            <a:lvl9pPr>
+              <a:defRPr sz="1600"/>
+            </a:lvl9pPr>
+          </a:lstStyle>
           <a:p>
             <a:pPr lvl="0"/>
             <a:r>
-              <a:rPr lang="zh-CN" altLang="en-US"/>
+              <a:rPr lang="zh-CN" altLang="en-US" smtClean="0"/>
               <a:t>单击此处编辑母版文本样式</a:t>
             </a:r>
           </a:p>
           <a:p>
             <a:pPr lvl="1"/>
             <a:r>
-              <a:rPr lang="zh-CN" altLang="en-US"/>
-              <a:t>二级</a:t>
+              <a:rPr lang="zh-CN" altLang="en-US" smtClean="0"/>
+              <a:t>第二级</a:t>
             </a:r>
           </a:p>
           <a:p>
             <a:pPr lvl="2"/>
             <a:r>
-              <a:rPr lang="zh-CN" altLang="en-US"/>
-              <a:t>三级</a:t>
+              <a:rPr lang="zh-CN" altLang="en-US" smtClean="0"/>
+              <a:t>第三级</a:t>
             </a:r>
           </a:p>
           <a:p>
             <a:pPr lvl="3"/>
             <a:r>
-              <a:rPr lang="zh-CN" altLang="en-US"/>
-              <a:t>四级</a:t>
+              <a:rPr lang="zh-CN" altLang="en-US" smtClean="0"/>
+              <a:t>第四级</a:t>
             </a:r>
           </a:p>
           <a:p>
             <a:pPr lvl="4"/>
             <a:r>
-              <a:rPr lang="zh-CN" altLang="en-US"/>
-              <a:t>五级</a:t>
-            </a:r>
-          </a:p>
-        </p:txBody>
-      </p:sp>
-      <p:sp>
-        <p:nvSpPr>
-          <p:cNvPr id="5" name="文本占位符 4">
-            <a:extLst>
-              <a:ext uri="{FF2B5EF4-FFF2-40B4-BE49-F238E27FC236}">
-                <a16:creationId xmlns:a16="http://schemas.microsoft.com/office/drawing/2014/main" id="{AD70FEFD-AD9C-4573-B2A8-BCA29CB1B85F}"/>
-              </a:ext>
-            </a:extLst>
-          </p:cNvPr>
+              <a:rPr lang="zh-CN" altLang="en-US" smtClean="0"/>
+              <a:t>第五级</a:t>
+            </a:r>
+            <a:endParaRPr lang="zh-CN" altLang="en-US"/>
+          </a:p>
+        </p:txBody>
+      </p:sp>
+      <p:sp>
+        <p:nvSpPr>
+          <p:cNvPr id="5" name="文本占位符 4"/>
           <p:cNvSpPr>
             <a:spLocks noGrp="1"/>
           </p:cNvSpPr>
@@ -1674,8 +1591,8 @@
         </p:nvSpPr>
         <p:spPr>
           <a:xfrm>
-            <a:off x="6172200" y="1681163"/>
-            <a:ext cx="5183188" cy="823912"/>
+            <a:off x="4645025" y="1535113"/>
+            <a:ext cx="4041775" cy="639762"/>
           </a:xfrm>
         </p:spPr>
         <p:txBody>
@@ -1721,7 +1638,7 @@
           <a:p>
             <a:pPr lvl="0"/>
             <a:r>
-              <a:rPr lang="zh-CN" altLang="en-US"/>
+              <a:rPr lang="zh-CN" altLang="en-US" smtClean="0"/>
               <a:t>单击此处编辑母版文本样式</a:t>
             </a:r>
           </a:p>
@@ -1729,13 +1646,7 @@
       </p:sp>
       <p:sp>
         <p:nvSpPr>
-          <p:cNvPr id="6" name="内容占位符 5">
-            <a:extLst>
-              <a:ext uri="{FF2B5EF4-FFF2-40B4-BE49-F238E27FC236}">
-                <a16:creationId xmlns:a16="http://schemas.microsoft.com/office/drawing/2014/main" id="{D418F501-ADB2-4924-8124-8CAABDF5C3BC}"/>
-              </a:ext>
-            </a:extLst>
-          </p:cNvPr>
+          <p:cNvPr id="6" name="内容占位符 5"/>
           <p:cNvSpPr>
             <a:spLocks noGrp="1"/>
           </p:cNvSpPr>
@@ -1745,59 +1656,82 @@
         </p:nvSpPr>
         <p:spPr>
           <a:xfrm>
-            <a:off x="6172200" y="2505075"/>
-            <a:ext cx="5183188" cy="3684588"/>
+            <a:off x="4645025" y="2174875"/>
+            <a:ext cx="4041775" cy="3951288"/>
           </a:xfrm>
         </p:spPr>
         <p:txBody>
           <a:bodyPr/>
-          <a:lstStyle/>
+          <a:lstStyle>
+            <a:lvl1pPr>
+              <a:defRPr sz="2400"/>
+            </a:lvl1pPr>
+            <a:lvl2pPr>
+              <a:defRPr sz="2000"/>
+            </a:lvl2pPr>
+            <a:lvl3pPr>
+              <a:defRPr sz="1800"/>
+            </a:lvl3pPr>
+            <a:lvl4pPr>
+              <a:defRPr sz="1600"/>
+            </a:lvl4pPr>
+            <a:lvl5pPr>
+              <a:defRPr sz="1600"/>
+            </a:lvl5pPr>
+            <a:lvl6pPr>
+              <a:defRPr sz="1600"/>
+            </a:lvl6pPr>
+            <a:lvl7pPr>
+              <a:defRPr sz="1600"/>
+            </a:lvl7pPr>
+            <a:lvl8pPr>
+              <a:defRPr sz="1600"/>
+            </a:lvl8pPr>
+            <a:lvl9pPr>
+              <a:defRPr sz="1600"/>
+            </a:lvl9pPr>
+          </a:lstStyle>
           <a:p>
             <a:pPr lvl="0"/>
             <a:r>
-              <a:rPr lang="zh-CN" altLang="en-US"/>
+              <a:rPr lang="zh-CN" altLang="en-US" smtClean="0"/>
               <a:t>单击此处编辑母版文本样式</a:t>
             </a:r>
           </a:p>
           <a:p>
             <a:pPr lvl="1"/>
             <a:r>
-              <a:rPr lang="zh-CN" altLang="en-US"/>
-              <a:t>二级</a:t>
+              <a:rPr lang="zh-CN" altLang="en-US" smtClean="0"/>
+              <a:t>第二级</a:t>
             </a:r>
           </a:p>
           <a:p>
             <a:pPr lvl="2"/>
             <a:r>
-              <a:rPr lang="zh-CN" altLang="en-US"/>
-              <a:t>三级</a:t>
+              <a:rPr lang="zh-CN" altLang="en-US" smtClean="0"/>
+              <a:t>第三级</a:t>
             </a:r>
           </a:p>
           <a:p>
             <a:pPr lvl="3"/>
             <a:r>
-              <a:rPr lang="zh-CN" altLang="en-US"/>
-              <a:t>四级</a:t>
+              <a:rPr lang="zh-CN" altLang="en-US" smtClean="0"/>
+              <a:t>第四级</a:t>
             </a:r>
           </a:p>
           <a:p>
             <a:pPr lvl="4"/>
             <a:r>
-              <a:rPr lang="zh-CN" altLang="en-US"/>
-              <a:t>五级</a:t>
-            </a:r>
-          </a:p>
-        </p:txBody>
-      </p:sp>
-      <p:sp>
-        <p:nvSpPr>
-          <p:cNvPr id="7" name="日期占位符 6">
-            <a:extLst>
-              <a:ext uri="{FF2B5EF4-FFF2-40B4-BE49-F238E27FC236}">
-                <a16:creationId xmlns:a16="http://schemas.microsoft.com/office/drawing/2014/main" id="{13319A8C-2B53-479B-B55B-0456F98A5112}"/>
-              </a:ext>
-            </a:extLst>
-          </p:cNvPr>
+              <a:rPr lang="zh-CN" altLang="en-US" smtClean="0"/>
+              <a:t>第五级</a:t>
+            </a:r>
+            <a:endParaRPr lang="zh-CN" altLang="en-US"/>
+          </a:p>
+        </p:txBody>
+      </p:sp>
+      <p:sp>
+        <p:nvSpPr>
+          <p:cNvPr id="7" name="日期占位符 6"/>
           <p:cNvSpPr>
             <a:spLocks noGrp="1"/>
           </p:cNvSpPr>
@@ -1810,9 +1744,9 @@
           <a:bodyPr/>
           <a:lstStyle/>
           <a:p>
-            <a:fld id="{DBAB2A49-0B58-497A-B9F9-E636A0213331}" type="datetimeFigureOut">
-              <a:rPr lang="zh-CN" altLang="en-US" smtClean="0"/>
-              <a:t>2019/4/16 Tuesday</a:t>
+            <a:fld id="{530820CF-B880-4189-942D-D702A7CBA730}" type="datetimeFigureOut">
+              <a:rPr lang="zh-CN" altLang="en-US" smtClean="0"/>
+              <a:t>2019/4/18</a:t>
             </a:fld>
             <a:endParaRPr lang="zh-CN" altLang="en-US"/>
           </a:p>
@@ -1820,13 +1754,7 @@
       </p:sp>
       <p:sp>
         <p:nvSpPr>
-          <p:cNvPr id="8" name="页脚占位符 7">
-            <a:extLst>
-              <a:ext uri="{FF2B5EF4-FFF2-40B4-BE49-F238E27FC236}">
-                <a16:creationId xmlns:a16="http://schemas.microsoft.com/office/drawing/2014/main" id="{DB0DC848-674B-4409-A8B4-348298ECD613}"/>
-              </a:ext>
-            </a:extLst>
-          </p:cNvPr>
+          <p:cNvPr id="8" name="页脚占位符 7"/>
           <p:cNvSpPr>
             <a:spLocks noGrp="1"/>
           </p:cNvSpPr>
@@ -1845,13 +1773,7 @@
       </p:sp>
       <p:sp>
         <p:nvSpPr>
-          <p:cNvPr id="9" name="灯片编号占位符 8">
-            <a:extLst>
-              <a:ext uri="{FF2B5EF4-FFF2-40B4-BE49-F238E27FC236}">
-                <a16:creationId xmlns:a16="http://schemas.microsoft.com/office/drawing/2014/main" id="{4FE653E2-A0DF-4F57-BE16-7FDB2A102B14}"/>
-              </a:ext>
-            </a:extLst>
-          </p:cNvPr>
+          <p:cNvPr id="9" name="灯片编号占位符 8"/>
           <p:cNvSpPr>
             <a:spLocks noGrp="1"/>
           </p:cNvSpPr>
@@ -1864,7 +1786,7 @@
           <a:bodyPr/>
           <a:lstStyle/>
           <a:p>
-            <a:fld id="{445314B8-DAD4-41D4-8F98-2BB6DC2BCE34}" type="slidenum">
+            <a:fld id="{0C913308-F349-4B6D-A68A-DD1791B4A57B}" type="slidenum">
               <a:rPr lang="zh-CN" altLang="en-US" smtClean="0"/>
               <a:t>‹#›</a:t>
             </a:fld>
@@ -1873,11 +1795,6 @@
         </p:txBody>
       </p:sp>
     </p:spTree>
-    <p:extLst>
-      <p:ext uri="{BB962C8B-B14F-4D97-AF65-F5344CB8AC3E}">
-        <p14:creationId xmlns:p14="http://schemas.microsoft.com/office/powerpoint/2010/main" val="257258497"/>
-      </p:ext>
-    </p:extLst>
   </p:cSld>
   <p:clrMapOvr>
     <a:masterClrMapping/>
@@ -1904,13 +1821,7 @@
       </p:grpSpPr>
       <p:sp>
         <p:nvSpPr>
-          <p:cNvPr id="2" name="标题 1">
-            <a:extLst>
-              <a:ext uri="{FF2B5EF4-FFF2-40B4-BE49-F238E27FC236}">
-                <a16:creationId xmlns:a16="http://schemas.microsoft.com/office/drawing/2014/main" id="{7DF8145A-773E-4509-87C2-5BF0F6F722E1}"/>
-              </a:ext>
-            </a:extLst>
-          </p:cNvPr>
+          <p:cNvPr id="2" name="标题 1"/>
           <p:cNvSpPr>
             <a:spLocks noGrp="1"/>
           </p:cNvSpPr>
@@ -1924,21 +1835,16 @@
           <a:lstStyle/>
           <a:p>
             <a:r>
-              <a:rPr lang="zh-CN" altLang="en-US"/>
+              <a:rPr lang="zh-CN" altLang="en-US" smtClean="0"/>
               <a:t>单击此处编辑母版标题样式</a:t>
             </a:r>
-          </a:p>
-        </p:txBody>
-      </p:sp>
-      <p:sp>
-        <p:nvSpPr>
-          <p:cNvPr id="3" name="日期占位符 2">
-            <a:extLst>
-              <a:ext uri="{FF2B5EF4-FFF2-40B4-BE49-F238E27FC236}">
-                <a16:creationId xmlns:a16="http://schemas.microsoft.com/office/drawing/2014/main" id="{241BEF02-A433-4FFC-BF57-F0C0B0884C1F}"/>
-              </a:ext>
-            </a:extLst>
-          </p:cNvPr>
+            <a:endParaRPr lang="zh-CN" altLang="en-US"/>
+          </a:p>
+        </p:txBody>
+      </p:sp>
+      <p:sp>
+        <p:nvSpPr>
+          <p:cNvPr id="3" name="日期占位符 2"/>
           <p:cNvSpPr>
             <a:spLocks noGrp="1"/>
           </p:cNvSpPr>
@@ -1951,9 +1857,9 @@
           <a:bodyPr/>
           <a:lstStyle/>
           <a:p>
-            <a:fld id="{DBAB2A49-0B58-497A-B9F9-E636A0213331}" type="datetimeFigureOut">
-              <a:rPr lang="zh-CN" altLang="en-US" smtClean="0"/>
-              <a:t>2019/4/16 Tuesday</a:t>
+            <a:fld id="{530820CF-B880-4189-942D-D702A7CBA730}" type="datetimeFigureOut">
+              <a:rPr lang="zh-CN" altLang="en-US" smtClean="0"/>
+              <a:t>2019/4/18</a:t>
             </a:fld>
             <a:endParaRPr lang="zh-CN" altLang="en-US"/>
           </a:p>
@@ -1961,13 +1867,7 @@
       </p:sp>
       <p:sp>
         <p:nvSpPr>
-          <p:cNvPr id="4" name="页脚占位符 3">
-            <a:extLst>
-              <a:ext uri="{FF2B5EF4-FFF2-40B4-BE49-F238E27FC236}">
-                <a16:creationId xmlns:a16="http://schemas.microsoft.com/office/drawing/2014/main" id="{7F9FF445-0793-427B-9468-9BB3830B2D9F}"/>
-              </a:ext>
-            </a:extLst>
-          </p:cNvPr>
+          <p:cNvPr id="4" name="页脚占位符 3"/>
           <p:cNvSpPr>
             <a:spLocks noGrp="1"/>
           </p:cNvSpPr>
@@ -1986,13 +1886,7 @@
       </p:sp>
       <p:sp>
         <p:nvSpPr>
-          <p:cNvPr id="5" name="灯片编号占位符 4">
-            <a:extLst>
-              <a:ext uri="{FF2B5EF4-FFF2-40B4-BE49-F238E27FC236}">
-                <a16:creationId xmlns:a16="http://schemas.microsoft.com/office/drawing/2014/main" id="{9D94BBED-9326-47CF-87CD-984716DA4B01}"/>
-              </a:ext>
-            </a:extLst>
-          </p:cNvPr>
+          <p:cNvPr id="5" name="灯片编号占位符 4"/>
           <p:cNvSpPr>
             <a:spLocks noGrp="1"/>
           </p:cNvSpPr>
@@ -2005,7 +1899,7 @@
           <a:bodyPr/>
           <a:lstStyle/>
           <a:p>
-            <a:fld id="{445314B8-DAD4-41D4-8F98-2BB6DC2BCE34}" type="slidenum">
+            <a:fld id="{0C913308-F349-4B6D-A68A-DD1791B4A57B}" type="slidenum">
               <a:rPr lang="zh-CN" altLang="en-US" smtClean="0"/>
               <a:t>‹#›</a:t>
             </a:fld>
@@ -2014,11 +1908,6 @@
         </p:txBody>
       </p:sp>
     </p:spTree>
-    <p:extLst>
-      <p:ext uri="{BB962C8B-B14F-4D97-AF65-F5344CB8AC3E}">
-        <p14:creationId xmlns:p14="http://schemas.microsoft.com/office/powerpoint/2010/main" val="1140533456"/>
-      </p:ext>
-    </p:extLst>
   </p:cSld>
   <p:clrMapOvr>
     <a:masterClrMapping/>
@@ -2045,13 +1934,7 @@
       </p:grpSpPr>
       <p:sp>
         <p:nvSpPr>
-          <p:cNvPr id="2" name="日期占位符 1">
-            <a:extLst>
-              <a:ext uri="{FF2B5EF4-FFF2-40B4-BE49-F238E27FC236}">
-                <a16:creationId xmlns:a16="http://schemas.microsoft.com/office/drawing/2014/main" id="{DE9ABDB5-CDF6-413B-B83E-04B38E3E6E9B}"/>
-              </a:ext>
-            </a:extLst>
-          </p:cNvPr>
+          <p:cNvPr id="2" name="日期占位符 1"/>
           <p:cNvSpPr>
             <a:spLocks noGrp="1"/>
           </p:cNvSpPr>
@@ -2064,9 +1947,9 @@
           <a:bodyPr/>
           <a:lstStyle/>
           <a:p>
-            <a:fld id="{DBAB2A49-0B58-497A-B9F9-E636A0213331}" type="datetimeFigureOut">
-              <a:rPr lang="zh-CN" altLang="en-US" smtClean="0"/>
-              <a:t>2019/4/16 Tuesday</a:t>
+            <a:fld id="{530820CF-B880-4189-942D-D702A7CBA730}" type="datetimeFigureOut">
+              <a:rPr lang="zh-CN" altLang="en-US" smtClean="0"/>
+              <a:t>2019/4/18</a:t>
             </a:fld>
             <a:endParaRPr lang="zh-CN" altLang="en-US"/>
           </a:p>
@@ -2074,13 +1957,7 @@
       </p:sp>
       <p:sp>
         <p:nvSpPr>
-          <p:cNvPr id="3" name="页脚占位符 2">
-            <a:extLst>
-              <a:ext uri="{FF2B5EF4-FFF2-40B4-BE49-F238E27FC236}">
-                <a16:creationId xmlns:a16="http://schemas.microsoft.com/office/drawing/2014/main" id="{50BB6731-96E5-47EF-A48A-2385683AEA8C}"/>
-              </a:ext>
-            </a:extLst>
-          </p:cNvPr>
+          <p:cNvPr id="3" name="页脚占位符 2"/>
           <p:cNvSpPr>
             <a:spLocks noGrp="1"/>
           </p:cNvSpPr>
@@ -2099,13 +1976,7 @@
       </p:sp>
       <p:sp>
         <p:nvSpPr>
-          <p:cNvPr id="4" name="灯片编号占位符 3">
-            <a:extLst>
-              <a:ext uri="{FF2B5EF4-FFF2-40B4-BE49-F238E27FC236}">
-                <a16:creationId xmlns:a16="http://schemas.microsoft.com/office/drawing/2014/main" id="{E077B6E9-9AA4-452E-9C57-7AF611CEF49F}"/>
-              </a:ext>
-            </a:extLst>
-          </p:cNvPr>
+          <p:cNvPr id="4" name="灯片编号占位符 3"/>
           <p:cNvSpPr>
             <a:spLocks noGrp="1"/>
           </p:cNvSpPr>
@@ -2118,7 +1989,7 @@
           <a:bodyPr/>
           <a:lstStyle/>
           <a:p>
-            <a:fld id="{445314B8-DAD4-41D4-8F98-2BB6DC2BCE34}" type="slidenum">
+            <a:fld id="{0C913308-F349-4B6D-A68A-DD1791B4A57B}" type="slidenum">
               <a:rPr lang="zh-CN" altLang="en-US" smtClean="0"/>
               <a:t>‹#›</a:t>
             </a:fld>
@@ -2127,11 +1998,6 @@
         </p:txBody>
       </p:sp>
     </p:spTree>
-    <p:extLst>
-      <p:ext uri="{BB962C8B-B14F-4D97-AF65-F5344CB8AC3E}">
-        <p14:creationId xmlns:p14="http://schemas.microsoft.com/office/powerpoint/2010/main" val="4252630901"/>
-      </p:ext>
-    </p:extLst>
   </p:cSld>
   <p:clrMapOvr>
     <a:masterClrMapping/>
@@ -2158,13 +2024,7 @@
       </p:grpSpPr>
       <p:sp>
         <p:nvSpPr>
-          <p:cNvPr id="2" name="标题 1">
-            <a:extLst>
-              <a:ext uri="{FF2B5EF4-FFF2-40B4-BE49-F238E27FC236}">
-                <a16:creationId xmlns:a16="http://schemas.microsoft.com/office/drawing/2014/main" id="{529FC1B2-9304-4268-B5A4-84031F6BFBF5}"/>
-              </a:ext>
-            </a:extLst>
-          </p:cNvPr>
+          <p:cNvPr id="2" name="标题 1"/>
           <p:cNvSpPr>
             <a:spLocks noGrp="1"/>
           </p:cNvSpPr>
@@ -2174,34 +2034,29 @@
         </p:nvSpPr>
         <p:spPr>
           <a:xfrm>
-            <a:off x="839788" y="457200"/>
-            <a:ext cx="3932237" cy="1600200"/>
+            <a:off x="457200" y="273050"/>
+            <a:ext cx="3008313" cy="1162050"/>
           </a:xfrm>
         </p:spPr>
         <p:txBody>
           <a:bodyPr anchor="b"/>
           <a:lstStyle>
-            <a:lvl1pPr>
-              <a:defRPr sz="3200"/>
+            <a:lvl1pPr algn="l">
+              <a:defRPr sz="2000" b="1"/>
             </a:lvl1pPr>
           </a:lstStyle>
           <a:p>
             <a:r>
-              <a:rPr lang="zh-CN" altLang="en-US"/>
+              <a:rPr lang="zh-CN" altLang="en-US" smtClean="0"/>
               <a:t>单击此处编辑母版标题样式</a:t>
             </a:r>
-          </a:p>
-        </p:txBody>
-      </p:sp>
-      <p:sp>
-        <p:nvSpPr>
-          <p:cNvPr id="3" name="内容占位符 2">
-            <a:extLst>
-              <a:ext uri="{FF2B5EF4-FFF2-40B4-BE49-F238E27FC236}">
-                <a16:creationId xmlns:a16="http://schemas.microsoft.com/office/drawing/2014/main" id="{7B8676F7-78E7-45DE-A16D-6754CC1DE8E7}"/>
-              </a:ext>
-            </a:extLst>
-          </p:cNvPr>
+            <a:endParaRPr lang="zh-CN" altLang="en-US"/>
+          </a:p>
+        </p:txBody>
+      </p:sp>
+      <p:sp>
+        <p:nvSpPr>
+          <p:cNvPr id="3" name="内容占位符 2"/>
           <p:cNvSpPr>
             <a:spLocks noGrp="1"/>
           </p:cNvSpPr>
@@ -2211,8 +2066,8 @@
         </p:nvSpPr>
         <p:spPr>
           <a:xfrm>
-            <a:off x="5183188" y="987425"/>
-            <a:ext cx="6172200" cy="4873625"/>
+            <a:off x="3575050" y="273050"/>
+            <a:ext cx="5111750" cy="5853113"/>
           </a:xfrm>
         </p:spPr>
         <p:txBody>
@@ -2249,49 +2104,44 @@
           <a:p>
             <a:pPr lvl="0"/>
             <a:r>
-              <a:rPr lang="zh-CN" altLang="en-US"/>
+              <a:rPr lang="zh-CN" altLang="en-US" smtClean="0"/>
               <a:t>单击此处编辑母版文本样式</a:t>
             </a:r>
           </a:p>
           <a:p>
             <a:pPr lvl="1"/>
             <a:r>
-              <a:rPr lang="zh-CN" altLang="en-US"/>
-              <a:t>二级</a:t>
+              <a:rPr lang="zh-CN" altLang="en-US" smtClean="0"/>
+              <a:t>第二级</a:t>
             </a:r>
           </a:p>
           <a:p>
             <a:pPr lvl="2"/>
             <a:r>
-              <a:rPr lang="zh-CN" altLang="en-US"/>
-              <a:t>三级</a:t>
+              <a:rPr lang="zh-CN" altLang="en-US" smtClean="0"/>
+              <a:t>第三级</a:t>
             </a:r>
           </a:p>
           <a:p>
             <a:pPr lvl="3"/>
             <a:r>
-              <a:rPr lang="zh-CN" altLang="en-US"/>
-              <a:t>四级</a:t>
+              <a:rPr lang="zh-CN" altLang="en-US" smtClean="0"/>
+              <a:t>第四级</a:t>
             </a:r>
           </a:p>
           <a:p>
             <a:pPr lvl="4"/>
             <a:r>
-              <a:rPr lang="zh-CN" altLang="en-US"/>
-              <a:t>五级</a:t>
-            </a:r>
-          </a:p>
-        </p:txBody>
-      </p:sp>
-      <p:sp>
-        <p:nvSpPr>
-          <p:cNvPr id="4" name="文本占位符 3">
-            <a:extLst>
-              <a:ext uri="{FF2B5EF4-FFF2-40B4-BE49-F238E27FC236}">
-                <a16:creationId xmlns:a16="http://schemas.microsoft.com/office/drawing/2014/main" id="{B89B976A-FAFA-4BF3-8EE4-046156E28136}"/>
-              </a:ext>
-            </a:extLst>
-          </p:cNvPr>
+              <a:rPr lang="zh-CN" altLang="en-US" smtClean="0"/>
+              <a:t>第五级</a:t>
+            </a:r>
+            <a:endParaRPr lang="zh-CN" altLang="en-US"/>
+          </a:p>
+        </p:txBody>
+      </p:sp>
+      <p:sp>
+        <p:nvSpPr>
+          <p:cNvPr id="4" name="文本占位符 3"/>
           <p:cNvSpPr>
             <a:spLocks noGrp="1"/>
           </p:cNvSpPr>
@@ -2301,8 +2151,8 @@
         </p:nvSpPr>
         <p:spPr>
           <a:xfrm>
-            <a:off x="839788" y="2057400"/>
-            <a:ext cx="3932237" cy="3811588"/>
+            <a:off x="457200" y="1435100"/>
+            <a:ext cx="3008313" cy="4691063"/>
           </a:xfrm>
         </p:spPr>
         <p:txBody>
@@ -2310,45 +2160,45 @@
           <a:lstStyle>
             <a:lvl1pPr marL="0" indent="0">
               <a:buNone/>
-              <a:defRPr sz="1600"/>
+              <a:defRPr sz="1400"/>
             </a:lvl1pPr>
             <a:lvl2pPr marL="457200" indent="0">
               <a:buNone/>
-              <a:defRPr sz="1400"/>
+              <a:defRPr sz="1200"/>
             </a:lvl2pPr>
             <a:lvl3pPr marL="914400" indent="0">
               <a:buNone/>
-              <a:defRPr sz="1200"/>
+              <a:defRPr sz="1000"/>
             </a:lvl3pPr>
             <a:lvl4pPr marL="1371600" indent="0">
               <a:buNone/>
-              <a:defRPr sz="1000"/>
+              <a:defRPr sz="900"/>
             </a:lvl4pPr>
             <a:lvl5pPr marL="1828800" indent="0">
               <a:buNone/>
-              <a:defRPr sz="1000"/>
+              <a:defRPr sz="900"/>
             </a:lvl5pPr>
             <a:lvl6pPr marL="2286000" indent="0">
               <a:buNone/>
-              <a:defRPr sz="1000"/>
+              <a:defRPr sz="900"/>
             </a:lvl6pPr>
             <a:lvl7pPr marL="2743200" indent="0">
               <a:buNone/>
-              <a:defRPr sz="1000"/>
+              <a:defRPr sz="900"/>
             </a:lvl7pPr>
             <a:lvl8pPr marL="3200400" indent="0">
               <a:buNone/>
-              <a:defRPr sz="1000"/>
+              <a:defRPr sz="900"/>
             </a:lvl8pPr>
             <a:lvl9pPr marL="3657600" indent="0">
               <a:buNone/>
-              <a:defRPr sz="1000"/>
+              <a:defRPr sz="900"/>
             </a:lvl9pPr>
           </a:lstStyle>
           <a:p>
             <a:pPr lvl="0"/>
             <a:r>
-              <a:rPr lang="zh-CN" altLang="en-US"/>
+              <a:rPr lang="zh-CN" altLang="en-US" smtClean="0"/>
               <a:t>单击此处编辑母版文本样式</a:t>
             </a:r>
           </a:p>
@@ -2356,13 +2206,7 @@
       </p:sp>
       <p:sp>
         <p:nvSpPr>
-          <p:cNvPr id="5" name="日期占位符 4">
-            <a:extLst>
-              <a:ext uri="{FF2B5EF4-FFF2-40B4-BE49-F238E27FC236}">
-                <a16:creationId xmlns:a16="http://schemas.microsoft.com/office/drawing/2014/main" id="{06ACA7D0-D72F-4EB8-84FA-04F585A4638F}"/>
-              </a:ext>
-            </a:extLst>
-          </p:cNvPr>
+          <p:cNvPr id="5" name="日期占位符 4"/>
           <p:cNvSpPr>
             <a:spLocks noGrp="1"/>
           </p:cNvSpPr>
@@ -2375,9 +2219,9 @@
           <a:bodyPr/>
           <a:lstStyle/>
           <a:p>
-            <a:fld id="{DBAB2A49-0B58-497A-B9F9-E636A0213331}" type="datetimeFigureOut">
-              <a:rPr lang="zh-CN" altLang="en-US" smtClean="0"/>
-              <a:t>2019/4/16 Tuesday</a:t>
+            <a:fld id="{530820CF-B880-4189-942D-D702A7CBA730}" type="datetimeFigureOut">
+              <a:rPr lang="zh-CN" altLang="en-US" smtClean="0"/>
+              <a:t>2019/4/18</a:t>
             </a:fld>
             <a:endParaRPr lang="zh-CN" altLang="en-US"/>
           </a:p>
@@ -2385,13 +2229,7 @@
       </p:sp>
       <p:sp>
         <p:nvSpPr>
-          <p:cNvPr id="6" name="页脚占位符 5">
-            <a:extLst>
-              <a:ext uri="{FF2B5EF4-FFF2-40B4-BE49-F238E27FC236}">
-                <a16:creationId xmlns:a16="http://schemas.microsoft.com/office/drawing/2014/main" id="{79EB5487-B5FC-4EB7-BFFD-A2235D614C87}"/>
-              </a:ext>
-            </a:extLst>
-          </p:cNvPr>
+          <p:cNvPr id="6" name="页脚占位符 5"/>
           <p:cNvSpPr>
             <a:spLocks noGrp="1"/>
           </p:cNvSpPr>
@@ -2410,13 +2248,7 @@
       </p:sp>
       <p:sp>
         <p:nvSpPr>
-          <p:cNvPr id="7" name="灯片编号占位符 6">
-            <a:extLst>
-              <a:ext uri="{FF2B5EF4-FFF2-40B4-BE49-F238E27FC236}">
-                <a16:creationId xmlns:a16="http://schemas.microsoft.com/office/drawing/2014/main" id="{8F1195E5-8C7F-4EB8-ABA4-ED9E0FE24371}"/>
-              </a:ext>
-            </a:extLst>
-          </p:cNvPr>
+          <p:cNvPr id="7" name="灯片编号占位符 6"/>
           <p:cNvSpPr>
             <a:spLocks noGrp="1"/>
           </p:cNvSpPr>
@@ -2429,7 +2261,7 @@
           <a:bodyPr/>
           <a:lstStyle/>
           <a:p>
-            <a:fld id="{445314B8-DAD4-41D4-8F98-2BB6DC2BCE34}" type="slidenum">
+            <a:fld id="{0C913308-F349-4B6D-A68A-DD1791B4A57B}" type="slidenum">
               <a:rPr lang="zh-CN" altLang="en-US" smtClean="0"/>
               <a:t>‹#›</a:t>
             </a:fld>
@@ -2438,11 +2270,6 @@
         </p:txBody>
       </p:sp>
     </p:spTree>
-    <p:extLst>
-      <p:ext uri="{BB962C8B-B14F-4D97-AF65-F5344CB8AC3E}">
-        <p14:creationId xmlns:p14="http://schemas.microsoft.com/office/powerpoint/2010/main" val="3619280227"/>
-      </p:ext>
-    </p:extLst>
   </p:cSld>
   <p:clrMapOvr>
     <a:masterClrMapping/>
@@ -2469,13 +2296,7 @@
       </p:grpSpPr>
       <p:sp>
         <p:nvSpPr>
-          <p:cNvPr id="2" name="标题 1">
-            <a:extLst>
-              <a:ext uri="{FF2B5EF4-FFF2-40B4-BE49-F238E27FC236}">
-                <a16:creationId xmlns:a16="http://schemas.microsoft.com/office/drawing/2014/main" id="{5A2086E0-138E-4CCE-A0EB-5E54E2CACEA4}"/>
-              </a:ext>
-            </a:extLst>
-          </p:cNvPr>
+          <p:cNvPr id="2" name="标题 1"/>
           <p:cNvSpPr>
             <a:spLocks noGrp="1"/>
           </p:cNvSpPr>
@@ -2485,34 +2306,29 @@
         </p:nvSpPr>
         <p:spPr>
           <a:xfrm>
-            <a:off x="839788" y="457200"/>
-            <a:ext cx="3932237" cy="1600200"/>
+            <a:off x="1792288" y="4800600"/>
+            <a:ext cx="5486400" cy="566738"/>
           </a:xfrm>
         </p:spPr>
         <p:txBody>
           <a:bodyPr anchor="b"/>
           <a:lstStyle>
-            <a:lvl1pPr>
-              <a:defRPr sz="3200"/>
+            <a:lvl1pPr algn="l">
+              <a:defRPr sz="2000" b="1"/>
             </a:lvl1pPr>
           </a:lstStyle>
           <a:p>
             <a:r>
-              <a:rPr lang="zh-CN" altLang="en-US"/>
+              <a:rPr lang="zh-CN" altLang="en-US" smtClean="0"/>
               <a:t>单击此处编辑母版标题样式</a:t>
             </a:r>
-          </a:p>
-        </p:txBody>
-      </p:sp>
-      <p:sp>
-        <p:nvSpPr>
-          <p:cNvPr id="3" name="图片占位符 2">
-            <a:extLst>
-              <a:ext uri="{FF2B5EF4-FFF2-40B4-BE49-F238E27FC236}">
-                <a16:creationId xmlns:a16="http://schemas.microsoft.com/office/drawing/2014/main" id="{F0C1DBE3-82B8-4F5C-A72C-0D50E1356416}"/>
-              </a:ext>
-            </a:extLst>
-          </p:cNvPr>
+            <a:endParaRPr lang="zh-CN" altLang="en-US"/>
+          </a:p>
+        </p:txBody>
+      </p:sp>
+      <p:sp>
+        <p:nvSpPr>
+          <p:cNvPr id="3" name="图片占位符 2"/>
           <p:cNvSpPr>
             <a:spLocks noGrp="1"/>
           </p:cNvSpPr>
@@ -2522,8 +2338,8 @@
         </p:nvSpPr>
         <p:spPr>
           <a:xfrm>
-            <a:off x="5183188" y="987425"/>
-            <a:ext cx="6172200" cy="4873625"/>
+            <a:off x="1792288" y="612775"/>
+            <a:ext cx="5486400" cy="4114800"/>
           </a:xfrm>
         </p:spPr>
         <p:txBody>
@@ -2573,13 +2389,7 @@
       </p:sp>
       <p:sp>
         <p:nvSpPr>
-          <p:cNvPr id="4" name="文本占位符 3">
-            <a:extLst>
-              <a:ext uri="{FF2B5EF4-FFF2-40B4-BE49-F238E27FC236}">
-                <a16:creationId xmlns:a16="http://schemas.microsoft.com/office/drawing/2014/main" id="{780AAB58-9689-42E6-9BA9-C98DD48C48BC}"/>
-              </a:ext>
-            </a:extLst>
-          </p:cNvPr>
+          <p:cNvPr id="4" name="文本占位符 3"/>
           <p:cNvSpPr>
             <a:spLocks noGrp="1"/>
           </p:cNvSpPr>
@@ -2589,8 +2399,8 @@
         </p:nvSpPr>
         <p:spPr>
           <a:xfrm>
-            <a:off x="839788" y="2057400"/>
-            <a:ext cx="3932237" cy="3811588"/>
+            <a:off x="1792288" y="5367338"/>
+            <a:ext cx="5486400" cy="804862"/>
           </a:xfrm>
         </p:spPr>
         <p:txBody>
@@ -2598,45 +2408,45 @@
           <a:lstStyle>
             <a:lvl1pPr marL="0" indent="0">
               <a:buNone/>
-              <a:defRPr sz="1600"/>
+              <a:defRPr sz="1400"/>
             </a:lvl1pPr>
             <a:lvl2pPr marL="457200" indent="0">
               <a:buNone/>
-              <a:defRPr sz="1400"/>
+              <a:defRPr sz="1200"/>
             </a:lvl2pPr>
             <a:lvl3pPr marL="914400" indent="0">
               <a:buNone/>
-              <a:defRPr sz="1200"/>
+              <a:defRPr sz="1000"/>
             </a:lvl3pPr>
             <a:lvl4pPr marL="1371600" indent="0">
               <a:buNone/>
-              <a:defRPr sz="1000"/>
+              <a:defRPr sz="900"/>
             </a:lvl4pPr>
             <a:lvl5pPr marL="1828800" indent="0">
               <a:buNone/>
-              <a:defRPr sz="1000"/>
+              <a:defRPr sz="900"/>
             </a:lvl5pPr>
             <a:lvl6pPr marL="2286000" indent="0">
               <a:buNone/>
-              <a:defRPr sz="1000"/>
+              <a:defRPr sz="900"/>
             </a:lvl6pPr>
             <a:lvl7pPr marL="2743200" indent="0">
               <a:buNone/>
-              <a:defRPr sz="1000"/>
+              <a:defRPr sz="900"/>
             </a:lvl7pPr>
             <a:lvl8pPr marL="3200400" indent="0">
               <a:buNone/>
-              <a:defRPr sz="1000"/>
+              <a:defRPr sz="900"/>
             </a:lvl8pPr>
             <a:lvl9pPr marL="3657600" indent="0">
               <a:buNone/>
-              <a:defRPr sz="1000"/>
+              <a:defRPr sz="900"/>
             </a:lvl9pPr>
           </a:lstStyle>
           <a:p>
             <a:pPr lvl="0"/>
             <a:r>
-              <a:rPr lang="zh-CN" altLang="en-US"/>
+              <a:rPr lang="zh-CN" altLang="en-US" smtClean="0"/>
               <a:t>单击此处编辑母版文本样式</a:t>
             </a:r>
           </a:p>
@@ -2644,13 +2454,7 @@
       </p:sp>
       <p:sp>
         <p:nvSpPr>
-          <p:cNvPr id="5" name="日期占位符 4">
-            <a:extLst>
-              <a:ext uri="{FF2B5EF4-FFF2-40B4-BE49-F238E27FC236}">
-                <a16:creationId xmlns:a16="http://schemas.microsoft.com/office/drawing/2014/main" id="{7773BEBD-8BB6-49F2-B326-AFC8D3741912}"/>
-              </a:ext>
-            </a:extLst>
-          </p:cNvPr>
+          <p:cNvPr id="5" name="日期占位符 4"/>
           <p:cNvSpPr>
             <a:spLocks noGrp="1"/>
           </p:cNvSpPr>
@@ -2663,9 +2467,9 @@
           <a:bodyPr/>
           <a:lstStyle/>
           <a:p>
-            <a:fld id="{DBAB2A49-0B58-497A-B9F9-E636A0213331}" type="datetimeFigureOut">
-              <a:rPr lang="zh-CN" altLang="en-US" smtClean="0"/>
-              <a:t>2019/4/16 Tuesday</a:t>
+            <a:fld id="{530820CF-B880-4189-942D-D702A7CBA730}" type="datetimeFigureOut">
+              <a:rPr lang="zh-CN" altLang="en-US" smtClean="0"/>
+              <a:t>2019/4/18</a:t>
             </a:fld>
             <a:endParaRPr lang="zh-CN" altLang="en-US"/>
           </a:p>
@@ -2673,13 +2477,7 @@
       </p:sp>
       <p:sp>
         <p:nvSpPr>
-          <p:cNvPr id="6" name="页脚占位符 5">
-            <a:extLst>
-              <a:ext uri="{FF2B5EF4-FFF2-40B4-BE49-F238E27FC236}">
-                <a16:creationId xmlns:a16="http://schemas.microsoft.com/office/drawing/2014/main" id="{12E01F9F-A9E9-4929-8FDC-A0B112DF6F55}"/>
-              </a:ext>
-            </a:extLst>
-          </p:cNvPr>
+          <p:cNvPr id="6" name="页脚占位符 5"/>
           <p:cNvSpPr>
             <a:spLocks noGrp="1"/>
           </p:cNvSpPr>
@@ -2698,13 +2496,7 @@
       </p:sp>
       <p:sp>
         <p:nvSpPr>
-          <p:cNvPr id="7" name="灯片编号占位符 6">
-            <a:extLst>
-              <a:ext uri="{FF2B5EF4-FFF2-40B4-BE49-F238E27FC236}">
-                <a16:creationId xmlns:a16="http://schemas.microsoft.com/office/drawing/2014/main" id="{E8DBDD52-6040-4EC3-B167-B5F2DEBD1272}"/>
-              </a:ext>
-            </a:extLst>
-          </p:cNvPr>
+          <p:cNvPr id="7" name="灯片编号占位符 6"/>
           <p:cNvSpPr>
             <a:spLocks noGrp="1"/>
           </p:cNvSpPr>
@@ -2717,7 +2509,7 @@
           <a:bodyPr/>
           <a:lstStyle/>
           <a:p>
-            <a:fld id="{445314B8-DAD4-41D4-8F98-2BB6DC2BCE34}" type="slidenum">
+            <a:fld id="{0C913308-F349-4B6D-A68A-DD1791B4A57B}" type="slidenum">
               <a:rPr lang="zh-CN" altLang="en-US" smtClean="0"/>
               <a:t>‹#›</a:t>
             </a:fld>
@@ -2726,11 +2518,6 @@
         </p:txBody>
       </p:sp>
     </p:spTree>
-    <p:extLst>
-      <p:ext uri="{BB962C8B-B14F-4D97-AF65-F5344CB8AC3E}">
-        <p14:creationId xmlns:p14="http://schemas.microsoft.com/office/powerpoint/2010/main" val="804736936"/>
-      </p:ext>
-    </p:extLst>
   </p:cSld>
   <p:clrMapOvr>
     <a:masterClrMapping/>
@@ -2762,13 +2549,7 @@
       </p:grpSpPr>
       <p:sp>
         <p:nvSpPr>
-          <p:cNvPr id="2" name="标题占位符 1">
-            <a:extLst>
-              <a:ext uri="{FF2B5EF4-FFF2-40B4-BE49-F238E27FC236}">
-                <a16:creationId xmlns:a16="http://schemas.microsoft.com/office/drawing/2014/main" id="{4FEBEF33-3DFA-4931-99F4-4912F9A68161}"/>
-              </a:ext>
-            </a:extLst>
-          </p:cNvPr>
+          <p:cNvPr id="2" name="标题占位符 1"/>
           <p:cNvSpPr>
             <a:spLocks noGrp="1"/>
           </p:cNvSpPr>
@@ -2778,8 +2559,8 @@
         </p:nvSpPr>
         <p:spPr>
           <a:xfrm>
-            <a:off x="838200" y="365125"/>
-            <a:ext cx="10515600" cy="1325563"/>
+            <a:off x="457200" y="274638"/>
+            <a:ext cx="8229600" cy="1143000"/>
           </a:xfrm>
           <a:prstGeom prst="rect">
             <a:avLst/>
@@ -2792,21 +2573,16 @@
           <a:lstStyle/>
           <a:p>
             <a:r>
-              <a:rPr lang="zh-CN" altLang="en-US"/>
+              <a:rPr lang="zh-CN" altLang="en-US" smtClean="0"/>
               <a:t>单击此处编辑母版标题样式</a:t>
             </a:r>
-          </a:p>
-        </p:txBody>
-      </p:sp>
-      <p:sp>
-        <p:nvSpPr>
-          <p:cNvPr id="3" name="文本占位符 2">
-            <a:extLst>
-              <a:ext uri="{FF2B5EF4-FFF2-40B4-BE49-F238E27FC236}">
-                <a16:creationId xmlns:a16="http://schemas.microsoft.com/office/drawing/2014/main" id="{644C75F8-D09D-4566-BD1B-F97031DD48B3}"/>
-              </a:ext>
-            </a:extLst>
-          </p:cNvPr>
+            <a:endParaRPr lang="zh-CN" altLang="en-US"/>
+          </a:p>
+        </p:txBody>
+      </p:sp>
+      <p:sp>
+        <p:nvSpPr>
+          <p:cNvPr id="3" name="文本占位符 2"/>
           <p:cNvSpPr>
             <a:spLocks noGrp="1"/>
           </p:cNvSpPr>
@@ -2816,8 +2592,8 @@
         </p:nvSpPr>
         <p:spPr>
           <a:xfrm>
-            <a:off x="838200" y="1825625"/>
-            <a:ext cx="10515600" cy="4351338"/>
+            <a:off x="457200" y="1600200"/>
+            <a:ext cx="8229600" cy="4525963"/>
           </a:xfrm>
           <a:prstGeom prst="rect">
             <a:avLst/>
@@ -2831,49 +2607,44 @@
           <a:p>
             <a:pPr lvl="0"/>
             <a:r>
-              <a:rPr lang="zh-CN" altLang="en-US"/>
+              <a:rPr lang="zh-CN" altLang="en-US" smtClean="0"/>
               <a:t>单击此处编辑母版文本样式</a:t>
             </a:r>
           </a:p>
           <a:p>
             <a:pPr lvl="1"/>
             <a:r>
-              <a:rPr lang="zh-CN" altLang="en-US"/>
-              <a:t>二级</a:t>
+              <a:rPr lang="zh-CN" altLang="en-US" smtClean="0"/>
+              <a:t>第二级</a:t>
             </a:r>
           </a:p>
           <a:p>
             <a:pPr lvl="2"/>
             <a:r>
-              <a:rPr lang="zh-CN" altLang="en-US"/>
-              <a:t>三级</a:t>
+              <a:rPr lang="zh-CN" altLang="en-US" smtClean="0"/>
+              <a:t>第三级</a:t>
             </a:r>
           </a:p>
           <a:p>
             <a:pPr lvl="3"/>
             <a:r>
-              <a:rPr lang="zh-CN" altLang="en-US"/>
-              <a:t>四级</a:t>
+              <a:rPr lang="zh-CN" altLang="en-US" smtClean="0"/>
+              <a:t>第四级</a:t>
             </a:r>
           </a:p>
           <a:p>
             <a:pPr lvl="4"/>
             <a:r>
-              <a:rPr lang="zh-CN" altLang="en-US"/>
-              <a:t>五级</a:t>
-            </a:r>
-          </a:p>
-        </p:txBody>
-      </p:sp>
-      <p:sp>
-        <p:nvSpPr>
-          <p:cNvPr id="4" name="日期占位符 3">
-            <a:extLst>
-              <a:ext uri="{FF2B5EF4-FFF2-40B4-BE49-F238E27FC236}">
-                <a16:creationId xmlns:a16="http://schemas.microsoft.com/office/drawing/2014/main" id="{44F11A0F-60E6-4A50-A18F-53FA31C5107F}"/>
-              </a:ext>
-            </a:extLst>
-          </p:cNvPr>
+              <a:rPr lang="zh-CN" altLang="en-US" smtClean="0"/>
+              <a:t>第五级</a:t>
+            </a:r>
+            <a:endParaRPr lang="zh-CN" altLang="en-US"/>
+          </a:p>
+        </p:txBody>
+      </p:sp>
+      <p:sp>
+        <p:nvSpPr>
+          <p:cNvPr id="4" name="日期占位符 3"/>
           <p:cNvSpPr>
             <a:spLocks noGrp="1"/>
           </p:cNvSpPr>
@@ -2883,8 +2654,8 @@
         </p:nvSpPr>
         <p:spPr>
           <a:xfrm>
-            <a:off x="838200" y="6356350"/>
-            <a:ext cx="2743200" cy="365125"/>
+            <a:off x="457200" y="6356350"/>
+            <a:ext cx="2133600" cy="365125"/>
           </a:xfrm>
           <a:prstGeom prst="rect">
             <a:avLst/>
@@ -2904,9 +2675,9 @@
             </a:lvl1pPr>
           </a:lstStyle>
           <a:p>
-            <a:fld id="{DBAB2A49-0B58-497A-B9F9-E636A0213331}" type="datetimeFigureOut">
-              <a:rPr lang="zh-CN" altLang="en-US" smtClean="0"/>
-              <a:t>2019/4/16 Tuesday</a:t>
+            <a:fld id="{530820CF-B880-4189-942D-D702A7CBA730}" type="datetimeFigureOut">
+              <a:rPr lang="zh-CN" altLang="en-US" smtClean="0"/>
+              <a:t>2019/4/18</a:t>
             </a:fld>
             <a:endParaRPr lang="zh-CN" altLang="en-US"/>
           </a:p>
@@ -2914,13 +2685,7 @@
       </p:sp>
       <p:sp>
         <p:nvSpPr>
-          <p:cNvPr id="5" name="页脚占位符 4">
-            <a:extLst>
-              <a:ext uri="{FF2B5EF4-FFF2-40B4-BE49-F238E27FC236}">
-                <a16:creationId xmlns:a16="http://schemas.microsoft.com/office/drawing/2014/main" id="{49D42705-980F-439F-91D5-833720B2E056}"/>
-              </a:ext>
-            </a:extLst>
-          </p:cNvPr>
+          <p:cNvPr id="5" name="页脚占位符 4"/>
           <p:cNvSpPr>
             <a:spLocks noGrp="1"/>
           </p:cNvSpPr>
@@ -2930,8 +2695,8 @@
         </p:nvSpPr>
         <p:spPr>
           <a:xfrm>
-            <a:off x="4038600" y="6356350"/>
-            <a:ext cx="4114800" cy="365125"/>
+            <a:off x="3124200" y="6356350"/>
+            <a:ext cx="2895600" cy="365125"/>
           </a:xfrm>
           <a:prstGeom prst="rect">
             <a:avLst/>
@@ -2957,13 +2722,7 @@
       </p:sp>
       <p:sp>
         <p:nvSpPr>
-          <p:cNvPr id="6" name="灯片编号占位符 5">
-            <a:extLst>
-              <a:ext uri="{FF2B5EF4-FFF2-40B4-BE49-F238E27FC236}">
-                <a16:creationId xmlns:a16="http://schemas.microsoft.com/office/drawing/2014/main" id="{21396373-EC36-4E0D-A011-031CC95D2687}"/>
-              </a:ext>
-            </a:extLst>
-          </p:cNvPr>
+          <p:cNvPr id="6" name="灯片编号占位符 5"/>
           <p:cNvSpPr>
             <a:spLocks noGrp="1"/>
           </p:cNvSpPr>
@@ -2973,8 +2732,8 @@
         </p:nvSpPr>
         <p:spPr>
           <a:xfrm>
-            <a:off x="8610600" y="6356350"/>
-            <a:ext cx="2743200" cy="365125"/>
+            <a:off x="6553200" y="6356350"/>
+            <a:ext cx="2133600" cy="365125"/>
           </a:xfrm>
           <a:prstGeom prst="rect">
             <a:avLst/>
@@ -2994,7 +2753,7 @@
             </a:lvl1pPr>
           </a:lstStyle>
           <a:p>
-            <a:fld id="{445314B8-DAD4-41D4-8F98-2BB6DC2BCE34}" type="slidenum">
+            <a:fld id="{0C913308-F349-4B6D-A68A-DD1791B4A57B}" type="slidenum">
               <a:rPr lang="zh-CN" altLang="en-US" smtClean="0"/>
               <a:t>‹#›</a:t>
             </a:fld>
@@ -3003,11 +2762,6 @@
         </p:txBody>
       </p:sp>
     </p:spTree>
-    <p:extLst>
-      <p:ext uri="{BB962C8B-B14F-4D97-AF65-F5344CB8AC3E}">
-        <p14:creationId xmlns:p14="http://schemas.microsoft.com/office/powerpoint/2010/main" val="4229108602"/>
-      </p:ext>
-    </p:extLst>
   </p:cSld>
   <p:clrMap bg1="lt1" tx1="dk1" bg2="lt2" tx2="dk2" accent1="accent1" accent2="accent2" accent3="accent3" accent4="accent4" accent5="accent5" accent6="accent6" hlink="hlink" folHlink="folHlink"/>
   <p:sldLayoutIdLst>
@@ -3025,10 +2779,7 @@
   </p:sldLayoutIdLst>
   <p:txStyles>
     <p:titleStyle>
-      <a:lvl1pPr algn="l" defTabSz="914400" rtl="0" eaLnBrk="1" latinLnBrk="0" hangingPunct="1">
-        <a:lnSpc>
-          <a:spcPct val="90000"/>
-        </a:lnSpc>
+      <a:lvl1pPr algn="ctr" defTabSz="914400" rtl="0" eaLnBrk="1" latinLnBrk="0" hangingPunct="1">
         <a:spcBef>
           <a:spcPct val="0"/>
         </a:spcBef>
@@ -3044,15 +2795,27 @@
       </a:lvl1pPr>
     </p:titleStyle>
     <p:bodyStyle>
-      <a:lvl1pPr marL="228600" indent="-228600" algn="l" defTabSz="914400" rtl="0" eaLnBrk="1" latinLnBrk="0" hangingPunct="1">
-        <a:lnSpc>
-          <a:spcPct val="90000"/>
-        </a:lnSpc>
+      <a:lvl1pPr marL="342900" indent="-342900" algn="l" defTabSz="914400" rtl="0" eaLnBrk="1" latinLnBrk="0" hangingPunct="1">
         <a:spcBef>
-          <a:spcPts val="1000"/>
+          <a:spcPct val="20000"/>
         </a:spcBef>
-        <a:buFont typeface="Arial" panose="020B0604020202020204" pitchFamily="34" charset="0"/>
+        <a:buFont typeface="Arial" pitchFamily="34" charset="0"/>
         <a:buChar char="•"/>
+        <a:defRPr sz="3200" kern="1200">
+          <a:solidFill>
+            <a:schemeClr val="tx1"/>
+          </a:solidFill>
+          <a:latin typeface="+mn-lt"/>
+          <a:ea typeface="+mn-ea"/>
+          <a:cs typeface="+mn-cs"/>
+        </a:defRPr>
+      </a:lvl1pPr>
+      <a:lvl2pPr marL="742950" indent="-285750" algn="l" defTabSz="914400" rtl="0" eaLnBrk="1" latinLnBrk="0" hangingPunct="1">
+        <a:spcBef>
+          <a:spcPct val="20000"/>
+        </a:spcBef>
+        <a:buFont typeface="Arial" pitchFamily="34" charset="0"/>
+        <a:buChar char="–"/>
         <a:defRPr sz="2800" kern="1200">
           <a:solidFill>
             <a:schemeClr val="tx1"/>
@@ -3061,15 +2824,12 @@
           <a:ea typeface="+mn-ea"/>
           <a:cs typeface="+mn-cs"/>
         </a:defRPr>
-      </a:lvl1pPr>
-      <a:lvl2pPr marL="685800" indent="-228600" algn="l" defTabSz="914400" rtl="0" eaLnBrk="1" latinLnBrk="0" hangingPunct="1">
-        <a:lnSpc>
-          <a:spcPct val="90000"/>
-        </a:lnSpc>
+      </a:lvl2pPr>
+      <a:lvl3pPr marL="1143000" indent="-228600" algn="l" defTabSz="914400" rtl="0" eaLnBrk="1" latinLnBrk="0" hangingPunct="1">
         <a:spcBef>
-          <a:spcPts val="500"/>
+          <a:spcPct val="20000"/>
         </a:spcBef>
-        <a:buFont typeface="Arial" panose="020B0604020202020204" pitchFamily="34" charset="0"/>
+        <a:buFont typeface="Arial" pitchFamily="34" charset="0"/>
         <a:buChar char="•"/>
         <a:defRPr sz="2400" kern="1200">
           <a:solidFill>
@@ -3079,15 +2839,42 @@
           <a:ea typeface="+mn-ea"/>
           <a:cs typeface="+mn-cs"/>
         </a:defRPr>
-      </a:lvl2pPr>
-      <a:lvl3pPr marL="1143000" indent="-228600" algn="l" defTabSz="914400" rtl="0" eaLnBrk="1" latinLnBrk="0" hangingPunct="1">
-        <a:lnSpc>
-          <a:spcPct val="90000"/>
-        </a:lnSpc>
+      </a:lvl3pPr>
+      <a:lvl4pPr marL="1600200" indent="-228600" algn="l" defTabSz="914400" rtl="0" eaLnBrk="1" latinLnBrk="0" hangingPunct="1">
         <a:spcBef>
-          <a:spcPts val="500"/>
+          <a:spcPct val="20000"/>
         </a:spcBef>
-        <a:buFont typeface="Arial" panose="020B0604020202020204" pitchFamily="34" charset="0"/>
+        <a:buFont typeface="Arial" pitchFamily="34" charset="0"/>
+        <a:buChar char="–"/>
+        <a:defRPr sz="2000" kern="1200">
+          <a:solidFill>
+            <a:schemeClr val="tx1"/>
+          </a:solidFill>
+          <a:latin typeface="+mn-lt"/>
+          <a:ea typeface="+mn-ea"/>
+          <a:cs typeface="+mn-cs"/>
+        </a:defRPr>
+      </a:lvl4pPr>
+      <a:lvl5pPr marL="2057400" indent="-228600" algn="l" defTabSz="914400" rtl="0" eaLnBrk="1" latinLnBrk="0" hangingPunct="1">
+        <a:spcBef>
+          <a:spcPct val="20000"/>
+        </a:spcBef>
+        <a:buFont typeface="Arial" pitchFamily="34" charset="0"/>
+        <a:buChar char="»"/>
+        <a:defRPr sz="2000" kern="1200">
+          <a:solidFill>
+            <a:schemeClr val="tx1"/>
+          </a:solidFill>
+          <a:latin typeface="+mn-lt"/>
+          <a:ea typeface="+mn-ea"/>
+          <a:cs typeface="+mn-cs"/>
+        </a:defRPr>
+      </a:lvl5pPr>
+      <a:lvl6pPr marL="2514600" indent="-228600" algn="l" defTabSz="914400" rtl="0" eaLnBrk="1" latinLnBrk="0" hangingPunct="1">
+        <a:spcBef>
+          <a:spcPct val="20000"/>
+        </a:spcBef>
+        <a:buFont typeface="Arial" pitchFamily="34" charset="0"/>
         <a:buChar char="•"/>
         <a:defRPr sz="2000" kern="1200">
           <a:solidFill>
@@ -3097,71 +2884,14 @@
           <a:ea typeface="+mn-ea"/>
           <a:cs typeface="+mn-cs"/>
         </a:defRPr>
-      </a:lvl3pPr>
-      <a:lvl4pPr marL="1600200" indent="-228600" algn="l" defTabSz="914400" rtl="0" eaLnBrk="1" latinLnBrk="0" hangingPunct="1">
-        <a:lnSpc>
-          <a:spcPct val="90000"/>
-        </a:lnSpc>
-        <a:spcBef>
-          <a:spcPts val="500"/>
-        </a:spcBef>
-        <a:buFont typeface="Arial" panose="020B0604020202020204" pitchFamily="34" charset="0"/>
-        <a:buChar char="•"/>
-        <a:defRPr sz="1800" kern="1200">
-          <a:solidFill>
-            <a:schemeClr val="tx1"/>
-          </a:solidFill>
-          <a:latin typeface="+mn-lt"/>
-          <a:ea typeface="+mn-ea"/>
-          <a:cs typeface="+mn-cs"/>
-        </a:defRPr>
-      </a:lvl4pPr>
-      <a:lvl5pPr marL="2057400" indent="-228600" algn="l" defTabSz="914400" rtl="0" eaLnBrk="1" latinLnBrk="0" hangingPunct="1">
-        <a:lnSpc>
-          <a:spcPct val="90000"/>
-        </a:lnSpc>
-        <a:spcBef>
-          <a:spcPts val="500"/>
-        </a:spcBef>
-        <a:buFont typeface="Arial" panose="020B0604020202020204" pitchFamily="34" charset="0"/>
-        <a:buChar char="•"/>
-        <a:defRPr sz="1800" kern="1200">
-          <a:solidFill>
-            <a:schemeClr val="tx1"/>
-          </a:solidFill>
-          <a:latin typeface="+mn-lt"/>
-          <a:ea typeface="+mn-ea"/>
-          <a:cs typeface="+mn-cs"/>
-        </a:defRPr>
-      </a:lvl5pPr>
-      <a:lvl6pPr marL="2514600" indent="-228600" algn="l" defTabSz="914400" rtl="0" eaLnBrk="1" latinLnBrk="0" hangingPunct="1">
-        <a:lnSpc>
-          <a:spcPct val="90000"/>
-        </a:lnSpc>
-        <a:spcBef>
-          <a:spcPts val="500"/>
-        </a:spcBef>
-        <a:buFont typeface="Arial" panose="020B0604020202020204" pitchFamily="34" charset="0"/>
-        <a:buChar char="•"/>
-        <a:defRPr sz="1800" kern="1200">
-          <a:solidFill>
-            <a:schemeClr val="tx1"/>
-          </a:solidFill>
-          <a:latin typeface="+mn-lt"/>
-          <a:ea typeface="+mn-ea"/>
-          <a:cs typeface="+mn-cs"/>
-        </a:defRPr>
       </a:lvl6pPr>
       <a:lvl7pPr marL="2971800" indent="-228600" algn="l" defTabSz="914400" rtl="0" eaLnBrk="1" latinLnBrk="0" hangingPunct="1">
-        <a:lnSpc>
-          <a:spcPct val="90000"/>
-        </a:lnSpc>
         <a:spcBef>
-          <a:spcPts val="500"/>
+          <a:spcPct val="20000"/>
         </a:spcBef>
-        <a:buFont typeface="Arial" panose="020B0604020202020204" pitchFamily="34" charset="0"/>
+        <a:buFont typeface="Arial" pitchFamily="34" charset="0"/>
         <a:buChar char="•"/>
-        <a:defRPr sz="1800" kern="1200">
+        <a:defRPr sz="2000" kern="1200">
           <a:solidFill>
             <a:schemeClr val="tx1"/>
           </a:solidFill>
@@ -3171,15 +2901,12 @@
         </a:defRPr>
       </a:lvl7pPr>
       <a:lvl8pPr marL="3429000" indent="-228600" algn="l" defTabSz="914400" rtl="0" eaLnBrk="1" latinLnBrk="0" hangingPunct="1">
-        <a:lnSpc>
-          <a:spcPct val="90000"/>
-        </a:lnSpc>
         <a:spcBef>
-          <a:spcPts val="500"/>
+          <a:spcPct val="20000"/>
         </a:spcBef>
-        <a:buFont typeface="Arial" panose="020B0604020202020204" pitchFamily="34" charset="0"/>
+        <a:buFont typeface="Arial" pitchFamily="34" charset="0"/>
         <a:buChar char="•"/>
-        <a:defRPr sz="1800" kern="1200">
+        <a:defRPr sz="2000" kern="1200">
           <a:solidFill>
             <a:schemeClr val="tx1"/>
           </a:solidFill>
@@ -3189,15 +2916,12 @@
         </a:defRPr>
       </a:lvl8pPr>
       <a:lvl9pPr marL="3886200" indent="-228600" algn="l" defTabSz="914400" rtl="0" eaLnBrk="1" latinLnBrk="0" hangingPunct="1">
-        <a:lnSpc>
-          <a:spcPct val="90000"/>
-        </a:lnSpc>
         <a:spcBef>
-          <a:spcPts val="500"/>
+          <a:spcPct val="20000"/>
         </a:spcBef>
-        <a:buFont typeface="Arial" panose="020B0604020202020204" pitchFamily="34" charset="0"/>
+        <a:buFont typeface="Arial" pitchFamily="34" charset="0"/>
         <a:buChar char="•"/>
-        <a:defRPr sz="1800" kern="1200">
+        <a:defRPr sz="2000" kern="1200">
           <a:solidFill>
             <a:schemeClr val="tx1"/>
           </a:solidFill>
@@ -3325,13 +3049,7 @@
       </p:grpSpPr>
       <p:sp>
         <p:nvSpPr>
-          <p:cNvPr id="2" name="标题 1">
-            <a:extLst>
-              <a:ext uri="{FF2B5EF4-FFF2-40B4-BE49-F238E27FC236}">
-                <a16:creationId xmlns:a16="http://schemas.microsoft.com/office/drawing/2014/main" id="{E4F7125E-7F5E-4AE3-8B55-7A4E11E501E6}"/>
-              </a:ext>
-            </a:extLst>
-          </p:cNvPr>
+          <p:cNvPr id="2" name="标题 1"/>
           <p:cNvSpPr>
             <a:spLocks noGrp="1"/>
           </p:cNvSpPr>
@@ -3341,30 +3059,21 @@
         </p:nvSpPr>
         <p:spPr/>
         <p:txBody>
-          <a:bodyPr/>
+          <a:bodyPr>
+            <a:normAutofit/>
+          </a:bodyPr>
           <a:lstStyle/>
           <a:p>
             <a:r>
-              <a:rPr lang="zh-CN" altLang="en-US" dirty="0"/>
-              <a:t>这个是测试的</a:t>
-            </a:r>
-            <a:r>
-              <a:rPr lang="en-US" altLang="zh-CN" dirty="0"/>
-              <a:t>PPT</a:t>
-            </a:r>
-            <a:endParaRPr lang="zh-CN" altLang="en-US" dirty="0"/>
-          </a:p>
-        </p:txBody>
-      </p:sp>
-      <p:sp>
-        <p:nvSpPr>
-          <p:cNvPr id="3" name="副标题 2">
-            <a:extLst>
-              <a:ext uri="{FF2B5EF4-FFF2-40B4-BE49-F238E27FC236}">
-                <a16:creationId xmlns:a16="http://schemas.microsoft.com/office/drawing/2014/main" id="{E318CEE9-4CB6-451E-B79C-C9910ADCDAF3}"/>
-              </a:ext>
-            </a:extLst>
-          </p:cNvPr>
+              <a:rPr lang="zh-CN" altLang="en-US" sz="6600" dirty="0"/>
+              <a:t>段考默写练习</a:t>
+            </a:r>
+          </a:p>
+        </p:txBody>
+      </p:sp>
+      <p:sp>
+        <p:nvSpPr>
+          <p:cNvPr id="3" name="副标题 2"/>
           <p:cNvSpPr>
             <a:spLocks noGrp="1"/>
           </p:cNvSpPr>
@@ -3377,17 +3086,1051 @@
           <a:bodyPr/>
           <a:lstStyle/>
           <a:p>
-            <a:r>
-              <a:rPr lang="zh-CN" altLang="en-US" dirty="0"/>
-              <a:t>这里是副标题</a:t>
-            </a:r>
+            <a:endParaRPr lang="zh-CN" altLang="en-US" dirty="0"/>
           </a:p>
         </p:txBody>
       </p:sp>
     </p:spTree>
     <p:extLst>
       <p:ext uri="{BB962C8B-B14F-4D97-AF65-F5344CB8AC3E}">
-        <p14:creationId xmlns:p14="http://schemas.microsoft.com/office/powerpoint/2010/main" val="1221896029"/>
+        <p14:creationId xmlns:p14="http://schemas.microsoft.com/office/powerpoint/2010/main" val="2302925890"/>
+      </p:ext>
+    </p:extLst>
+  </p:cSld>
+  <p:clrMapOvr>
+    <a:masterClrMapping/>
+  </p:clrMapOvr>
+</p:sld>
+</file>
+
+<file path=ppt/slides/slide10.xml><?xml version="1.0" encoding="utf-8"?>
+<p:sld xmlns:a="http://schemas.openxmlformats.org/drawingml/2006/main" xmlns:r="http://schemas.openxmlformats.org/officeDocument/2006/relationships" xmlns:p="http://schemas.openxmlformats.org/presentationml/2006/main">
+  <p:cSld>
+    <p:spTree>
+      <p:nvGrpSpPr>
+        <p:cNvPr id="1" name=""/>
+        <p:cNvGrpSpPr/>
+        <p:nvPr/>
+      </p:nvGrpSpPr>
+      <p:grpSpPr>
+        <a:xfrm>
+          <a:off x="0" y="0"/>
+          <a:ext cx="0" cy="0"/>
+          <a:chOff x="0" y="0"/>
+          <a:chExt cx="0" cy="0"/>
+        </a:xfrm>
+      </p:grpSpPr>
+      <p:sp>
+        <p:nvSpPr>
+          <p:cNvPr id="2" name="TextBox 1"/>
+          <p:cNvSpPr txBox="1"/>
+          <p:nvPr/>
+        </p:nvSpPr>
+        <p:spPr>
+          <a:xfrm>
+            <a:off x="107504" y="260648"/>
+            <a:ext cx="9036496" cy="6801862"/>
+          </a:xfrm>
+          <a:prstGeom prst="rect">
+            <a:avLst/>
+          </a:prstGeom>
+          <a:noFill/>
+        </p:spPr>
+        <p:txBody>
+          <a:bodyPr wrap="square" rtlCol="0">
+            <a:spAutoFit/>
+          </a:bodyPr>
+          <a:lstStyle/>
+          <a:p>
+            <a:r>
+              <a:rPr lang="en-US" altLang="zh-CN" sz="2400" dirty="0"/>
+              <a:t>1</a:t>
+            </a:r>
+            <a:r>
+              <a:rPr lang="zh-CN" altLang="zh-CN" sz="2400" dirty="0"/>
+              <a:t>．在《逍遥游》中描绘鲲鹏体形硕大无比，变化神奇莫测，奋飞时双翼遮天蔽日，激起的水花达三千里，奋飞直上九万里的高空。即使是如此在作者看来也并非逍遥，因为它依然有所</a:t>
+            </a:r>
+            <a:r>
+              <a:rPr lang="zh-CN" altLang="zh-CN" sz="2400" dirty="0" smtClean="0"/>
+              <a:t>待</a:t>
+            </a:r>
+            <a:r>
+              <a:rPr lang="zh-CN" altLang="en-US" sz="2400" dirty="0" smtClean="0"/>
+              <a:t>：</a:t>
+            </a:r>
+            <a:r>
+              <a:rPr lang="en-US" altLang="zh-CN" sz="2400" u="sng" dirty="0" smtClean="0"/>
+              <a:t>   </a:t>
+            </a:r>
+            <a:r>
+              <a:rPr lang="zh-CN" altLang="zh-CN" sz="2400" u="sng" dirty="0"/>
+              <a:t>　</a:t>
+            </a:r>
+            <a:r>
+              <a:rPr lang="en-US" altLang="zh-CN" sz="2400" u="sng" dirty="0"/>
+              <a:t>           </a:t>
+            </a:r>
+            <a:r>
+              <a:rPr lang="zh-CN" altLang="zh-CN" sz="2400" dirty="0" smtClean="0"/>
+              <a:t>。</a:t>
+            </a:r>
+            <a:r>
+              <a:rPr lang="zh-CN" altLang="zh-CN" sz="2400" u="sng" dirty="0" smtClean="0"/>
+              <a:t>　</a:t>
+            </a:r>
+            <a:endParaRPr lang="zh-CN" altLang="zh-CN" sz="2400" dirty="0" smtClean="0"/>
+          </a:p>
+          <a:p>
+            <a:r>
+              <a:rPr lang="en-US" altLang="zh-CN" sz="2400" dirty="0" smtClean="0"/>
+              <a:t>2</a:t>
+            </a:r>
+            <a:r>
+              <a:rPr lang="zh-CN" altLang="zh-CN" sz="2400" dirty="0" smtClean="0"/>
+              <a:t>．《庄子</a:t>
+            </a:r>
+            <a:r>
+              <a:rPr lang="en-US" altLang="zh-CN" sz="2400" dirty="0" smtClean="0"/>
+              <a:t>·</a:t>
+            </a:r>
+            <a:r>
+              <a:rPr lang="zh-CN" altLang="zh-CN" sz="2400" dirty="0" smtClean="0"/>
+              <a:t>逍遥游》</a:t>
+            </a:r>
+            <a:r>
+              <a:rPr lang="zh-CN" altLang="zh-CN" sz="2400" dirty="0" smtClean="0">
+                <a:latin typeface="+mn-ea"/>
+              </a:rPr>
+              <a:t>中以</a:t>
+            </a:r>
+            <a:r>
+              <a:rPr lang="en-US" altLang="zh-CN" sz="2400" dirty="0" smtClean="0">
+                <a:latin typeface="+mn-ea"/>
+              </a:rPr>
+              <a:t>“</a:t>
+            </a:r>
+            <a:r>
+              <a:rPr lang="zh-CN" altLang="zh-CN" sz="2400" dirty="0" smtClean="0">
+                <a:latin typeface="+mn-ea"/>
+              </a:rPr>
+              <a:t>朝菌</a:t>
+            </a:r>
+            <a:r>
+              <a:rPr lang="en-US" altLang="zh-CN" sz="2400" dirty="0" smtClean="0">
+                <a:latin typeface="+mn-ea"/>
+              </a:rPr>
+              <a:t>”</a:t>
+            </a:r>
+            <a:r>
+              <a:rPr lang="zh-CN" altLang="zh-CN" sz="2400" dirty="0" smtClean="0">
+                <a:latin typeface="+mn-ea"/>
+              </a:rPr>
+              <a:t>和</a:t>
+            </a:r>
+            <a:r>
+              <a:rPr lang="en-US" altLang="zh-CN" sz="2400" dirty="0" smtClean="0">
+                <a:latin typeface="+mn-ea"/>
+              </a:rPr>
+              <a:t>“</a:t>
+            </a:r>
+            <a:r>
+              <a:rPr lang="zh-CN" altLang="zh-CN" sz="2400" dirty="0" smtClean="0">
+                <a:latin typeface="+mn-ea"/>
+              </a:rPr>
+              <a:t>蟪蛄</a:t>
+            </a:r>
+            <a:r>
+              <a:rPr lang="en-US" altLang="zh-CN" sz="2400" dirty="0" smtClean="0">
+                <a:latin typeface="+mn-ea"/>
+              </a:rPr>
+              <a:t>”</a:t>
+            </a:r>
+            <a:r>
+              <a:rPr lang="zh-CN" altLang="zh-CN" sz="2400" dirty="0" smtClean="0">
+                <a:latin typeface="+mn-ea"/>
+              </a:rPr>
+              <a:t>为例来说明</a:t>
+            </a:r>
+            <a:r>
+              <a:rPr lang="en-US" altLang="zh-CN" sz="2400" dirty="0" smtClean="0">
+                <a:latin typeface="+mn-ea"/>
+              </a:rPr>
+              <a:t>“</a:t>
+            </a:r>
+            <a:r>
+              <a:rPr lang="zh-CN" altLang="zh-CN" sz="2400" dirty="0" smtClean="0">
+                <a:latin typeface="+mn-ea"/>
+              </a:rPr>
+              <a:t>小年</a:t>
+            </a:r>
+            <a:r>
+              <a:rPr lang="en-US" altLang="zh-CN" sz="2400" dirty="0" smtClean="0">
+                <a:latin typeface="+mn-ea"/>
+              </a:rPr>
+              <a:t>”</a:t>
+            </a:r>
+            <a:r>
+              <a:rPr lang="zh-CN" altLang="zh-CN" sz="2400" dirty="0" smtClean="0">
+                <a:latin typeface="+mn-ea"/>
+              </a:rPr>
+              <a:t>一</a:t>
+            </a:r>
+            <a:r>
+              <a:rPr lang="zh-CN" altLang="zh-CN" sz="2400" dirty="0" smtClean="0"/>
+              <a:t>词的两句是</a:t>
+            </a:r>
+            <a:r>
+              <a:rPr lang="en-US" altLang="zh-CN" sz="2400" u="sng" dirty="0" smtClean="0"/>
+              <a:t>    </a:t>
+            </a:r>
+            <a:r>
+              <a:rPr lang="zh-CN" altLang="zh-CN" sz="2400" u="sng" dirty="0"/>
+              <a:t>　</a:t>
+            </a:r>
+            <a:r>
+              <a:rPr lang="en-US" altLang="zh-CN" sz="2400" u="sng" dirty="0"/>
+              <a:t>           </a:t>
+            </a:r>
+            <a:r>
+              <a:rPr lang="zh-CN" altLang="en-US" sz="2400" dirty="0" smtClean="0"/>
+              <a:t>，</a:t>
+            </a:r>
+            <a:r>
+              <a:rPr lang="en-US" altLang="zh-CN" sz="2400" u="sng" dirty="0" smtClean="0"/>
+              <a:t>    </a:t>
+            </a:r>
+            <a:r>
+              <a:rPr lang="zh-CN" altLang="zh-CN" sz="2400" u="sng" dirty="0"/>
+              <a:t>　</a:t>
+            </a:r>
+            <a:r>
+              <a:rPr lang="en-US" altLang="zh-CN" sz="2400" u="sng" dirty="0"/>
+              <a:t>           </a:t>
+            </a:r>
+            <a:r>
+              <a:rPr lang="zh-CN" altLang="zh-CN" sz="2400" dirty="0"/>
+              <a:t>。</a:t>
+            </a:r>
+          </a:p>
+          <a:p>
+            <a:r>
+              <a:rPr lang="en-US" altLang="zh-CN" sz="2400" dirty="0" smtClean="0"/>
+              <a:t>3</a:t>
+            </a:r>
+            <a:r>
+              <a:rPr lang="zh-CN" altLang="zh-CN" sz="2400" dirty="0"/>
+              <a:t>．面对高远蔚蓝的天空，作者想到如果大鹏鸟飞到九万里的高空向下看会是什么样的，会不会也像我们看天空一样，文中对天空的颜色成因进行了探寻，并发出的两个疑问是：</a:t>
+            </a:r>
+            <a:r>
+              <a:rPr lang="en-US" altLang="zh-CN" sz="2400" u="sng" dirty="0"/>
+              <a:t>                  </a:t>
+            </a:r>
+            <a:r>
+              <a:rPr lang="zh-CN" altLang="zh-CN" sz="2400" dirty="0"/>
+              <a:t>？</a:t>
+            </a:r>
+            <a:r>
+              <a:rPr lang="en-US" altLang="zh-CN" sz="2400" u="sng" dirty="0"/>
+              <a:t>                        </a:t>
+            </a:r>
+            <a:r>
+              <a:rPr lang="zh-CN" altLang="zh-CN" sz="2400" dirty="0"/>
+              <a:t>？</a:t>
+            </a:r>
+          </a:p>
+          <a:p>
+            <a:r>
+              <a:rPr lang="en-US" altLang="zh-CN" sz="2400" dirty="0"/>
+              <a:t>4</a:t>
+            </a:r>
+            <a:r>
+              <a:rPr lang="zh-CN" altLang="zh-CN" sz="2400" dirty="0"/>
+              <a:t>．作者在彻底否定了“有所待”的万物和现实中的高人之后，才提出自己的观点——“无所待”才是真正的逍遥。他并列了三类人，认为他们才是真正的逍遥者：</a:t>
+            </a:r>
+            <a:r>
+              <a:rPr lang="zh-CN" altLang="zh-CN" sz="2400" u="sng" dirty="0"/>
+              <a:t> </a:t>
+            </a:r>
+            <a:r>
+              <a:rPr lang="en-US" altLang="zh-CN" sz="2400" u="sng" dirty="0"/>
+              <a:t> </a:t>
+            </a:r>
+            <a:r>
+              <a:rPr lang="zh-CN" altLang="zh-CN" sz="2400" u="sng" dirty="0"/>
+              <a:t>　　　　</a:t>
+            </a:r>
+            <a:r>
+              <a:rPr lang="zh-CN" altLang="zh-CN" sz="2400" dirty="0" smtClean="0"/>
+              <a:t>，</a:t>
+            </a:r>
+            <a:r>
+              <a:rPr lang="zh-CN" altLang="zh-CN" sz="2400" u="sng" dirty="0"/>
+              <a:t>　　　　</a:t>
+            </a:r>
+            <a:r>
+              <a:rPr lang="zh-CN" altLang="zh-CN" sz="2400" dirty="0"/>
+              <a:t>，</a:t>
+            </a:r>
+            <a:r>
+              <a:rPr lang="en-US" altLang="zh-CN" sz="2400" u="sng" dirty="0"/>
+              <a:t>    </a:t>
+            </a:r>
+            <a:r>
+              <a:rPr lang="zh-CN" altLang="zh-CN" sz="2400" u="sng" dirty="0"/>
+              <a:t>　</a:t>
+            </a:r>
+            <a:r>
+              <a:rPr lang="en-US" altLang="zh-CN" sz="2400" u="sng" dirty="0" smtClean="0"/>
+              <a:t>           </a:t>
+            </a:r>
+            <a:r>
+              <a:rPr lang="zh-CN" altLang="zh-CN" sz="2400" dirty="0"/>
+              <a:t>。</a:t>
+            </a:r>
+          </a:p>
+          <a:p>
+            <a:r>
+              <a:rPr lang="en-US" altLang="zh-CN" sz="2400" dirty="0"/>
+              <a:t>5</a:t>
+            </a:r>
+            <a:r>
+              <a:rPr lang="zh-CN" altLang="zh-CN" sz="2400" dirty="0"/>
+              <a:t>．庄子看来，宋荣子与列子尽管达到了较高的境界，但还是有所待</a:t>
+            </a:r>
+            <a:r>
+              <a:rPr lang="zh-CN" altLang="zh-CN" sz="2400" dirty="0" smtClean="0"/>
+              <a:t>的</a:t>
+            </a:r>
+            <a:r>
+              <a:rPr lang="zh-CN" altLang="en-US" sz="2400" dirty="0" smtClean="0"/>
+              <a:t>。</a:t>
+            </a:r>
+            <a:r>
+              <a:rPr lang="zh-CN" altLang="zh-CN" sz="2400" dirty="0" smtClean="0"/>
+              <a:t>“</a:t>
+            </a:r>
+            <a:r>
+              <a:rPr lang="zh-CN" altLang="zh-CN" sz="2400" u="sng" dirty="0"/>
+              <a:t>　</a:t>
+            </a:r>
+            <a:r>
+              <a:rPr lang="en-US" altLang="zh-CN" sz="2400" u="sng" dirty="0" smtClean="0"/>
+              <a:t>  </a:t>
+            </a:r>
+            <a:r>
+              <a:rPr lang="zh-CN" altLang="zh-CN" sz="2400" u="sng" dirty="0"/>
+              <a:t>　　　</a:t>
+            </a:r>
+            <a:r>
+              <a:rPr lang="zh-CN" altLang="zh-CN" sz="2400" dirty="0"/>
+              <a:t>，</a:t>
+            </a:r>
+            <a:r>
+              <a:rPr lang="zh-CN" altLang="zh-CN" sz="2400" u="sng" dirty="0"/>
+              <a:t>　</a:t>
+            </a:r>
+            <a:r>
+              <a:rPr lang="en-US" altLang="zh-CN" sz="2400" u="sng" dirty="0" smtClean="0"/>
+              <a:t>   </a:t>
+            </a:r>
+            <a:r>
+              <a:rPr lang="zh-CN" altLang="zh-CN" sz="2400" u="sng" dirty="0"/>
+              <a:t>　</a:t>
+            </a:r>
+            <a:r>
+              <a:rPr lang="en-US" altLang="zh-CN" sz="2400" u="sng" dirty="0"/>
+              <a:t> </a:t>
+            </a:r>
+            <a:r>
+              <a:rPr lang="zh-CN" altLang="zh-CN" sz="2400" u="sng" dirty="0"/>
+              <a:t>　</a:t>
+            </a:r>
+            <a:r>
+              <a:rPr lang="zh-CN" altLang="zh-CN" sz="2400" dirty="0" smtClean="0"/>
+              <a:t>，</a:t>
+            </a:r>
+            <a:r>
+              <a:rPr lang="zh-CN" altLang="zh-CN" sz="2400" u="sng" dirty="0"/>
+              <a:t>　</a:t>
+            </a:r>
+            <a:r>
+              <a:rPr lang="en-US" altLang="zh-CN" sz="2400" u="sng" dirty="0" smtClean="0"/>
+              <a:t>   </a:t>
+            </a:r>
+            <a:r>
+              <a:rPr lang="zh-CN" altLang="zh-CN" sz="2400" u="sng" dirty="0"/>
+              <a:t>　　</a:t>
+            </a:r>
+            <a:r>
+              <a:rPr lang="zh-CN" altLang="zh-CN" sz="2400" dirty="0"/>
+              <a:t>”，方做到“无待”，才能达到“逍遥游”</a:t>
+            </a:r>
+            <a:r>
+              <a:rPr lang="zh-CN" altLang="zh-CN" sz="2400" dirty="0" smtClean="0"/>
+              <a:t>。</a:t>
+            </a:r>
+          </a:p>
+          <a:p>
+            <a:r>
+              <a:rPr lang="en-US" altLang="zh-CN" sz="2400" dirty="0" smtClean="0"/>
+              <a:t>6</a:t>
+            </a:r>
+            <a:r>
+              <a:rPr lang="zh-CN" altLang="zh-CN" sz="2400" dirty="0" smtClean="0"/>
+              <a:t>．作者举现实生活中的很小的事物也需要依凭外物的句子是：</a:t>
+            </a:r>
+            <a:r>
+              <a:rPr lang="zh-CN" altLang="zh-CN" sz="2400" u="sng" dirty="0" smtClean="0"/>
+              <a:t> 　　</a:t>
+            </a:r>
+            <a:r>
+              <a:rPr lang="zh-CN" altLang="zh-CN" sz="2400" dirty="0" smtClean="0"/>
+              <a:t>，</a:t>
+            </a:r>
+            <a:r>
+              <a:rPr lang="en-US" altLang="zh-CN" sz="2400" u="sng" dirty="0"/>
+              <a:t> </a:t>
+            </a:r>
+            <a:r>
+              <a:rPr lang="en-US" altLang="zh-CN" sz="2400" u="sng" dirty="0" smtClean="0"/>
+              <a:t>    </a:t>
+            </a:r>
+            <a:r>
+              <a:rPr lang="zh-CN" altLang="zh-CN" sz="2400" u="sng" dirty="0"/>
+              <a:t>　</a:t>
+            </a:r>
+            <a:r>
+              <a:rPr lang="zh-CN" altLang="zh-CN" sz="2400" dirty="0" smtClean="0"/>
+              <a:t>，</a:t>
+            </a:r>
+            <a:r>
+              <a:rPr lang="zh-CN" altLang="zh-CN" sz="2400" u="sng" dirty="0" smtClean="0"/>
+              <a:t>　</a:t>
+            </a:r>
+            <a:r>
+              <a:rPr lang="en-US" altLang="zh-CN" sz="2400" u="sng" dirty="0" smtClean="0"/>
+              <a:t>   </a:t>
+            </a:r>
+            <a:r>
+              <a:rPr lang="zh-CN" altLang="zh-CN" sz="2400" u="sng" dirty="0" smtClean="0"/>
+              <a:t>　　　</a:t>
+            </a:r>
+            <a:r>
+              <a:rPr lang="zh-CN" altLang="zh-CN" sz="2400" dirty="0" smtClean="0"/>
+              <a:t>。 </a:t>
+            </a:r>
+            <a:endParaRPr lang="zh-CN" altLang="en-US" sz="2400" dirty="0"/>
+          </a:p>
+        </p:txBody>
+      </p:sp>
+    </p:spTree>
+    <p:extLst>
+      <p:ext uri="{BB962C8B-B14F-4D97-AF65-F5344CB8AC3E}">
+        <p14:creationId xmlns:p14="http://schemas.microsoft.com/office/powerpoint/2010/main" val="1234673181"/>
+      </p:ext>
+    </p:extLst>
+  </p:cSld>
+  <p:clrMapOvr>
+    <a:masterClrMapping/>
+  </p:clrMapOvr>
+</p:sld>
+</file>
+
+<file path=ppt/slides/slide11.xml><?xml version="1.0" encoding="utf-8"?>
+<p:sld xmlns:a="http://schemas.openxmlformats.org/drawingml/2006/main" xmlns:r="http://schemas.openxmlformats.org/officeDocument/2006/relationships" xmlns:p="http://schemas.openxmlformats.org/presentationml/2006/main">
+  <p:cSld>
+    <p:spTree>
+      <p:nvGrpSpPr>
+        <p:cNvPr id="1" name=""/>
+        <p:cNvGrpSpPr/>
+        <p:nvPr/>
+      </p:nvGrpSpPr>
+      <p:grpSpPr>
+        <a:xfrm>
+          <a:off x="0" y="0"/>
+          <a:ext cx="0" cy="0"/>
+          <a:chOff x="0" y="0"/>
+          <a:chExt cx="0" cy="0"/>
+        </a:xfrm>
+      </p:grpSpPr>
+      <p:sp>
+        <p:nvSpPr>
+          <p:cNvPr id="2" name="TextBox 1"/>
+          <p:cNvSpPr txBox="1"/>
+          <p:nvPr/>
+        </p:nvSpPr>
+        <p:spPr>
+          <a:xfrm>
+            <a:off x="611560" y="548680"/>
+            <a:ext cx="8064896" cy="5632311"/>
+          </a:xfrm>
+          <a:prstGeom prst="rect">
+            <a:avLst/>
+          </a:prstGeom>
+          <a:noFill/>
+        </p:spPr>
+        <p:txBody>
+          <a:bodyPr wrap="square" rtlCol="0">
+            <a:spAutoFit/>
+          </a:bodyPr>
+          <a:lstStyle/>
+          <a:p>
+            <a:r>
+              <a:rPr lang="en-US" altLang="zh-CN" sz="4000" dirty="0"/>
+              <a:t>1</a:t>
+            </a:r>
+            <a:r>
+              <a:rPr lang="zh-CN" altLang="zh-CN" sz="4000" dirty="0"/>
+              <a:t>．去以六月息者也。</a:t>
+            </a:r>
+          </a:p>
+          <a:p>
+            <a:r>
+              <a:rPr lang="en-US" altLang="zh-CN" sz="4000" dirty="0"/>
+              <a:t>2</a:t>
+            </a:r>
+            <a:r>
+              <a:rPr lang="zh-CN" altLang="zh-CN" sz="4000" dirty="0"/>
+              <a:t>．朝菌不知晦朔，蟪蛄不知春秋。 </a:t>
+            </a:r>
+          </a:p>
+          <a:p>
+            <a:r>
+              <a:rPr lang="en-US" altLang="zh-CN" sz="4000" dirty="0"/>
+              <a:t>3</a:t>
+            </a:r>
+            <a:r>
+              <a:rPr lang="zh-CN" altLang="zh-CN" sz="4000" dirty="0"/>
+              <a:t>．其正色邪？其远而无所至极邪？</a:t>
+            </a:r>
+          </a:p>
+          <a:p>
+            <a:r>
+              <a:rPr lang="en-US" altLang="zh-CN" sz="4000" dirty="0"/>
+              <a:t>4</a:t>
+            </a:r>
+            <a:r>
+              <a:rPr lang="zh-CN" altLang="zh-CN" sz="4000" dirty="0"/>
+              <a:t>．至人无己，神人无功，圣人无名。</a:t>
+            </a:r>
+          </a:p>
+          <a:p>
+            <a:r>
+              <a:rPr lang="en-US" altLang="zh-CN" sz="4000" dirty="0"/>
+              <a:t>5</a:t>
+            </a:r>
+            <a:r>
+              <a:rPr lang="zh-CN" altLang="zh-CN" sz="4000" dirty="0"/>
+              <a:t>．若夫乘天地之正，而御六气之辩，以游无穷者。</a:t>
+            </a:r>
+          </a:p>
+          <a:p>
+            <a:r>
+              <a:rPr lang="en-US" altLang="zh-CN" sz="4000" dirty="0"/>
+              <a:t>6</a:t>
+            </a:r>
+            <a:r>
+              <a:rPr lang="zh-CN" altLang="zh-CN" sz="4000" dirty="0"/>
+              <a:t>．野马也，尘埃也，生物之以息相吹也。 </a:t>
+            </a:r>
+          </a:p>
+          <a:p>
+            <a:endParaRPr lang="zh-CN" altLang="en-US" sz="4000" dirty="0"/>
+          </a:p>
+        </p:txBody>
+      </p:sp>
+    </p:spTree>
+    <p:extLst>
+      <p:ext uri="{BB962C8B-B14F-4D97-AF65-F5344CB8AC3E}">
+        <p14:creationId xmlns:p14="http://schemas.microsoft.com/office/powerpoint/2010/main" val="1240461001"/>
+      </p:ext>
+    </p:extLst>
+  </p:cSld>
+  <p:clrMapOvr>
+    <a:masterClrMapping/>
+  </p:clrMapOvr>
+</p:sld>
+</file>
+
+<file path=ppt/slides/slide12.xml><?xml version="1.0" encoding="utf-8"?>
+<p:sld xmlns:a="http://schemas.openxmlformats.org/drawingml/2006/main" xmlns:r="http://schemas.openxmlformats.org/officeDocument/2006/relationships" xmlns:p="http://schemas.openxmlformats.org/presentationml/2006/main">
+  <p:cSld>
+    <p:spTree>
+      <p:nvGrpSpPr>
+        <p:cNvPr id="1" name=""/>
+        <p:cNvGrpSpPr/>
+        <p:nvPr/>
+      </p:nvGrpSpPr>
+      <p:grpSpPr>
+        <a:xfrm>
+          <a:off x="0" y="0"/>
+          <a:ext cx="0" cy="0"/>
+          <a:chOff x="0" y="0"/>
+          <a:chExt cx="0" cy="0"/>
+        </a:xfrm>
+      </p:grpSpPr>
+      <p:sp>
+        <p:nvSpPr>
+          <p:cNvPr id="2" name="TextBox 1"/>
+          <p:cNvSpPr txBox="1"/>
+          <p:nvPr/>
+        </p:nvSpPr>
+        <p:spPr>
+          <a:xfrm>
+            <a:off x="107504" y="260648"/>
+            <a:ext cx="8928992" cy="6832640"/>
+          </a:xfrm>
+          <a:prstGeom prst="rect">
+            <a:avLst/>
+          </a:prstGeom>
+          <a:noFill/>
+        </p:spPr>
+        <p:txBody>
+          <a:bodyPr wrap="square" rtlCol="0">
+            <a:spAutoFit/>
+          </a:bodyPr>
+          <a:lstStyle/>
+          <a:p>
+            <a:r>
+              <a:rPr lang="en-US" altLang="zh-CN" sz="2800" dirty="0"/>
+              <a:t>7</a:t>
+            </a:r>
+            <a:r>
+              <a:rPr lang="zh-CN" altLang="zh-CN" sz="2800" dirty="0"/>
+              <a:t>．</a:t>
+            </a:r>
+            <a:r>
+              <a:rPr lang="zh-CN" altLang="zh-CN" sz="2800" dirty="0" smtClean="0"/>
+              <a:t>庄子</a:t>
+            </a:r>
+            <a:r>
+              <a:rPr lang="zh-CN" altLang="en-US" sz="2800" dirty="0" smtClean="0"/>
+              <a:t>在</a:t>
+            </a:r>
+            <a:r>
+              <a:rPr lang="zh-CN" altLang="zh-CN" sz="2800" dirty="0" smtClean="0"/>
+              <a:t>奇妙</a:t>
+            </a:r>
+            <a:r>
+              <a:rPr lang="zh-CN" altLang="zh-CN" sz="2800" dirty="0"/>
+              <a:t>莫测的描写后</a:t>
+            </a:r>
+            <a:r>
+              <a:rPr lang="zh-CN" altLang="zh-CN" sz="2800" dirty="0" smtClean="0"/>
+              <a:t>接着</a:t>
+            </a:r>
+            <a:r>
+              <a:rPr lang="zh-CN" altLang="zh-CN" sz="2800" dirty="0"/>
+              <a:t>具体</a:t>
+            </a:r>
+            <a:r>
+              <a:rPr lang="zh-CN" altLang="zh-CN" sz="2800" dirty="0" smtClean="0"/>
+              <a:t>描述</a:t>
+            </a:r>
+            <a:r>
+              <a:rPr lang="zh-CN" altLang="en-US" sz="2800" dirty="0" smtClean="0"/>
+              <a:t>了</a:t>
+            </a:r>
+            <a:r>
+              <a:rPr lang="zh-CN" altLang="zh-CN" sz="2800" dirty="0" smtClean="0"/>
+              <a:t>现实</a:t>
+            </a:r>
+            <a:r>
+              <a:rPr lang="zh-CN" altLang="zh-CN" sz="2800" dirty="0"/>
+              <a:t>社会的四种</a:t>
+            </a:r>
+            <a:r>
+              <a:rPr lang="zh-CN" altLang="zh-CN" sz="2800" dirty="0" smtClean="0"/>
+              <a:t>人，</a:t>
+            </a:r>
+            <a:r>
+              <a:rPr lang="zh-CN" altLang="zh-CN" sz="2800" dirty="0"/>
+              <a:t>他们以出类拔萃的佼佼者自居，但作为人生的境界，他们也仅仅是斥鴳翱翔于蓬蒿之间罢了，并未入道，没有达到真正的“逍遥游”</a:t>
+            </a:r>
+            <a:r>
+              <a:rPr lang="zh-CN" altLang="zh-CN" sz="2800" dirty="0" smtClean="0"/>
+              <a:t>。</a:t>
+            </a:r>
+            <a:r>
+              <a:rPr lang="zh-CN" altLang="en-US" sz="2800" dirty="0" smtClean="0"/>
+              <a:t>这</a:t>
+            </a:r>
+            <a:r>
+              <a:rPr lang="zh-CN" altLang="zh-CN" sz="2800" dirty="0" smtClean="0"/>
+              <a:t>四</a:t>
+            </a:r>
+            <a:r>
+              <a:rPr lang="zh-CN" altLang="zh-CN" sz="2800" dirty="0"/>
+              <a:t>种</a:t>
+            </a:r>
+            <a:r>
+              <a:rPr lang="zh-CN" altLang="zh-CN" sz="2800" dirty="0" smtClean="0"/>
+              <a:t>人分别</a:t>
+            </a:r>
+            <a:r>
+              <a:rPr lang="zh-CN" altLang="zh-CN" sz="2800" dirty="0"/>
+              <a:t>是：</a:t>
+            </a:r>
+            <a:r>
+              <a:rPr lang="en-US" altLang="zh-CN" sz="2800" u="sng" dirty="0"/>
+              <a:t>            </a:t>
+            </a:r>
+            <a:r>
+              <a:rPr lang="zh-CN" altLang="zh-CN" sz="2800" dirty="0"/>
+              <a:t>，</a:t>
+            </a:r>
+            <a:r>
+              <a:rPr lang="zh-CN" altLang="zh-CN" sz="2800" u="sng" dirty="0"/>
+              <a:t> </a:t>
+            </a:r>
+            <a:r>
+              <a:rPr lang="en-US" altLang="zh-CN" sz="2800" u="sng" dirty="0"/>
+              <a:t>          </a:t>
+            </a:r>
+            <a:r>
+              <a:rPr lang="zh-CN" altLang="zh-CN" sz="2800" dirty="0"/>
+              <a:t>，</a:t>
+            </a:r>
+            <a:r>
+              <a:rPr lang="en-US" altLang="zh-CN" sz="2800" u="sng" dirty="0"/>
+              <a:t>           </a:t>
+            </a:r>
+            <a:r>
+              <a:rPr lang="en-US" altLang="zh-CN" sz="2800" dirty="0"/>
+              <a:t> </a:t>
+            </a:r>
+            <a:r>
+              <a:rPr lang="zh-CN" altLang="zh-CN" sz="2800" dirty="0" smtClean="0"/>
+              <a:t>，</a:t>
+            </a:r>
+            <a:r>
+              <a:rPr lang="en-US" altLang="zh-CN" sz="2800" u="sng" dirty="0" smtClean="0"/>
+              <a:t>             </a:t>
+            </a:r>
+            <a:r>
+              <a:rPr lang="zh-CN" altLang="zh-CN" sz="2800" dirty="0"/>
+              <a:t>。</a:t>
+            </a:r>
+          </a:p>
+          <a:p>
+            <a:r>
+              <a:rPr lang="en-US" altLang="zh-CN" sz="2800" dirty="0"/>
+              <a:t>8</a:t>
+            </a:r>
+            <a:r>
+              <a:rPr lang="zh-CN" altLang="zh-CN" sz="2800" dirty="0"/>
+              <a:t>．文中写宋荣子看淡了世间的荣辱，不会因为外界的评价而更加奋勉或沮丧的句子是：</a:t>
+            </a:r>
+            <a:r>
+              <a:rPr lang="en-US" altLang="zh-CN" sz="2800" u="sng" dirty="0"/>
+              <a:t>           </a:t>
+            </a:r>
+            <a:r>
+              <a:rPr lang="en-US" altLang="zh-CN" sz="2800" u="sng" dirty="0" smtClean="0"/>
+              <a:t>        </a:t>
+            </a:r>
+            <a:r>
+              <a:rPr lang="en-US" altLang="zh-CN" sz="2800" dirty="0" smtClean="0"/>
+              <a:t> </a:t>
+            </a:r>
+            <a:r>
+              <a:rPr lang="zh-CN" altLang="zh-CN" sz="2800" dirty="0"/>
+              <a:t>，</a:t>
+            </a:r>
+            <a:r>
+              <a:rPr lang="en-US" altLang="zh-CN" sz="2800" u="sng" dirty="0"/>
+              <a:t>          </a:t>
+            </a:r>
+            <a:r>
+              <a:rPr lang="en-US" altLang="zh-CN" sz="2800" u="sng" dirty="0" smtClean="0"/>
+              <a:t>           </a:t>
+            </a:r>
+            <a:r>
+              <a:rPr lang="zh-CN" altLang="zh-CN" sz="2800" dirty="0"/>
+              <a:t>。</a:t>
+            </a:r>
+          </a:p>
+          <a:p>
+            <a:r>
+              <a:rPr lang="en-US" altLang="zh-CN" sz="2800" dirty="0" smtClean="0"/>
+              <a:t>9</a:t>
+            </a:r>
+            <a:r>
+              <a:rPr lang="zh-CN" altLang="zh-CN" sz="2800" dirty="0" smtClean="0"/>
+              <a:t>．</a:t>
+            </a:r>
+            <a:r>
+              <a:rPr lang="zh-CN" altLang="zh-CN" sz="2800" dirty="0"/>
+              <a:t>从蜩与学鸠之笑大鹏转到写朝菌、蟪蛄、冥灵、大椿、彭祖、众人的年寿，中间的过渡</a:t>
+            </a:r>
+            <a:r>
+              <a:rPr lang="zh-CN" altLang="zh-CN" sz="2800" dirty="0" smtClean="0"/>
+              <a:t>句</a:t>
+            </a:r>
+            <a:r>
+              <a:rPr lang="zh-CN" altLang="zh-CN" sz="2800" dirty="0" smtClean="0"/>
+              <a:t>是</a:t>
+            </a:r>
+            <a:r>
+              <a:rPr lang="zh-CN" altLang="zh-CN" sz="2800" u="sng" dirty="0"/>
+              <a:t>　　　</a:t>
+            </a:r>
+            <a:r>
+              <a:rPr lang="zh-CN" altLang="zh-CN" sz="2800" dirty="0" smtClean="0"/>
+              <a:t>；</a:t>
+            </a:r>
+            <a:r>
+              <a:rPr lang="zh-CN" altLang="zh-CN" sz="2800" u="sng" dirty="0"/>
+              <a:t>　　　</a:t>
+            </a:r>
+            <a:r>
+              <a:rPr lang="zh-CN" altLang="zh-CN" sz="2800" dirty="0"/>
+              <a:t>。</a:t>
+            </a:r>
+          </a:p>
+          <a:p>
+            <a:r>
+              <a:rPr lang="en-US" altLang="zh-CN" sz="2800" dirty="0" smtClean="0"/>
+              <a:t>10</a:t>
+            </a:r>
+            <a:r>
+              <a:rPr lang="zh-CN" altLang="zh-CN" sz="2800" dirty="0" smtClean="0"/>
+              <a:t>．</a:t>
+            </a:r>
+            <a:r>
+              <a:rPr lang="zh-CN" altLang="zh-CN" sz="2800" dirty="0"/>
+              <a:t>当看到大鹏经过一系列的准备才能“图南”之后，蜩与学鸠通过形象地描述自己在林中飞行和休息的样子来嘲笑大鹏鸟的句子是：</a:t>
+            </a:r>
+            <a:r>
+              <a:rPr lang="zh-CN" altLang="zh-CN" sz="2800" u="sng" dirty="0"/>
+              <a:t>　　　　</a:t>
+            </a:r>
+            <a:r>
+              <a:rPr lang="zh-CN" altLang="zh-CN" sz="2800" dirty="0"/>
+              <a:t>，</a:t>
+            </a:r>
+            <a:r>
+              <a:rPr lang="zh-CN" altLang="zh-CN" sz="2800" u="sng" dirty="0"/>
+              <a:t>　　　　　　</a:t>
+            </a:r>
+            <a:r>
+              <a:rPr lang="zh-CN" altLang="zh-CN" sz="2800" dirty="0"/>
+              <a:t>。</a:t>
+            </a:r>
+          </a:p>
+          <a:p>
+            <a:r>
+              <a:rPr lang="en-US" altLang="zh-CN" sz="2800" dirty="0" smtClean="0"/>
+              <a:t>11</a:t>
+            </a:r>
+            <a:r>
+              <a:rPr lang="zh-CN" altLang="zh-CN" sz="2800" dirty="0" smtClean="0"/>
+              <a:t>．</a:t>
+            </a:r>
+            <a:r>
+              <a:rPr lang="zh-CN" altLang="zh-CN" sz="2800" dirty="0"/>
+              <a:t>举现实生活中的实例，说明舟的浮动对水具有</a:t>
+            </a:r>
+            <a:r>
+              <a:rPr lang="zh-CN" altLang="zh-CN" sz="2800" dirty="0" smtClean="0"/>
+              <a:t>依赖性</a:t>
+            </a:r>
+            <a:r>
+              <a:rPr lang="zh-CN" altLang="en-US" sz="2800" dirty="0"/>
+              <a:t>。</a:t>
+            </a:r>
+            <a:r>
+              <a:rPr lang="zh-CN" altLang="zh-CN" sz="2800" dirty="0" smtClean="0"/>
+              <a:t>从而</a:t>
+            </a:r>
+            <a:r>
+              <a:rPr lang="zh-CN" altLang="zh-CN" sz="2800" dirty="0"/>
+              <a:t>得出一个结论：</a:t>
+            </a:r>
+            <a:r>
+              <a:rPr lang="zh-CN" altLang="zh-CN" sz="2800" u="sng" dirty="0"/>
+              <a:t>　</a:t>
+            </a:r>
+            <a:r>
+              <a:rPr lang="en-US" altLang="zh-CN" sz="2800" u="sng" dirty="0"/>
+              <a:t>           </a:t>
+            </a:r>
+            <a:r>
+              <a:rPr lang="zh-CN" altLang="zh-CN" sz="2800" dirty="0"/>
+              <a:t>，</a:t>
+            </a:r>
+            <a:r>
+              <a:rPr lang="zh-CN" altLang="zh-CN" sz="2800" u="sng" dirty="0"/>
+              <a:t>　　</a:t>
+            </a:r>
+            <a:r>
+              <a:rPr lang="en-US" altLang="zh-CN" sz="2800" u="sng" dirty="0"/>
+              <a:t>  </a:t>
+            </a:r>
+            <a:r>
+              <a:rPr lang="zh-CN" altLang="zh-CN" sz="2800" u="sng" dirty="0"/>
+              <a:t>　</a:t>
+            </a:r>
+            <a:r>
+              <a:rPr lang="en-US" altLang="zh-CN" sz="2800" u="sng" dirty="0"/>
+              <a:t>  </a:t>
+            </a:r>
+            <a:r>
+              <a:rPr lang="zh-CN" altLang="zh-CN" sz="2800" u="sng" dirty="0"/>
+              <a:t>　 　</a:t>
+            </a:r>
+            <a:r>
+              <a:rPr lang="zh-CN" altLang="zh-CN" sz="2800" dirty="0"/>
+              <a:t>，即大鹏鸟的飞翔对风也具有依赖性。</a:t>
+            </a:r>
+          </a:p>
+          <a:p>
+            <a:endParaRPr lang="zh-CN" altLang="en-US" dirty="0"/>
+          </a:p>
+        </p:txBody>
+      </p:sp>
+    </p:spTree>
+    <p:extLst>
+      <p:ext uri="{BB962C8B-B14F-4D97-AF65-F5344CB8AC3E}">
+        <p14:creationId xmlns:p14="http://schemas.microsoft.com/office/powerpoint/2010/main" val="217974884"/>
+      </p:ext>
+    </p:extLst>
+  </p:cSld>
+  <p:clrMapOvr>
+    <a:masterClrMapping/>
+  </p:clrMapOvr>
+</p:sld>
+</file>
+
+<file path=ppt/slides/slide13.xml><?xml version="1.0" encoding="utf-8"?>
+<p:sld xmlns:a="http://schemas.openxmlformats.org/drawingml/2006/main" xmlns:r="http://schemas.openxmlformats.org/officeDocument/2006/relationships" xmlns:p="http://schemas.openxmlformats.org/presentationml/2006/main">
+  <p:cSld>
+    <p:spTree>
+      <p:nvGrpSpPr>
+        <p:cNvPr id="1" name=""/>
+        <p:cNvGrpSpPr/>
+        <p:nvPr/>
+      </p:nvGrpSpPr>
+      <p:grpSpPr>
+        <a:xfrm>
+          <a:off x="0" y="0"/>
+          <a:ext cx="0" cy="0"/>
+          <a:chOff x="0" y="0"/>
+          <a:chExt cx="0" cy="0"/>
+        </a:xfrm>
+      </p:grpSpPr>
+      <p:sp>
+        <p:nvSpPr>
+          <p:cNvPr id="2" name="TextBox 1"/>
+          <p:cNvSpPr txBox="1"/>
+          <p:nvPr/>
+        </p:nvSpPr>
+        <p:spPr>
+          <a:xfrm>
+            <a:off x="467544" y="548680"/>
+            <a:ext cx="8208912" cy="5632311"/>
+          </a:xfrm>
+          <a:prstGeom prst="rect">
+            <a:avLst/>
+          </a:prstGeom>
+          <a:noFill/>
+        </p:spPr>
+        <p:txBody>
+          <a:bodyPr wrap="square" rtlCol="0">
+            <a:spAutoFit/>
+          </a:bodyPr>
+          <a:lstStyle/>
+          <a:p>
+            <a:r>
+              <a:rPr lang="en-US" altLang="zh-CN" sz="4000" dirty="0"/>
+              <a:t>7</a:t>
+            </a:r>
+            <a:r>
+              <a:rPr lang="zh-CN" altLang="zh-CN" sz="4000" dirty="0" smtClean="0"/>
+              <a:t>．</a:t>
+            </a:r>
+            <a:r>
+              <a:rPr lang="zh-CN" altLang="en-US" sz="4000" dirty="0" smtClean="0"/>
+              <a:t>（</a:t>
+            </a:r>
+            <a:r>
+              <a:rPr lang="zh-CN" altLang="zh-CN" sz="4000" dirty="0"/>
+              <a:t>故夫</a:t>
+            </a:r>
+            <a:r>
+              <a:rPr lang="zh-CN" altLang="en-US" sz="4000" dirty="0" smtClean="0"/>
+              <a:t>）</a:t>
+            </a:r>
+            <a:r>
+              <a:rPr lang="zh-CN" altLang="zh-CN" sz="4000" dirty="0" smtClean="0"/>
+              <a:t>知</a:t>
+            </a:r>
+            <a:r>
+              <a:rPr lang="zh-CN" altLang="zh-CN" sz="4000" dirty="0"/>
+              <a:t>效一官，行比一乡，德合一君，而征一国者。</a:t>
+            </a:r>
+          </a:p>
+          <a:p>
+            <a:r>
+              <a:rPr lang="en-US" altLang="zh-CN" sz="4000" dirty="0"/>
+              <a:t>8</a:t>
+            </a:r>
+            <a:r>
+              <a:rPr lang="zh-CN" altLang="zh-CN" sz="4000" dirty="0"/>
+              <a:t>．且举世誉之而不加劝，举世非之而不加沮。</a:t>
+            </a:r>
+          </a:p>
+          <a:p>
+            <a:r>
+              <a:rPr lang="en-US" altLang="zh-CN" sz="4000" dirty="0" smtClean="0"/>
+              <a:t>9</a:t>
+            </a:r>
+            <a:r>
+              <a:rPr lang="zh-CN" altLang="zh-CN" sz="4000" dirty="0" smtClean="0"/>
+              <a:t>．</a:t>
+            </a:r>
+            <a:r>
+              <a:rPr lang="zh-CN" altLang="zh-CN" sz="4000" dirty="0"/>
+              <a:t>小知不及大知，小年不及大年。</a:t>
+            </a:r>
+          </a:p>
+          <a:p>
+            <a:r>
+              <a:rPr lang="en-US" altLang="zh-CN" sz="4000" dirty="0" smtClean="0"/>
+              <a:t>10</a:t>
+            </a:r>
+            <a:r>
+              <a:rPr lang="zh-CN" altLang="zh-CN" sz="4000" dirty="0" smtClean="0"/>
+              <a:t>．</a:t>
+            </a:r>
+            <a:r>
+              <a:rPr lang="zh-CN" altLang="zh-CN" sz="4000" dirty="0"/>
+              <a:t>我决起而飞，抢榆枋而止。</a:t>
+            </a:r>
+          </a:p>
+          <a:p>
+            <a:r>
+              <a:rPr lang="en-US" altLang="zh-CN" sz="4000" dirty="0" smtClean="0"/>
+              <a:t>11</a:t>
+            </a:r>
+            <a:r>
+              <a:rPr lang="zh-CN" altLang="zh-CN" sz="4000" dirty="0" smtClean="0"/>
+              <a:t>．</a:t>
+            </a:r>
+            <a:r>
+              <a:rPr lang="zh-CN" altLang="zh-CN" sz="4000" dirty="0"/>
+              <a:t>风之积也不厚，则其负大翼也无力。</a:t>
+            </a:r>
+          </a:p>
+          <a:p>
+            <a:endParaRPr lang="zh-CN" altLang="en-US" sz="4000" dirty="0"/>
+          </a:p>
+        </p:txBody>
+      </p:sp>
+    </p:spTree>
+    <p:extLst>
+      <p:ext uri="{BB962C8B-B14F-4D97-AF65-F5344CB8AC3E}">
+        <p14:creationId xmlns:p14="http://schemas.microsoft.com/office/powerpoint/2010/main" val="2404103383"/>
       </p:ext>
     </p:extLst>
   </p:cSld>
@@ -3416,64 +4159,411 @@
       </p:grpSpPr>
       <p:sp>
         <p:nvSpPr>
-          <p:cNvPr id="2" name="标题 1">
-            <a:extLst>
-              <a:ext uri="{FF2B5EF4-FFF2-40B4-BE49-F238E27FC236}">
-                <a16:creationId xmlns:a16="http://schemas.microsoft.com/office/drawing/2014/main" id="{C3EAE981-0A56-47F3-8290-B2DEB8A02F29}"/>
-              </a:ext>
-            </a:extLst>
-          </p:cNvPr>
-          <p:cNvSpPr>
-            <a:spLocks noGrp="1"/>
-          </p:cNvSpPr>
-          <p:nvPr>
-            <p:ph type="title"/>
-          </p:nvPr>
-        </p:nvSpPr>
-        <p:spPr/>
-        <p:txBody>
-          <a:bodyPr/>
+          <p:cNvPr id="2" name="TextBox 1"/>
+          <p:cNvSpPr txBox="1"/>
+          <p:nvPr/>
+        </p:nvSpPr>
+        <p:spPr>
+          <a:xfrm>
+            <a:off x="251520" y="188640"/>
+            <a:ext cx="8784976" cy="6678751"/>
+          </a:xfrm>
+          <a:prstGeom prst="rect">
+            <a:avLst/>
+          </a:prstGeom>
+          <a:noFill/>
+        </p:spPr>
+        <p:txBody>
+          <a:bodyPr wrap="square" rtlCol="0">
+            <a:spAutoFit/>
+          </a:bodyPr>
           <a:lstStyle/>
           <a:p>
             <a:r>
-              <a:rPr lang="zh-CN" altLang="en-US" dirty="0"/>
-              <a:t>这是第二张幻灯片</a:t>
-            </a:r>
-          </a:p>
-        </p:txBody>
-      </p:sp>
-      <p:sp>
-        <p:nvSpPr>
-          <p:cNvPr id="3" name="内容占位符 2">
-            <a:extLst>
-              <a:ext uri="{FF2B5EF4-FFF2-40B4-BE49-F238E27FC236}">
-                <a16:creationId xmlns:a16="http://schemas.microsoft.com/office/drawing/2014/main" id="{D3372B9E-67A4-467D-8D4B-D18EB923BBF4}"/>
-              </a:ext>
-            </a:extLst>
-          </p:cNvPr>
-          <p:cNvSpPr>
-            <a:spLocks noGrp="1"/>
-          </p:cNvSpPr>
-          <p:nvPr>
-            <p:ph idx="1"/>
-          </p:nvPr>
-        </p:nvSpPr>
-        <p:spPr/>
-        <p:txBody>
-          <a:bodyPr/>
-          <a:lstStyle/>
-          <a:p>
-            <a:r>
-              <a:rPr lang="zh-CN" altLang="en-US" dirty="0"/>
-              <a:t>文本</a:t>
-            </a:r>
+              <a:rPr lang="en-US" altLang="zh-CN" sz="2400" dirty="0"/>
+              <a:t>1</a:t>
+            </a:r>
+            <a:r>
+              <a:rPr lang="zh-CN" altLang="zh-CN" sz="2400" dirty="0" smtClean="0"/>
+              <a:t>．</a:t>
+            </a:r>
+            <a:r>
+              <a:rPr lang="zh-CN" altLang="zh-CN" sz="2400" dirty="0" smtClean="0"/>
+              <a:t>《阿房宫赋》</a:t>
+            </a:r>
+            <a:r>
+              <a:rPr lang="zh-CN" altLang="zh-CN" sz="2400" dirty="0"/>
+              <a:t>中，从人们的主观感受写宫内歌舞盛况</a:t>
+            </a:r>
+            <a:r>
+              <a:rPr lang="zh-CN" altLang="en-US" sz="2400" dirty="0"/>
+              <a:t>，</a:t>
+            </a:r>
+            <a:r>
+              <a:rPr lang="zh-CN" altLang="zh-CN" sz="2400" dirty="0"/>
+              <a:t>既是以歌舞之纷繁衬托宫殿之众多，又为下文美女充盈宫室预作铺垫的句子是：</a:t>
+            </a:r>
+            <a:r>
+              <a:rPr lang="en-US" altLang="zh-CN" sz="2400" u="sng" dirty="0"/>
+              <a:t>                 </a:t>
+            </a:r>
+            <a:r>
+              <a:rPr lang="zh-CN" altLang="zh-CN" sz="2400" dirty="0"/>
+              <a:t>，</a:t>
+            </a:r>
+            <a:r>
+              <a:rPr lang="en-US" altLang="zh-CN" sz="2400" u="sng" dirty="0"/>
+              <a:t>                </a:t>
+            </a:r>
+            <a:r>
+              <a:rPr lang="zh-CN" altLang="zh-CN" sz="2400" dirty="0"/>
+              <a:t>；</a:t>
+            </a:r>
+            <a:r>
+              <a:rPr lang="en-US" altLang="zh-CN" sz="2400" u="sng" dirty="0"/>
+              <a:t>                  </a:t>
+            </a:r>
+            <a:r>
+              <a:rPr lang="zh-CN" altLang="zh-CN" sz="2400" dirty="0"/>
+              <a:t>，</a:t>
+            </a:r>
+            <a:r>
+              <a:rPr lang="en-US" altLang="zh-CN" sz="2400" u="sng" dirty="0"/>
+              <a:t>                  </a:t>
+            </a:r>
+            <a:r>
+              <a:rPr lang="zh-CN" altLang="zh-CN" sz="2400" dirty="0"/>
+              <a:t>。 </a:t>
+            </a:r>
+            <a:endParaRPr lang="en-US" altLang="zh-CN" sz="2400" dirty="0" smtClean="0"/>
+          </a:p>
+          <a:p>
+            <a:r>
+              <a:rPr lang="en-US" altLang="zh-CN" sz="2400" dirty="0"/>
+              <a:t>2</a:t>
+            </a:r>
+            <a:r>
+              <a:rPr lang="zh-CN" altLang="zh-CN" sz="2400" dirty="0" smtClean="0"/>
+              <a:t>．</a:t>
+            </a:r>
+            <a:r>
+              <a:rPr lang="zh-CN" altLang="zh-CN" sz="2400" dirty="0" smtClean="0"/>
+              <a:t>《阿房宫赋》</a:t>
+            </a:r>
+            <a:r>
+              <a:rPr lang="zh-CN" altLang="zh-CN" sz="2400" dirty="0"/>
+              <a:t>中，描写阿房宫中长桥如龙，复道如虹的句子是</a:t>
+            </a:r>
+            <a:r>
+              <a:rPr lang="en-US" altLang="zh-CN" sz="2400" u="sng" dirty="0"/>
+              <a:t>           </a:t>
+            </a:r>
+            <a:r>
+              <a:rPr lang="zh-CN" altLang="zh-CN" sz="2400" dirty="0"/>
+              <a:t>，</a:t>
+            </a:r>
+            <a:r>
+              <a:rPr lang="en-US" altLang="zh-CN" sz="2400" u="sng" dirty="0"/>
+              <a:t>          </a:t>
+            </a:r>
+            <a:r>
+              <a:rPr lang="zh-CN" altLang="zh-CN" sz="2400" dirty="0"/>
+              <a:t>？</a:t>
+            </a:r>
+            <a:r>
+              <a:rPr lang="en-US" altLang="zh-CN" sz="2400" u="sng" dirty="0"/>
+              <a:t>             </a:t>
+            </a:r>
+            <a:r>
+              <a:rPr lang="zh-CN" altLang="zh-CN" sz="2400" dirty="0"/>
+              <a:t>，</a:t>
+            </a:r>
+            <a:r>
+              <a:rPr lang="en-US" altLang="zh-CN" sz="2400" u="sng" dirty="0"/>
+              <a:t>            </a:t>
+            </a:r>
+            <a:r>
+              <a:rPr lang="zh-CN" altLang="zh-CN" sz="2400" dirty="0"/>
+              <a:t>？</a:t>
+            </a:r>
+          </a:p>
+          <a:p>
+            <a:r>
+              <a:rPr lang="en-US" altLang="zh-CN" sz="2400" dirty="0"/>
+              <a:t>3</a:t>
+            </a:r>
+            <a:r>
+              <a:rPr lang="zh-CN" altLang="zh-CN" sz="2400" dirty="0" smtClean="0"/>
+              <a:t>．</a:t>
+            </a:r>
+            <a:r>
+              <a:rPr lang="zh-CN" altLang="zh-CN" sz="2400" dirty="0"/>
+              <a:t>《阿房宫赋》中，描写出阿房宫内长廊如腰、屋檐高挑，楼阁之间互相钩连、互相环绕的</a:t>
+            </a:r>
+            <a:r>
+              <a:rPr lang="zh-CN" altLang="zh-CN" sz="2400" dirty="0" smtClean="0"/>
+              <a:t>句子</a:t>
+            </a:r>
+            <a:r>
+              <a:rPr lang="zh-CN" altLang="en-US" sz="2400" dirty="0" smtClean="0"/>
+              <a:t>是</a:t>
+            </a:r>
+            <a:r>
+              <a:rPr lang="en-US" altLang="zh-CN" sz="2400" u="sng" dirty="0" smtClean="0"/>
+              <a:t>              </a:t>
+            </a:r>
+            <a:r>
+              <a:rPr lang="zh-CN" altLang="zh-CN" sz="2400" dirty="0"/>
+              <a:t>，</a:t>
+            </a:r>
+            <a:r>
+              <a:rPr lang="en-US" altLang="zh-CN" sz="2400" u="sng" dirty="0"/>
+              <a:t>              </a:t>
+            </a:r>
+            <a:r>
+              <a:rPr lang="zh-CN" altLang="zh-CN" sz="2400" dirty="0"/>
+              <a:t>；</a:t>
+            </a:r>
+            <a:r>
+              <a:rPr lang="en-US" altLang="zh-CN" sz="2400" u="sng" dirty="0"/>
+              <a:t>               </a:t>
+            </a:r>
+            <a:r>
+              <a:rPr lang="zh-CN" altLang="zh-CN" sz="2400" dirty="0"/>
+              <a:t>， </a:t>
+            </a:r>
+            <a:r>
+              <a:rPr lang="en-US" altLang="zh-CN" sz="2400" u="sng" dirty="0"/>
+              <a:t>               </a:t>
+            </a:r>
+            <a:r>
+              <a:rPr lang="zh-CN" altLang="en-US" sz="2400" dirty="0" smtClean="0"/>
+              <a:t>。</a:t>
+            </a:r>
+            <a:endParaRPr lang="zh-CN" altLang="zh-CN" sz="2400" dirty="0"/>
+          </a:p>
+          <a:p>
+            <a:r>
+              <a:rPr lang="en-US" altLang="zh-CN" sz="2400" dirty="0"/>
+              <a:t>4</a:t>
+            </a:r>
+            <a:r>
+              <a:rPr lang="zh-CN" altLang="zh-CN" sz="2400" dirty="0" smtClean="0"/>
+              <a:t>．</a:t>
+            </a:r>
+            <a:r>
+              <a:rPr lang="zh-CN" altLang="zh-CN" sz="2400" dirty="0"/>
+              <a:t>《阿房宫赋》中，写出楼阁盘旋、屈曲，如蜂房、水涡，高耸入云的句子是</a:t>
+            </a:r>
+            <a:r>
+              <a:rPr lang="en-US" altLang="zh-CN" sz="2400" u="sng" dirty="0"/>
+              <a:t>          </a:t>
+            </a:r>
+            <a:r>
+              <a:rPr lang="zh-CN" altLang="zh-CN" sz="2400" dirty="0" smtClean="0"/>
+              <a:t>，</a:t>
+            </a:r>
+            <a:r>
+              <a:rPr lang="en-US" altLang="zh-CN" sz="2400" dirty="0" smtClean="0"/>
+              <a:t> </a:t>
+            </a:r>
+            <a:r>
+              <a:rPr lang="en-US" altLang="zh-CN" sz="2400" u="sng" dirty="0" smtClean="0"/>
+              <a:t>            </a:t>
+            </a:r>
+            <a:r>
+              <a:rPr lang="zh-CN" altLang="zh-CN" sz="2400" dirty="0"/>
+              <a:t>，</a:t>
+            </a:r>
+            <a:r>
+              <a:rPr lang="en-US" altLang="zh-CN" sz="2400" u="sng" dirty="0"/>
+              <a:t>         </a:t>
+            </a:r>
+            <a:r>
+              <a:rPr lang="en-US" altLang="zh-CN" sz="2400" u="sng" dirty="0" smtClean="0"/>
+              <a:t>      </a:t>
+            </a:r>
+            <a:r>
+              <a:rPr lang="zh-CN" altLang="zh-CN" sz="2400" dirty="0"/>
+              <a:t>，</a:t>
+            </a:r>
+            <a:r>
+              <a:rPr lang="en-US" altLang="zh-CN" sz="2400" u="sng" dirty="0"/>
+              <a:t>                       </a:t>
+            </a:r>
+            <a:r>
+              <a:rPr lang="zh-CN" altLang="zh-CN" sz="2400" dirty="0" smtClean="0"/>
+              <a:t>。</a:t>
+            </a:r>
+            <a:endParaRPr lang="en-US" altLang="zh-CN" sz="2400" dirty="0" smtClean="0"/>
+          </a:p>
+          <a:p>
+            <a:r>
+              <a:rPr lang="en-US" altLang="zh-CN" sz="2400" dirty="0"/>
+              <a:t>5</a:t>
+            </a:r>
+            <a:r>
+              <a:rPr lang="zh-CN" altLang="zh-CN" sz="2400" dirty="0" smtClean="0"/>
+              <a:t>．</a:t>
+            </a:r>
+            <a:r>
+              <a:rPr lang="zh-CN" altLang="zh-CN" sz="2400" dirty="0" smtClean="0"/>
+              <a:t>《阿房宫赋》</a:t>
+            </a:r>
+            <a:r>
+              <a:rPr lang="zh-CN" altLang="zh-CN" sz="2400" dirty="0"/>
+              <a:t>中，描绘了阿房宫在地理上依山傍水的宏阔景象的句子是</a:t>
+            </a:r>
+            <a:r>
+              <a:rPr lang="en-US" altLang="zh-CN" sz="2400" u="sng" dirty="0"/>
+              <a:t>               </a:t>
+            </a:r>
+            <a:r>
+              <a:rPr lang="zh-CN" altLang="zh-CN" sz="2400" dirty="0"/>
+              <a:t>，</a:t>
+            </a:r>
+            <a:r>
+              <a:rPr lang="en-US" altLang="zh-CN" sz="2400" dirty="0"/>
+              <a:t> </a:t>
+            </a:r>
+            <a:r>
+              <a:rPr lang="en-US" altLang="zh-CN" sz="2400" u="sng" dirty="0"/>
+              <a:t>               </a:t>
+            </a:r>
+            <a:r>
+              <a:rPr lang="zh-CN" altLang="zh-CN" sz="2400" dirty="0"/>
+              <a:t>。</a:t>
+            </a:r>
+            <a:r>
+              <a:rPr lang="en-US" altLang="zh-CN" sz="2400" u="sng" dirty="0"/>
+              <a:t>               </a:t>
+            </a:r>
+            <a:r>
+              <a:rPr lang="zh-CN" altLang="zh-CN" sz="2400" dirty="0"/>
+              <a:t>，</a:t>
+            </a:r>
+            <a:r>
+              <a:rPr lang="en-US" altLang="zh-CN" sz="2400" u="sng" dirty="0"/>
+              <a:t>                 </a:t>
+            </a:r>
+            <a:r>
+              <a:rPr lang="zh-CN" altLang="zh-CN" sz="2400" dirty="0"/>
+              <a:t>。</a:t>
+            </a:r>
+          </a:p>
+          <a:p>
+            <a:r>
+              <a:rPr lang="en-US" altLang="zh-CN" sz="2400" dirty="0" smtClean="0"/>
+              <a:t>6</a:t>
+            </a:r>
+            <a:r>
+              <a:rPr lang="zh-CN" altLang="zh-CN" sz="2400" dirty="0" smtClean="0"/>
+              <a:t>．</a:t>
+            </a:r>
+            <a:r>
+              <a:rPr lang="zh-CN" altLang="zh-CN" sz="2400" dirty="0" smtClean="0"/>
+              <a:t>《阿房宫赋》</a:t>
+            </a:r>
+            <a:r>
+              <a:rPr lang="zh-CN" altLang="zh-CN" sz="2400" dirty="0"/>
+              <a:t>中作者泼墨写意，粗笔勾勒。言阿房宫占地之广，状其楼阁之高的句子是：</a:t>
+            </a:r>
+            <a:r>
+              <a:rPr lang="en-US" altLang="zh-CN" sz="2400" u="sng" dirty="0"/>
+              <a:t>                      </a:t>
+            </a:r>
+            <a:r>
+              <a:rPr lang="en-US" altLang="zh-CN" sz="2400" dirty="0"/>
+              <a:t> </a:t>
+            </a:r>
+            <a:r>
+              <a:rPr lang="zh-CN" altLang="zh-CN" sz="2400" dirty="0"/>
+              <a:t>，</a:t>
+            </a:r>
+            <a:r>
+              <a:rPr lang="en-US" altLang="zh-CN" sz="2400" u="sng" dirty="0"/>
+              <a:t>                      </a:t>
+            </a:r>
+            <a:r>
+              <a:rPr lang="zh-CN" altLang="zh-CN" sz="2400" dirty="0" smtClean="0"/>
+              <a:t>。</a:t>
+            </a:r>
+            <a:endParaRPr lang="zh-CN" altLang="zh-CN" sz="2400" dirty="0"/>
+          </a:p>
+          <a:p>
+            <a:r>
+              <a:rPr lang="en-US" altLang="zh-CN" sz="2400" dirty="0"/>
+              <a:t>7</a:t>
+            </a:r>
+            <a:r>
+              <a:rPr lang="en-US" altLang="zh-CN" sz="2400" dirty="0" smtClean="0"/>
+              <a:t>.</a:t>
+            </a:r>
+            <a:r>
+              <a:rPr lang="zh-CN" altLang="zh-CN" sz="2400" dirty="0" smtClean="0"/>
+              <a:t> </a:t>
+            </a:r>
+            <a:r>
+              <a:rPr lang="zh-CN" altLang="zh-CN" sz="2400" dirty="0"/>
+              <a:t>《阿房宫赋》开篇，用简练的语言写出秦统一天下的气势和阿房宫建成的句</a:t>
+            </a:r>
+            <a:r>
+              <a:rPr lang="zh-CN" altLang="en-US" sz="2400" dirty="0"/>
+              <a:t>子</a:t>
+            </a:r>
+            <a:r>
+              <a:rPr lang="zh-CN" altLang="zh-CN" sz="2400" dirty="0"/>
+              <a:t>是 </a:t>
+            </a:r>
+            <a:r>
+              <a:rPr lang="en-US" altLang="zh-CN" sz="2400" u="sng" dirty="0"/>
+              <a:t>                </a:t>
+            </a:r>
+            <a:r>
+              <a:rPr lang="en-US" altLang="zh-CN" sz="2400" dirty="0"/>
+              <a:t> </a:t>
+            </a:r>
+            <a:r>
+              <a:rPr lang="zh-CN" altLang="zh-CN" sz="2400" dirty="0"/>
+              <a:t>，</a:t>
+            </a:r>
+            <a:r>
+              <a:rPr lang="en-US" altLang="zh-CN" sz="2400" u="sng" dirty="0"/>
+              <a:t>                 </a:t>
+            </a:r>
+            <a:r>
+              <a:rPr lang="zh-CN" altLang="zh-CN" sz="2400" dirty="0"/>
+              <a:t>，</a:t>
+            </a:r>
+            <a:r>
+              <a:rPr lang="en-US" altLang="zh-CN" sz="2400" u="sng" dirty="0"/>
+              <a:t>                </a:t>
+            </a:r>
+            <a:r>
+              <a:rPr lang="zh-CN" altLang="zh-CN" sz="2400" dirty="0"/>
+              <a:t>，</a:t>
+            </a:r>
+            <a:r>
+              <a:rPr lang="en-US" altLang="zh-CN" sz="2400" u="sng" dirty="0"/>
+              <a:t>               </a:t>
+            </a:r>
+            <a:r>
+              <a:rPr lang="zh-CN" altLang="zh-CN" sz="2400" dirty="0"/>
+              <a:t>。</a:t>
+            </a:r>
+          </a:p>
+          <a:p>
+            <a:endParaRPr lang="zh-CN" altLang="zh-CN" sz="2200" dirty="0"/>
+          </a:p>
+          <a:p>
+            <a:endParaRPr lang="zh-CN" altLang="en-US" sz="2200" dirty="0"/>
           </a:p>
         </p:txBody>
       </p:sp>
     </p:spTree>
     <p:extLst>
       <p:ext uri="{BB962C8B-B14F-4D97-AF65-F5344CB8AC3E}">
-        <p14:creationId xmlns:p14="http://schemas.microsoft.com/office/powerpoint/2010/main" val="3938859498"/>
+        <p14:creationId xmlns:p14="http://schemas.microsoft.com/office/powerpoint/2010/main" val="3564808727"/>
       </p:ext>
     </p:extLst>
   </p:cSld>
@@ -3502,71 +4592,1556 @@
       </p:grpSpPr>
       <p:sp>
         <p:nvSpPr>
-          <p:cNvPr id="2" name="标题 1">
-            <a:extLst>
-              <a:ext uri="{FF2B5EF4-FFF2-40B4-BE49-F238E27FC236}">
-                <a16:creationId xmlns:a16="http://schemas.microsoft.com/office/drawing/2014/main" id="{4221EF42-3B25-4567-BF06-073741035627}"/>
-              </a:ext>
-            </a:extLst>
-          </p:cNvPr>
-          <p:cNvSpPr>
-            <a:spLocks noGrp="1"/>
-          </p:cNvSpPr>
-          <p:nvPr>
-            <p:ph type="title"/>
-          </p:nvPr>
-        </p:nvSpPr>
-        <p:spPr/>
-        <p:txBody>
-          <a:bodyPr/>
-          <a:lstStyle/>
-          <a:p>
-            <a:r>
-              <a:rPr lang="zh-CN" altLang="en-US" dirty="0"/>
-              <a:t>这里有图片</a:t>
-            </a:r>
-          </a:p>
-        </p:txBody>
-      </p:sp>
-      <p:pic>
-        <p:nvPicPr>
-          <p:cNvPr id="5" name="内容占位符 4">
-            <a:extLst>
-              <a:ext uri="{FF2B5EF4-FFF2-40B4-BE49-F238E27FC236}">
-                <a16:creationId xmlns:a16="http://schemas.microsoft.com/office/drawing/2014/main" id="{A74D9C1E-EA2E-4726-BD25-FCD4277E170A}"/>
-              </a:ext>
-            </a:extLst>
-          </p:cNvPr>
-          <p:cNvPicPr>
-            <a:picLocks noGrp="1" noChangeAspect="1"/>
-          </p:cNvPicPr>
-          <p:nvPr>
-            <p:ph idx="1"/>
-          </p:nvPr>
-        </p:nvPicPr>
-        <p:blipFill>
-          <a:blip r:embed="rId2">
-            <a:extLst>
-              <a:ext uri="{28A0092B-C50C-407E-A947-70E740481C1C}">
-                <a14:useLocalDpi xmlns:a14="http://schemas.microsoft.com/office/drawing/2010/main" val="0"/>
-              </a:ext>
-            </a:extLst>
-          </a:blip>
-          <a:stretch>
-            <a:fillRect/>
-          </a:stretch>
-        </p:blipFill>
+          <p:cNvPr id="2" name="TextBox 1"/>
+          <p:cNvSpPr txBox="1"/>
+          <p:nvPr/>
+        </p:nvSpPr>
         <p:spPr>
           <a:xfrm>
-            <a:off x="2228144" y="1825625"/>
-            <a:ext cx="7735712" cy="4351338"/>
+            <a:off x="179512" y="188640"/>
+            <a:ext cx="8784976" cy="4801314"/>
           </a:xfrm>
+          <a:prstGeom prst="rect">
+            <a:avLst/>
+          </a:prstGeom>
+          <a:noFill/>
         </p:spPr>
-      </p:pic>
+        <p:txBody>
+          <a:bodyPr wrap="square" rtlCol="0">
+            <a:spAutoFit/>
+          </a:bodyPr>
+          <a:lstStyle/>
+          <a:p>
+            <a:r>
+              <a:rPr lang="en-US" altLang="zh-CN" sz="3200" dirty="0"/>
+              <a:t>1</a:t>
+            </a:r>
+            <a:r>
+              <a:rPr lang="zh-CN" altLang="zh-CN" sz="3200" dirty="0" smtClean="0"/>
+              <a:t>．歌</a:t>
+            </a:r>
+            <a:r>
+              <a:rPr lang="zh-CN" altLang="zh-CN" sz="3200" dirty="0"/>
+              <a:t>台暖响，春光融融；舞殿冷袖，风雨凄凄。</a:t>
+            </a:r>
+          </a:p>
+          <a:p>
+            <a:r>
+              <a:rPr lang="en-US" altLang="zh-CN" sz="3200" dirty="0" smtClean="0"/>
+              <a:t>2</a:t>
+            </a:r>
+            <a:r>
+              <a:rPr lang="zh-CN" altLang="zh-CN" sz="3200" dirty="0" smtClean="0"/>
+              <a:t>．</a:t>
+            </a:r>
+            <a:r>
+              <a:rPr lang="zh-CN" altLang="zh-CN" sz="3200" dirty="0"/>
+              <a:t>长桥卧波，未云何龙？复道行空，不霁何虹？</a:t>
+            </a:r>
+          </a:p>
+          <a:p>
+            <a:r>
+              <a:rPr lang="en-US" altLang="zh-CN" sz="3200" dirty="0" smtClean="0"/>
+              <a:t>3</a:t>
+            </a:r>
+            <a:r>
+              <a:rPr lang="zh-CN" altLang="zh-CN" sz="3200" dirty="0" smtClean="0"/>
+              <a:t>．</a:t>
+            </a:r>
+            <a:r>
+              <a:rPr lang="zh-CN" altLang="zh-CN" sz="3200" dirty="0"/>
+              <a:t>廊腰缦回，檐牙高啄；各抱地势，钩心斗角。</a:t>
+            </a:r>
+          </a:p>
+          <a:p>
+            <a:r>
+              <a:rPr lang="en-US" altLang="zh-CN" sz="3200" dirty="0" smtClean="0"/>
+              <a:t>4</a:t>
+            </a:r>
+            <a:r>
+              <a:rPr lang="zh-CN" altLang="zh-CN" sz="3200" dirty="0" smtClean="0"/>
+              <a:t>．</a:t>
+            </a:r>
+            <a:r>
+              <a:rPr lang="zh-CN" altLang="zh-CN" sz="3200" dirty="0"/>
+              <a:t>盘盘焉，囷囷焉，蜂房水涡，矗不知乎其几千万落。</a:t>
+            </a:r>
+          </a:p>
+          <a:p>
+            <a:r>
+              <a:rPr lang="en-US" altLang="zh-CN" sz="3200" dirty="0" smtClean="0"/>
+              <a:t>5</a:t>
+            </a:r>
+            <a:r>
+              <a:rPr lang="zh-CN" altLang="zh-CN" sz="3200" dirty="0" smtClean="0"/>
+              <a:t>．</a:t>
+            </a:r>
+            <a:r>
+              <a:rPr lang="zh-CN" altLang="zh-CN" sz="3200" dirty="0"/>
+              <a:t>骊山北构而西折，直走咸阳。二川溶溶，流入宫墙。</a:t>
+            </a:r>
+          </a:p>
+          <a:p>
+            <a:r>
+              <a:rPr lang="en-US" altLang="zh-CN" sz="3200" dirty="0" smtClean="0"/>
+              <a:t>6</a:t>
+            </a:r>
+            <a:r>
+              <a:rPr lang="zh-CN" altLang="zh-CN" sz="3200" dirty="0" smtClean="0"/>
+              <a:t>．</a:t>
+            </a:r>
+            <a:r>
+              <a:rPr lang="zh-CN" altLang="zh-CN" sz="3200" dirty="0"/>
+              <a:t>覆压三百余里，隔离天日。</a:t>
+            </a:r>
+          </a:p>
+          <a:p>
+            <a:r>
+              <a:rPr lang="en-US" altLang="zh-CN" sz="3200" dirty="0" smtClean="0"/>
+              <a:t>7</a:t>
+            </a:r>
+            <a:r>
+              <a:rPr lang="zh-CN" altLang="zh-CN" sz="3200" dirty="0" smtClean="0"/>
+              <a:t>．</a:t>
+            </a:r>
+            <a:r>
+              <a:rPr lang="zh-CN" altLang="zh-CN" sz="3200" dirty="0"/>
+              <a:t>六王毕，四海一，蜀山兀，阿房出。</a:t>
+            </a:r>
+          </a:p>
+          <a:p>
+            <a:endParaRPr lang="zh-CN" altLang="en-US" dirty="0"/>
+          </a:p>
+        </p:txBody>
+      </p:sp>
     </p:spTree>
     <p:extLst>
       <p:ext uri="{BB962C8B-B14F-4D97-AF65-F5344CB8AC3E}">
-        <p14:creationId xmlns:p14="http://schemas.microsoft.com/office/powerpoint/2010/main" val="4166914012"/>
+        <p14:creationId xmlns:p14="http://schemas.microsoft.com/office/powerpoint/2010/main" val="1231620197"/>
+      </p:ext>
+    </p:extLst>
+  </p:cSld>
+  <p:clrMapOvr>
+    <a:masterClrMapping/>
+  </p:clrMapOvr>
+</p:sld>
+</file>
+
+<file path=ppt/slides/slide4.xml><?xml version="1.0" encoding="utf-8"?>
+<p:sld xmlns:a="http://schemas.openxmlformats.org/drawingml/2006/main" xmlns:r="http://schemas.openxmlformats.org/officeDocument/2006/relationships" xmlns:p="http://schemas.openxmlformats.org/presentationml/2006/main">
+  <p:cSld>
+    <p:spTree>
+      <p:nvGrpSpPr>
+        <p:cNvPr id="1" name=""/>
+        <p:cNvGrpSpPr/>
+        <p:nvPr/>
+      </p:nvGrpSpPr>
+      <p:grpSpPr>
+        <a:xfrm>
+          <a:off x="0" y="0"/>
+          <a:ext cx="0" cy="0"/>
+          <a:chOff x="0" y="0"/>
+          <a:chExt cx="0" cy="0"/>
+        </a:xfrm>
+      </p:grpSpPr>
+      <p:sp>
+        <p:nvSpPr>
+          <p:cNvPr id="2" name="TextBox 1"/>
+          <p:cNvSpPr txBox="1"/>
+          <p:nvPr/>
+        </p:nvSpPr>
+        <p:spPr>
+          <a:xfrm>
+            <a:off x="179512" y="260648"/>
+            <a:ext cx="8784976" cy="6647974"/>
+          </a:xfrm>
+          <a:prstGeom prst="rect">
+            <a:avLst/>
+          </a:prstGeom>
+          <a:noFill/>
+        </p:spPr>
+        <p:txBody>
+          <a:bodyPr wrap="square" rtlCol="0">
+            <a:spAutoFit/>
+          </a:bodyPr>
+          <a:lstStyle/>
+          <a:p>
+            <a:r>
+              <a:rPr lang="en-US" altLang="zh-CN" sz="2400" dirty="0" smtClean="0"/>
+              <a:t>8</a:t>
+            </a:r>
+            <a:r>
+              <a:rPr lang="zh-CN" altLang="zh-CN" sz="2400" dirty="0" smtClean="0"/>
+              <a:t>．</a:t>
+            </a:r>
+            <a:r>
+              <a:rPr lang="zh-CN" altLang="zh-CN" sz="2400" dirty="0"/>
+              <a:t>杜牧在文中告诫后人光是感叹是没有用的，要吸取历史教训，不要让历史重演，如果不能够吸取教训终将重蹈覆辙的语句是：</a:t>
+            </a:r>
+            <a:r>
+              <a:rPr lang="en-US" altLang="zh-CN" sz="2400" dirty="0"/>
+              <a:t> </a:t>
+            </a:r>
+            <a:r>
+              <a:rPr lang="en-US" altLang="zh-CN" sz="2400" u="sng" dirty="0"/>
+              <a:t>     </a:t>
+            </a:r>
+            <a:r>
+              <a:rPr lang="en-US" altLang="zh-CN" sz="2400" u="sng" dirty="0" smtClean="0"/>
+              <a:t>    </a:t>
+            </a:r>
+            <a:r>
+              <a:rPr lang="zh-CN" altLang="zh-CN" sz="2400" dirty="0"/>
+              <a:t>，</a:t>
+            </a:r>
+            <a:r>
+              <a:rPr lang="en-US" altLang="zh-CN" sz="2400" u="sng" dirty="0"/>
+              <a:t>    </a:t>
+            </a:r>
+            <a:r>
+              <a:rPr lang="en-US" altLang="zh-CN" sz="2400" u="sng" dirty="0" smtClean="0"/>
+              <a:t>           </a:t>
+            </a:r>
+            <a:r>
+              <a:rPr lang="zh-CN" altLang="zh-CN" sz="2400" dirty="0"/>
+              <a:t>。</a:t>
+            </a:r>
+          </a:p>
+          <a:p>
+            <a:r>
+              <a:rPr lang="en-US" altLang="zh-CN" sz="2400" dirty="0" smtClean="0"/>
+              <a:t>9</a:t>
+            </a:r>
+            <a:r>
+              <a:rPr lang="zh-CN" altLang="zh-CN" sz="2400" dirty="0" smtClean="0"/>
+              <a:t>．</a:t>
+            </a:r>
+            <a:r>
+              <a:rPr lang="zh-CN" altLang="zh-CN" sz="2400" dirty="0"/>
+              <a:t>杜牧在本文中最后总结，六国和秦国的灭亡都是由于不修自身，咎由自取，怨不得别人的语句是：</a:t>
+            </a:r>
+            <a:r>
+              <a:rPr lang="en-US" altLang="zh-CN" sz="2400" u="sng" dirty="0"/>
+              <a:t>        </a:t>
+            </a:r>
+            <a:r>
+              <a:rPr lang="en-US" altLang="zh-CN" sz="2400" u="sng" dirty="0" smtClean="0"/>
+              <a:t>             </a:t>
+            </a:r>
+            <a:r>
+              <a:rPr lang="zh-CN" altLang="zh-CN" sz="2400" dirty="0"/>
+              <a:t>，</a:t>
+            </a:r>
+            <a:r>
+              <a:rPr lang="en-US" altLang="zh-CN" sz="2400" u="sng" dirty="0"/>
+              <a:t>           </a:t>
+            </a:r>
+            <a:r>
+              <a:rPr lang="zh-CN" altLang="zh-CN" sz="2400" dirty="0"/>
+              <a:t>；</a:t>
+            </a:r>
+            <a:r>
+              <a:rPr lang="en-US" altLang="zh-CN" sz="2400" u="sng" dirty="0"/>
+              <a:t>         </a:t>
+            </a:r>
+            <a:r>
+              <a:rPr lang="en-US" altLang="zh-CN" sz="2400" u="sng" dirty="0" smtClean="0"/>
+              <a:t>           </a:t>
+            </a:r>
+            <a:r>
+              <a:rPr lang="zh-CN" altLang="zh-CN" sz="2400" dirty="0"/>
+              <a:t>，</a:t>
+            </a:r>
+            <a:r>
+              <a:rPr lang="en-US" altLang="zh-CN" sz="2400" u="sng" dirty="0"/>
+              <a:t>            </a:t>
+            </a:r>
+            <a:r>
+              <a:rPr lang="zh-CN" altLang="en-US" sz="2400" dirty="0"/>
+              <a:t>。</a:t>
+            </a:r>
+            <a:endParaRPr lang="zh-CN" altLang="zh-CN" sz="2400" dirty="0"/>
+          </a:p>
+          <a:p>
+            <a:r>
+              <a:rPr lang="en-US" altLang="zh-CN" sz="2400" dirty="0" smtClean="0"/>
+              <a:t>10</a:t>
+            </a:r>
+            <a:r>
+              <a:rPr lang="zh-CN" altLang="zh-CN" sz="2400" dirty="0" smtClean="0"/>
+              <a:t>．</a:t>
+            </a:r>
+            <a:r>
+              <a:rPr lang="zh-CN" altLang="zh-CN" sz="2400" dirty="0"/>
+              <a:t>《阿房宫赋》中，作者用简明扼要的语言交代秦王朝灭亡的句子是</a:t>
+            </a:r>
+            <a:r>
+              <a:rPr lang="en-US" altLang="zh-CN" sz="2400" u="sng" dirty="0"/>
+              <a:t>               </a:t>
+            </a:r>
+            <a:r>
+              <a:rPr lang="zh-CN" altLang="zh-CN" sz="2400" dirty="0"/>
+              <a:t>，</a:t>
+            </a:r>
+            <a:r>
+              <a:rPr lang="en-US" altLang="zh-CN" sz="2400" dirty="0"/>
+              <a:t> </a:t>
+            </a:r>
+            <a:r>
+              <a:rPr lang="en-US" altLang="zh-CN" sz="2400" u="sng" dirty="0"/>
+              <a:t>             </a:t>
+            </a:r>
+            <a:r>
+              <a:rPr lang="zh-CN" altLang="zh-CN" sz="2400" dirty="0"/>
+              <a:t>，</a:t>
+            </a:r>
+            <a:r>
+              <a:rPr lang="en-US" altLang="zh-CN" sz="2400" u="sng" dirty="0"/>
+              <a:t>               </a:t>
+            </a:r>
+            <a:r>
+              <a:rPr lang="zh-CN" altLang="zh-CN" sz="2400" dirty="0"/>
+              <a:t>，</a:t>
+            </a:r>
+            <a:r>
+              <a:rPr lang="en-US" altLang="zh-CN" sz="2400" u="sng" dirty="0"/>
+              <a:t>               </a:t>
+            </a:r>
+            <a:r>
+              <a:rPr lang="zh-CN" altLang="zh-CN" sz="2400" dirty="0"/>
+              <a:t>！</a:t>
+            </a:r>
+          </a:p>
+          <a:p>
+            <a:r>
+              <a:rPr lang="en-US" altLang="zh-CN" sz="2400" dirty="0" smtClean="0"/>
+              <a:t>11</a:t>
+            </a:r>
+            <a:r>
+              <a:rPr lang="zh-CN" altLang="zh-CN" sz="2400" dirty="0" smtClean="0"/>
+              <a:t>．</a:t>
+            </a:r>
+            <a:r>
+              <a:rPr lang="zh-CN" altLang="zh-CN" sz="2400" dirty="0"/>
+              <a:t>《阿房宫赋》</a:t>
+            </a:r>
+            <a:r>
+              <a:rPr lang="zh-CN" altLang="en-US" sz="2400" dirty="0"/>
+              <a:t>指出</a:t>
+            </a:r>
+            <a:r>
+              <a:rPr lang="zh-CN" altLang="zh-CN" sz="2400" dirty="0"/>
+              <a:t>秦的纷奢是建立在对人民的极尽剥削之上，并且挥霍无度，将剥削来的钱财像泥沙一样的浪费掉，给人民带来了深重的灾难。揭露和控诉了秦的自私无道的语句是 </a:t>
+            </a:r>
+            <a:r>
+              <a:rPr lang="en-US" altLang="zh-CN" sz="2400" u="sng" dirty="0"/>
+              <a:t>                       </a:t>
+            </a:r>
+            <a:r>
+              <a:rPr lang="zh-CN" altLang="zh-CN" sz="2400" dirty="0"/>
+              <a:t>，</a:t>
+            </a:r>
+            <a:r>
+              <a:rPr lang="en-US" altLang="zh-CN" sz="2400" u="sng" dirty="0"/>
+              <a:t>                     </a:t>
+            </a:r>
+            <a:r>
+              <a:rPr lang="zh-CN" altLang="zh-CN" sz="2400" dirty="0"/>
+              <a:t>？</a:t>
+            </a:r>
+          </a:p>
+          <a:p>
+            <a:r>
+              <a:rPr lang="en-US" altLang="zh-CN" sz="2400" dirty="0" smtClean="0"/>
+              <a:t>12</a:t>
+            </a:r>
+            <a:r>
+              <a:rPr lang="zh-CN" altLang="zh-CN" sz="2400" dirty="0" smtClean="0"/>
+              <a:t>．</a:t>
+            </a:r>
+            <a:r>
+              <a:rPr lang="zh-CN" altLang="zh-CN" sz="2400" dirty="0" smtClean="0"/>
+              <a:t>《阿房宫赋》中，作者从最普遍的民心人性出发，说明人心没有区别，都追求幸福快乐、都挂念家小，对秦统治者的残民以自肥作了有力的抨击的语句是</a:t>
+            </a:r>
+            <a:r>
+              <a:rPr lang="en-US" altLang="zh-CN" sz="2400" u="sng" dirty="0" smtClean="0"/>
+              <a:t>     </a:t>
+            </a:r>
+            <a:r>
+              <a:rPr lang="en-US" altLang="zh-CN" sz="2400" u="sng" dirty="0" smtClean="0"/>
+              <a:t>     </a:t>
+            </a:r>
+            <a:r>
+              <a:rPr lang="zh-CN" altLang="zh-CN" sz="2400" dirty="0" smtClean="0"/>
+              <a:t>，</a:t>
+            </a:r>
+            <a:r>
+              <a:rPr lang="en-US" altLang="zh-CN" sz="2400" dirty="0" smtClean="0"/>
+              <a:t> </a:t>
+            </a:r>
+            <a:r>
+              <a:rPr lang="en-US" altLang="zh-CN" sz="2400" u="sng" dirty="0" smtClean="0"/>
+              <a:t>      </a:t>
+            </a:r>
+            <a:r>
+              <a:rPr lang="en-US" altLang="zh-CN" sz="2400" u="sng" dirty="0" smtClean="0"/>
+              <a:t>        </a:t>
+            </a:r>
+            <a:r>
+              <a:rPr lang="zh-CN" altLang="en-US" sz="2400" dirty="0" smtClean="0"/>
+              <a:t>。</a:t>
+            </a:r>
+            <a:r>
+              <a:rPr lang="en-US" altLang="zh-CN" sz="2400" u="sng" dirty="0" smtClean="0"/>
+              <a:t>      </a:t>
+            </a:r>
+            <a:r>
+              <a:rPr lang="en-US" altLang="zh-CN" sz="2400" u="sng" dirty="0" smtClean="0"/>
+              <a:t>      </a:t>
+            </a:r>
+            <a:r>
+              <a:rPr lang="zh-CN" altLang="zh-CN" sz="2400" dirty="0" smtClean="0"/>
+              <a:t>，</a:t>
+            </a:r>
+            <a:r>
+              <a:rPr lang="en-US" altLang="zh-CN" sz="2400" u="sng" dirty="0" smtClean="0"/>
+              <a:t>         </a:t>
+            </a:r>
+            <a:r>
+              <a:rPr lang="en-US" altLang="zh-CN" sz="2400" u="sng" dirty="0" smtClean="0"/>
+              <a:t>     </a:t>
+            </a:r>
+            <a:r>
+              <a:rPr lang="zh-CN" altLang="zh-CN" sz="2400" dirty="0" smtClean="0"/>
+              <a:t>。</a:t>
+            </a:r>
+          </a:p>
+          <a:p>
+            <a:r>
+              <a:rPr lang="en-US" altLang="zh-CN" sz="2400" dirty="0" smtClean="0"/>
+              <a:t>13</a:t>
+            </a:r>
+            <a:r>
+              <a:rPr lang="zh-CN" altLang="zh-CN" sz="2400" dirty="0" smtClean="0"/>
+              <a:t>．</a:t>
+            </a:r>
+            <a:r>
+              <a:rPr lang="zh-CN" altLang="zh-CN" sz="2400" dirty="0"/>
+              <a:t>《阿房宫赋》中，写出秦人对珍宝毫不爱惜，到处丢弃这一状况的句子是</a:t>
+            </a:r>
+            <a:r>
+              <a:rPr lang="en-US" altLang="zh-CN" sz="2400" u="sng" dirty="0"/>
+              <a:t>           </a:t>
+            </a:r>
+            <a:r>
+              <a:rPr lang="zh-CN" altLang="zh-CN" sz="2400" dirty="0"/>
+              <a:t>，</a:t>
+            </a:r>
+            <a:r>
+              <a:rPr lang="en-US" altLang="zh-CN" sz="2400" dirty="0"/>
+              <a:t> </a:t>
+            </a:r>
+            <a:r>
+              <a:rPr lang="en-US" altLang="zh-CN" sz="2400" u="sng" dirty="0"/>
+              <a:t>             </a:t>
+            </a:r>
+            <a:r>
+              <a:rPr lang="zh-CN" altLang="en-US" sz="2400" dirty="0"/>
+              <a:t>，</a:t>
+            </a:r>
+            <a:r>
+              <a:rPr lang="en-US" altLang="zh-CN" sz="2400" u="sng" dirty="0"/>
+              <a:t>            </a:t>
+            </a:r>
+            <a:r>
+              <a:rPr lang="zh-CN" altLang="zh-CN" sz="2400" dirty="0"/>
+              <a:t>，</a:t>
+            </a:r>
+            <a:r>
+              <a:rPr lang="en-US" altLang="zh-CN" sz="2400" u="sng" dirty="0"/>
+              <a:t>            </a:t>
+            </a:r>
+            <a:r>
+              <a:rPr lang="zh-CN" altLang="zh-CN" sz="2400" dirty="0"/>
+              <a:t>，</a:t>
+            </a:r>
+            <a:r>
+              <a:rPr lang="en-US" altLang="zh-CN" sz="2400" u="sng" dirty="0"/>
+              <a:t>            </a:t>
+            </a:r>
+            <a:r>
+              <a:rPr lang="zh-CN" altLang="en-US" sz="2400" dirty="0"/>
+              <a:t>。</a:t>
+            </a:r>
+            <a:endParaRPr lang="zh-CN" altLang="zh-CN" sz="2400" dirty="0"/>
+          </a:p>
+          <a:p>
+            <a:endParaRPr lang="zh-CN" altLang="en-US" dirty="0"/>
+          </a:p>
+        </p:txBody>
+      </p:sp>
+    </p:spTree>
+    <p:extLst>
+      <p:ext uri="{BB962C8B-B14F-4D97-AF65-F5344CB8AC3E}">
+        <p14:creationId xmlns:p14="http://schemas.microsoft.com/office/powerpoint/2010/main" val="3578204075"/>
+      </p:ext>
+    </p:extLst>
+  </p:cSld>
+  <p:clrMapOvr>
+    <a:masterClrMapping/>
+  </p:clrMapOvr>
+</p:sld>
+</file>
+
+<file path=ppt/slides/slide5.xml><?xml version="1.0" encoding="utf-8"?>
+<p:sld xmlns:a="http://schemas.openxmlformats.org/drawingml/2006/main" xmlns:r="http://schemas.openxmlformats.org/officeDocument/2006/relationships" xmlns:p="http://schemas.openxmlformats.org/presentationml/2006/main">
+  <p:cSld>
+    <p:spTree>
+      <p:nvGrpSpPr>
+        <p:cNvPr id="1" name=""/>
+        <p:cNvGrpSpPr/>
+        <p:nvPr/>
+      </p:nvGrpSpPr>
+      <p:grpSpPr>
+        <a:xfrm>
+          <a:off x="0" y="0"/>
+          <a:ext cx="0" cy="0"/>
+          <a:chOff x="0" y="0"/>
+          <a:chExt cx="0" cy="0"/>
+        </a:xfrm>
+      </p:grpSpPr>
+      <p:sp>
+        <p:nvSpPr>
+          <p:cNvPr id="2" name="TextBox 1"/>
+          <p:cNvSpPr txBox="1"/>
+          <p:nvPr/>
+        </p:nvSpPr>
+        <p:spPr>
+          <a:xfrm>
+            <a:off x="179512" y="188640"/>
+            <a:ext cx="8640960" cy="6463308"/>
+          </a:xfrm>
+          <a:prstGeom prst="rect">
+            <a:avLst/>
+          </a:prstGeom>
+          <a:noFill/>
+        </p:spPr>
+        <p:txBody>
+          <a:bodyPr wrap="square" rtlCol="0">
+            <a:spAutoFit/>
+          </a:bodyPr>
+          <a:lstStyle/>
+          <a:p>
+            <a:r>
+              <a:rPr lang="en-US" altLang="zh-CN" sz="3600" dirty="0" smtClean="0"/>
+              <a:t>8</a:t>
+            </a:r>
+            <a:r>
+              <a:rPr lang="zh-CN" altLang="zh-CN" sz="3600" dirty="0" smtClean="0"/>
+              <a:t>．</a:t>
+            </a:r>
+            <a:r>
+              <a:rPr lang="zh-CN" altLang="zh-CN" sz="3600" dirty="0"/>
+              <a:t>后人哀之而不鉴之，亦使后人而复哀后人也。</a:t>
+            </a:r>
+          </a:p>
+          <a:p>
+            <a:r>
+              <a:rPr lang="en-US" altLang="zh-CN" sz="3600" dirty="0" smtClean="0"/>
+              <a:t>9</a:t>
+            </a:r>
+            <a:r>
+              <a:rPr lang="zh-CN" altLang="zh-CN" sz="3600" dirty="0" smtClean="0"/>
+              <a:t>．</a:t>
+            </a:r>
+            <a:r>
+              <a:rPr lang="zh-CN" altLang="zh-CN" sz="3600" dirty="0"/>
+              <a:t>灭六国者六国也，非秦也；族秦者秦也，非天下也。</a:t>
+            </a:r>
+          </a:p>
+          <a:p>
+            <a:r>
+              <a:rPr lang="en-US" altLang="zh-CN" sz="3600" dirty="0" smtClean="0"/>
+              <a:t>10</a:t>
+            </a:r>
+            <a:r>
+              <a:rPr lang="zh-CN" altLang="zh-CN" sz="3600" dirty="0" smtClean="0"/>
+              <a:t>．</a:t>
+            </a:r>
+            <a:r>
+              <a:rPr lang="zh-CN" altLang="zh-CN" sz="3600" dirty="0"/>
+              <a:t>戍卒叫，函谷举，楚人一炬，可怜焦土！</a:t>
+            </a:r>
+          </a:p>
+          <a:p>
+            <a:r>
+              <a:rPr lang="en-US" altLang="zh-CN" sz="3600" dirty="0" smtClean="0"/>
+              <a:t>11</a:t>
+            </a:r>
+            <a:r>
+              <a:rPr lang="zh-CN" altLang="zh-CN" sz="3600" dirty="0" smtClean="0"/>
+              <a:t>．</a:t>
+            </a:r>
+            <a:r>
+              <a:rPr lang="zh-CN" altLang="zh-CN" sz="3600" dirty="0"/>
+              <a:t>奈何取之尽锱铢，用之如泥沙？</a:t>
+            </a:r>
+          </a:p>
+          <a:p>
+            <a:r>
+              <a:rPr lang="en-US" altLang="zh-CN" sz="3600" dirty="0" smtClean="0"/>
+              <a:t>12</a:t>
+            </a:r>
+            <a:r>
+              <a:rPr lang="zh-CN" altLang="zh-CN" sz="3600" dirty="0" smtClean="0"/>
+              <a:t>．</a:t>
+            </a:r>
+            <a:r>
+              <a:rPr lang="zh-CN" altLang="zh-CN" sz="3600" dirty="0"/>
+              <a:t>一人之心，千万人之心也。秦爱纷奢，人亦念其家。</a:t>
+            </a:r>
+          </a:p>
+          <a:p>
+            <a:r>
+              <a:rPr lang="en-US" altLang="zh-CN" sz="3600" dirty="0" smtClean="0"/>
+              <a:t>13</a:t>
+            </a:r>
+            <a:r>
+              <a:rPr lang="zh-CN" altLang="zh-CN" sz="3600" dirty="0" smtClean="0"/>
+              <a:t>．</a:t>
+            </a:r>
+            <a:r>
+              <a:rPr lang="zh-CN" altLang="zh-CN" sz="3600" dirty="0"/>
+              <a:t>鼎铛玉石，金块珠砾，弃掷逦迤，秦人视之，亦不甚惜。</a:t>
+            </a:r>
+          </a:p>
+          <a:p>
+            <a:endParaRPr lang="zh-CN" altLang="en-US" dirty="0"/>
+          </a:p>
+        </p:txBody>
+      </p:sp>
+    </p:spTree>
+    <p:extLst>
+      <p:ext uri="{BB962C8B-B14F-4D97-AF65-F5344CB8AC3E}">
+        <p14:creationId xmlns:p14="http://schemas.microsoft.com/office/powerpoint/2010/main" val="3404477388"/>
+      </p:ext>
+    </p:extLst>
+  </p:cSld>
+  <p:clrMapOvr>
+    <a:masterClrMapping/>
+  </p:clrMapOvr>
+</p:sld>
+</file>
+
+<file path=ppt/slides/slide6.xml><?xml version="1.0" encoding="utf-8"?>
+<p:sld xmlns:a="http://schemas.openxmlformats.org/drawingml/2006/main" xmlns:r="http://schemas.openxmlformats.org/officeDocument/2006/relationships" xmlns:p="http://schemas.openxmlformats.org/presentationml/2006/main">
+  <p:cSld>
+    <p:spTree>
+      <p:nvGrpSpPr>
+        <p:cNvPr id="1" name=""/>
+        <p:cNvGrpSpPr/>
+        <p:nvPr/>
+      </p:nvGrpSpPr>
+      <p:grpSpPr>
+        <a:xfrm>
+          <a:off x="0" y="0"/>
+          <a:ext cx="0" cy="0"/>
+          <a:chOff x="0" y="0"/>
+          <a:chExt cx="0" cy="0"/>
+        </a:xfrm>
+      </p:grpSpPr>
+      <p:sp>
+        <p:nvSpPr>
+          <p:cNvPr id="2" name="TextBox 1"/>
+          <p:cNvSpPr txBox="1"/>
+          <p:nvPr/>
+        </p:nvSpPr>
+        <p:spPr>
+          <a:xfrm>
+            <a:off x="251520" y="188640"/>
+            <a:ext cx="8640960" cy="5909310"/>
+          </a:xfrm>
+          <a:prstGeom prst="rect">
+            <a:avLst/>
+          </a:prstGeom>
+          <a:noFill/>
+        </p:spPr>
+        <p:txBody>
+          <a:bodyPr wrap="square" rtlCol="0">
+            <a:spAutoFit/>
+          </a:bodyPr>
+          <a:lstStyle/>
+          <a:p>
+            <a:r>
+              <a:rPr lang="zh-CN" altLang="zh-CN" sz="2400" dirty="0"/>
+              <a:t>1</a:t>
+            </a:r>
+            <a:r>
+              <a:rPr lang="zh-CN" altLang="zh-CN" sz="2400" dirty="0" smtClean="0"/>
+              <a:t>.</a:t>
+            </a:r>
+            <a:r>
+              <a:rPr lang="zh-CN" altLang="zh-CN" sz="2400" dirty="0"/>
+              <a:t>荀子认为人的知识、道德、才能是后天不断广泛学习改造获得的。“金”要锋利，需“就砺”；人要改造成为“</a:t>
+            </a:r>
+            <a:r>
+              <a:rPr lang="zh-CN" altLang="zh-CN" sz="2400" u="sng" dirty="0"/>
+              <a:t>                   </a:t>
+            </a:r>
+            <a:r>
+              <a:rPr lang="zh-CN" altLang="zh-CN" sz="2400" dirty="0"/>
+              <a:t>”的君子，就要“</a:t>
+            </a:r>
+            <a:r>
+              <a:rPr lang="zh-CN" altLang="zh-CN" sz="2400" u="sng" dirty="0"/>
+              <a:t>                    </a:t>
+            </a:r>
+            <a:r>
+              <a:rPr lang="zh-CN" altLang="zh-CN" sz="2400" dirty="0"/>
+              <a:t>”，可见，学习的意义是十分重大的。</a:t>
+            </a:r>
+          </a:p>
+          <a:p>
+            <a:r>
+              <a:rPr lang="zh-CN" altLang="zh-CN" sz="2400" dirty="0" smtClean="0"/>
+              <a:t>2.</a:t>
+            </a:r>
+            <a:r>
+              <a:rPr lang="zh-CN" altLang="zh-CN" sz="2400" dirty="0"/>
+              <a:t> “</a:t>
+            </a:r>
+            <a:r>
+              <a:rPr lang="zh-CN" altLang="zh-CN" sz="2400" u="sng" dirty="0"/>
+              <a:t>                 </a:t>
+            </a:r>
+            <a:r>
+              <a:rPr lang="zh-CN" altLang="zh-CN" sz="2400" dirty="0"/>
+              <a:t>，</a:t>
+            </a:r>
+            <a:r>
+              <a:rPr lang="zh-CN" altLang="zh-CN" sz="2400" u="sng" dirty="0"/>
+              <a:t>                  </a:t>
+            </a:r>
+            <a:r>
+              <a:rPr lang="zh-CN" altLang="zh-CN" sz="2400" dirty="0"/>
+              <a:t>”，荀子通过“木”与“金”的变化来进一步说明客观事物经过人工改造，可以改变原来的状况。</a:t>
+            </a:r>
+          </a:p>
+          <a:p>
+            <a:r>
+              <a:rPr lang="zh-CN" altLang="zh-CN" sz="2400" dirty="0" smtClean="0"/>
+              <a:t>3</a:t>
+            </a:r>
+            <a:r>
+              <a:rPr lang="zh-CN" altLang="zh-CN" sz="2400" dirty="0"/>
+              <a:t>.荀子在《劝学》一文中用比喻的手法，借助木头经过烘烤后发生变化，即使再烘烤也不能复原了，说明客观事物经过人工改造，可以改变原来的状况的语句是：</a:t>
+            </a:r>
+            <a:r>
+              <a:rPr lang="zh-CN" altLang="zh-CN" sz="2400" u="sng" dirty="0"/>
+              <a:t>   </a:t>
+            </a:r>
+            <a:r>
+              <a:rPr lang="zh-CN" altLang="zh-CN" sz="2400" u="sng" dirty="0" smtClean="0"/>
+              <a:t>       </a:t>
+            </a:r>
+            <a:r>
+              <a:rPr lang="zh-CN" altLang="zh-CN" sz="2400" dirty="0"/>
+              <a:t>，</a:t>
+            </a:r>
+            <a:r>
+              <a:rPr lang="zh-CN" altLang="zh-CN" sz="2400" u="sng" dirty="0"/>
+              <a:t>     </a:t>
+            </a:r>
+            <a:r>
+              <a:rPr lang="zh-CN" altLang="zh-CN" sz="2400" u="sng" dirty="0" smtClean="0"/>
+              <a:t>     </a:t>
+            </a:r>
+            <a:r>
+              <a:rPr lang="zh-CN" altLang="zh-CN" sz="2400" dirty="0"/>
+              <a:t>，</a:t>
+            </a:r>
+            <a:r>
+              <a:rPr lang="zh-CN" altLang="zh-CN" sz="2400" u="sng" dirty="0"/>
+              <a:t>    </a:t>
+            </a:r>
+            <a:r>
+              <a:rPr lang="zh-CN" altLang="zh-CN" sz="2400" u="sng" dirty="0" smtClean="0"/>
+              <a:t>           </a:t>
+            </a:r>
+            <a:r>
+              <a:rPr lang="zh-CN" altLang="zh-CN" sz="2400" dirty="0"/>
+              <a:t>。  </a:t>
+            </a:r>
+          </a:p>
+          <a:p>
+            <a:r>
+              <a:rPr lang="zh-CN" altLang="zh-CN" sz="2400" dirty="0"/>
+              <a:t>4</a:t>
+            </a:r>
+            <a:r>
+              <a:rPr lang="zh-CN" altLang="zh-CN" sz="2400" dirty="0" smtClean="0"/>
+              <a:t>.</a:t>
+            </a:r>
+            <a:r>
+              <a:rPr lang="zh-CN" altLang="zh-CN" sz="2400" dirty="0"/>
+              <a:t>韩愈在《师说》篇中指出：“弟子不必不如师，师不必贤于弟子。”这与《荀子·劝学》篇中指出“</a:t>
+            </a:r>
+            <a:r>
+              <a:rPr lang="zh-CN" altLang="zh-CN" sz="2400" u="sng" dirty="0"/>
+              <a:t>         </a:t>
+            </a:r>
+            <a:r>
+              <a:rPr lang="zh-CN" altLang="zh-CN" sz="2400" dirty="0"/>
+              <a:t>，</a:t>
+            </a:r>
+            <a:r>
+              <a:rPr lang="zh-CN" altLang="zh-CN" sz="2400" u="sng" dirty="0"/>
+              <a:t>           </a:t>
+            </a:r>
+            <a:r>
+              <a:rPr lang="zh-CN" altLang="zh-CN" sz="2400" dirty="0"/>
+              <a:t>，</a:t>
+            </a:r>
+            <a:r>
+              <a:rPr lang="zh-CN" altLang="zh-CN" sz="2400" u="sng" dirty="0"/>
+              <a:t>                 </a:t>
+            </a:r>
+            <a:r>
+              <a:rPr lang="zh-CN" altLang="zh-CN" sz="2400" dirty="0"/>
+              <a:t>”的观点是相同的。 </a:t>
+            </a:r>
+          </a:p>
+          <a:p>
+            <a:r>
+              <a:rPr lang="zh-CN" altLang="zh-CN" sz="2400" dirty="0" smtClean="0"/>
+              <a:t> 5</a:t>
+            </a:r>
+            <a:r>
+              <a:rPr lang="zh-CN" altLang="zh-CN" sz="2400" dirty="0"/>
+              <a:t>.荀子在《劝学》中说，君子需要通过广泛学习来提升自己的两个句子是</a:t>
+            </a:r>
+            <a:r>
+              <a:rPr lang="zh-CN" altLang="zh-CN" sz="2400" dirty="0" smtClean="0"/>
+              <a:t>：</a:t>
+            </a:r>
+            <a:r>
+              <a:rPr lang="zh-CN" altLang="zh-CN" sz="2400" u="sng" dirty="0" smtClean="0"/>
+              <a:t>                 </a:t>
+            </a:r>
+            <a:r>
+              <a:rPr lang="zh-CN" altLang="zh-CN" sz="2400" dirty="0"/>
+              <a:t>，</a:t>
+            </a:r>
+            <a:r>
+              <a:rPr lang="zh-CN" altLang="zh-CN" sz="2400" u="sng" dirty="0"/>
+              <a:t>                        </a:t>
+            </a:r>
+            <a:r>
+              <a:rPr lang="zh-CN" altLang="zh-CN" sz="2400" dirty="0"/>
+              <a:t>。</a:t>
+            </a:r>
+          </a:p>
+          <a:p>
+            <a:r>
+              <a:rPr lang="zh-CN" altLang="zh-CN" sz="2400" dirty="0"/>
+              <a:t>6</a:t>
+            </a:r>
+            <a:r>
+              <a:rPr lang="zh-CN" altLang="zh-CN" sz="2400" dirty="0" smtClean="0"/>
+              <a:t>.</a:t>
+            </a:r>
+            <a:r>
+              <a:rPr lang="zh-CN" altLang="zh-CN" sz="2400" dirty="0"/>
+              <a:t>人们常说，活到老，学到老，荀子《劝学》篇中的“</a:t>
+            </a:r>
+            <a:r>
+              <a:rPr lang="zh-CN" altLang="zh-CN" sz="2400" u="sng" dirty="0"/>
+              <a:t>                 </a:t>
+            </a:r>
+            <a:r>
+              <a:rPr lang="zh-CN" altLang="zh-CN" sz="2400" dirty="0"/>
+              <a:t>”印证了这句话。</a:t>
+            </a:r>
+          </a:p>
+          <a:p>
+            <a:endParaRPr lang="zh-CN" altLang="en-US" dirty="0"/>
+          </a:p>
+        </p:txBody>
+      </p:sp>
+    </p:spTree>
+    <p:extLst>
+      <p:ext uri="{BB962C8B-B14F-4D97-AF65-F5344CB8AC3E}">
+        <p14:creationId xmlns:p14="http://schemas.microsoft.com/office/powerpoint/2010/main" val="314051592"/>
+      </p:ext>
+    </p:extLst>
+  </p:cSld>
+  <p:clrMapOvr>
+    <a:masterClrMapping/>
+  </p:clrMapOvr>
+</p:sld>
+</file>
+
+<file path=ppt/slides/slide7.xml><?xml version="1.0" encoding="utf-8"?>
+<p:sld xmlns:a="http://schemas.openxmlformats.org/drawingml/2006/main" xmlns:r="http://schemas.openxmlformats.org/officeDocument/2006/relationships" xmlns:p="http://schemas.openxmlformats.org/presentationml/2006/main">
+  <p:cSld>
+    <p:spTree>
+      <p:nvGrpSpPr>
+        <p:cNvPr id="1" name=""/>
+        <p:cNvGrpSpPr/>
+        <p:nvPr/>
+      </p:nvGrpSpPr>
+      <p:grpSpPr>
+        <a:xfrm>
+          <a:off x="0" y="0"/>
+          <a:ext cx="0" cy="0"/>
+          <a:chOff x="0" y="0"/>
+          <a:chExt cx="0" cy="0"/>
+        </a:xfrm>
+      </p:grpSpPr>
+      <p:sp>
+        <p:nvSpPr>
+          <p:cNvPr id="2" name="TextBox 1"/>
+          <p:cNvSpPr txBox="1"/>
+          <p:nvPr/>
+        </p:nvSpPr>
+        <p:spPr>
+          <a:xfrm>
+            <a:off x="0" y="188640"/>
+            <a:ext cx="9144000" cy="6186309"/>
+          </a:xfrm>
+          <a:prstGeom prst="rect">
+            <a:avLst/>
+          </a:prstGeom>
+          <a:noFill/>
+        </p:spPr>
+        <p:txBody>
+          <a:bodyPr wrap="square" rtlCol="0">
+            <a:spAutoFit/>
+          </a:bodyPr>
+          <a:lstStyle/>
+          <a:p>
+            <a:r>
+              <a:rPr lang="zh-CN" altLang="zh-CN" sz="4400" dirty="0"/>
+              <a:t>1</a:t>
+            </a:r>
+            <a:r>
+              <a:rPr lang="zh-CN" altLang="zh-CN" sz="4400" dirty="0" smtClean="0"/>
+              <a:t>.</a:t>
+            </a:r>
+            <a:r>
+              <a:rPr lang="zh-CN" altLang="zh-CN" sz="4400" dirty="0"/>
+              <a:t>知明而行无过    博学而日参省乎</a:t>
+            </a:r>
+            <a:r>
+              <a:rPr lang="zh-CN" altLang="zh-CN" sz="4400" dirty="0" smtClean="0"/>
+              <a:t>己2.</a:t>
+            </a:r>
+            <a:r>
+              <a:rPr lang="zh-CN" altLang="en-US" sz="4400" dirty="0"/>
+              <a:t> （</a:t>
+            </a:r>
+            <a:r>
+              <a:rPr lang="zh-CN" altLang="zh-CN" sz="4400" dirty="0"/>
+              <a:t>故</a:t>
+            </a:r>
+            <a:r>
+              <a:rPr lang="zh-CN" altLang="en-US" sz="4400" dirty="0"/>
+              <a:t>）</a:t>
+            </a:r>
+            <a:r>
+              <a:rPr lang="zh-CN" altLang="zh-CN" sz="4400" dirty="0"/>
+              <a:t>木受绳则直，金就砺则利</a:t>
+            </a:r>
+          </a:p>
+          <a:p>
+            <a:r>
+              <a:rPr lang="zh-CN" altLang="zh-CN" sz="4400" dirty="0" smtClean="0"/>
+              <a:t> 3</a:t>
+            </a:r>
+            <a:r>
+              <a:rPr lang="zh-CN" altLang="zh-CN" sz="4400" dirty="0"/>
+              <a:t>.虽有槁暴，不复挺者，輮使之然也。</a:t>
+            </a:r>
+          </a:p>
+          <a:p>
+            <a:r>
+              <a:rPr lang="zh-CN" altLang="zh-CN" sz="4400" dirty="0"/>
+              <a:t>4</a:t>
+            </a:r>
+            <a:r>
+              <a:rPr lang="zh-CN" altLang="zh-CN" sz="4400" dirty="0" smtClean="0"/>
+              <a:t>.</a:t>
+            </a:r>
+            <a:r>
+              <a:rPr lang="zh-CN" altLang="zh-CN" sz="4400" dirty="0"/>
+              <a:t>青，取之于蓝，而青于蓝</a:t>
+            </a:r>
+          </a:p>
+          <a:p>
+            <a:r>
+              <a:rPr lang="zh-CN" altLang="zh-CN" sz="4400" dirty="0" smtClean="0"/>
+              <a:t>5</a:t>
+            </a:r>
+            <a:r>
+              <a:rPr lang="zh-CN" altLang="zh-CN" sz="4400" dirty="0"/>
+              <a:t>.君子博学而日参省乎己，则知明而行无过矣</a:t>
+            </a:r>
+          </a:p>
+          <a:p>
+            <a:r>
+              <a:rPr lang="zh-CN" altLang="zh-CN" sz="4400" dirty="0"/>
+              <a:t>6</a:t>
+            </a:r>
+            <a:r>
+              <a:rPr lang="zh-CN" altLang="zh-CN" sz="4400" dirty="0" smtClean="0"/>
+              <a:t>.</a:t>
+            </a:r>
+            <a:r>
+              <a:rPr lang="zh-CN" altLang="zh-CN" sz="4400" dirty="0"/>
+              <a:t>学不可以已</a:t>
+            </a:r>
+          </a:p>
+          <a:p>
+            <a:endParaRPr lang="zh-CN" altLang="zh-CN" sz="4400" dirty="0"/>
+          </a:p>
+          <a:p>
+            <a:endParaRPr lang="zh-CN" altLang="en-US" sz="4400" dirty="0"/>
+          </a:p>
+        </p:txBody>
+      </p:sp>
+    </p:spTree>
+    <p:extLst>
+      <p:ext uri="{BB962C8B-B14F-4D97-AF65-F5344CB8AC3E}">
+        <p14:creationId xmlns:p14="http://schemas.microsoft.com/office/powerpoint/2010/main" val="1594390473"/>
+      </p:ext>
+    </p:extLst>
+  </p:cSld>
+  <p:clrMapOvr>
+    <a:masterClrMapping/>
+  </p:clrMapOvr>
+</p:sld>
+</file>
+
+<file path=ppt/slides/slide8.xml><?xml version="1.0" encoding="utf-8"?>
+<p:sld xmlns:a="http://schemas.openxmlformats.org/drawingml/2006/main" xmlns:r="http://schemas.openxmlformats.org/officeDocument/2006/relationships" xmlns:p="http://schemas.openxmlformats.org/presentationml/2006/main">
+  <p:cSld>
+    <p:spTree>
+      <p:nvGrpSpPr>
+        <p:cNvPr id="1" name=""/>
+        <p:cNvGrpSpPr/>
+        <p:nvPr/>
+      </p:nvGrpSpPr>
+      <p:grpSpPr>
+        <a:xfrm>
+          <a:off x="0" y="0"/>
+          <a:ext cx="0" cy="0"/>
+          <a:chOff x="0" y="0"/>
+          <a:chExt cx="0" cy="0"/>
+        </a:xfrm>
+      </p:grpSpPr>
+      <p:sp>
+        <p:nvSpPr>
+          <p:cNvPr id="3" name="TextBox 2"/>
+          <p:cNvSpPr txBox="1"/>
+          <p:nvPr/>
+        </p:nvSpPr>
+        <p:spPr>
+          <a:xfrm>
+            <a:off x="210312" y="476672"/>
+            <a:ext cx="8682167" cy="6001643"/>
+          </a:xfrm>
+          <a:prstGeom prst="rect">
+            <a:avLst/>
+          </a:prstGeom>
+          <a:noFill/>
+        </p:spPr>
+        <p:txBody>
+          <a:bodyPr wrap="square" rtlCol="0">
+            <a:spAutoFit/>
+          </a:bodyPr>
+          <a:lstStyle/>
+          <a:p>
+            <a:r>
+              <a:rPr lang="zh-CN" altLang="zh-CN" sz="2400" dirty="0"/>
+              <a:t>7</a:t>
+            </a:r>
+            <a:r>
+              <a:rPr lang="zh-CN" altLang="zh-CN" sz="2400" dirty="0" smtClean="0"/>
+              <a:t>.</a:t>
+            </a:r>
+            <a:r>
+              <a:rPr lang="zh-CN" altLang="zh-CN" sz="2400" dirty="0"/>
+              <a:t> “</a:t>
+            </a:r>
+            <a:r>
+              <a:rPr lang="zh-CN" altLang="zh-CN" sz="2400" u="sng" dirty="0"/>
+              <a:t>              </a:t>
+            </a:r>
+            <a:r>
+              <a:rPr lang="zh-CN" altLang="zh-CN" sz="2400" dirty="0"/>
+              <a:t>，</a:t>
+            </a:r>
+            <a:r>
+              <a:rPr lang="zh-CN" altLang="zh-CN" sz="2400" u="sng" dirty="0"/>
+              <a:t>            </a:t>
+            </a:r>
+            <a:r>
+              <a:rPr lang="zh-CN" altLang="zh-CN" sz="2400" dirty="0"/>
+              <a:t>”，却能“上食埃土，下饮黄泉”的“用心一”和“</a:t>
+            </a:r>
+            <a:r>
+              <a:rPr lang="zh-CN" altLang="zh-CN" sz="2400" u="sng" dirty="0"/>
+              <a:t>                    </a:t>
+            </a:r>
+            <a:r>
+              <a:rPr lang="zh-CN" altLang="en-US" sz="2400" dirty="0"/>
+              <a:t>，</a:t>
+            </a:r>
+            <a:r>
+              <a:rPr lang="zh-CN" altLang="zh-CN" sz="2400" u="sng" dirty="0"/>
+              <a:t>                   </a:t>
+            </a:r>
+            <a:r>
+              <a:rPr lang="zh-CN" altLang="zh-CN" sz="2400" dirty="0"/>
+              <a:t>，</a:t>
+            </a:r>
+            <a:r>
+              <a:rPr lang="zh-CN" altLang="zh-CN" sz="2400" u="sng" dirty="0"/>
+              <a:t>               </a:t>
+            </a:r>
+            <a:r>
+              <a:rPr lang="zh-CN" altLang="zh-CN" sz="2400" dirty="0"/>
+              <a:t> ”形成鲜明对比，突出了学习必须用心专一，才能获得成功</a:t>
+            </a:r>
+            <a:r>
+              <a:rPr lang="zh-CN" altLang="zh-CN" sz="2400" dirty="0" smtClean="0"/>
+              <a:t>。</a:t>
+            </a:r>
+            <a:endParaRPr lang="zh-CN" altLang="zh-CN" sz="2400" dirty="0"/>
+          </a:p>
+          <a:p>
+            <a:r>
+              <a:rPr lang="zh-CN" altLang="zh-CN" sz="2400" dirty="0"/>
+              <a:t>8</a:t>
+            </a:r>
+            <a:r>
+              <a:rPr lang="zh-CN" altLang="zh-CN" sz="2400" dirty="0" smtClean="0"/>
+              <a:t>.</a:t>
+            </a:r>
+            <a:r>
+              <a:rPr lang="zh-CN" altLang="zh-CN" sz="2400" dirty="0"/>
+              <a:t>以雕刻为喻，强调学习应当坚持，说明只有坚持不懈、持之以恒，才会有所成就的句子是：</a:t>
+            </a:r>
+            <a:r>
+              <a:rPr lang="zh-CN" altLang="zh-CN" sz="2400" u="sng" dirty="0"/>
+              <a:t>   </a:t>
+            </a:r>
+            <a:r>
+              <a:rPr lang="zh-CN" altLang="zh-CN" sz="2400" u="sng" dirty="0" smtClean="0"/>
+              <a:t>          </a:t>
+            </a:r>
+            <a:r>
+              <a:rPr lang="zh-CN" altLang="zh-CN" sz="2400" dirty="0"/>
+              <a:t>，</a:t>
+            </a:r>
+            <a:r>
+              <a:rPr lang="zh-CN" altLang="zh-CN" sz="2400" u="sng" dirty="0"/>
+              <a:t>       </a:t>
+            </a:r>
+            <a:r>
+              <a:rPr lang="zh-CN" altLang="zh-CN" sz="2400" u="sng" dirty="0" smtClean="0"/>
+              <a:t>      </a:t>
+            </a:r>
+            <a:r>
+              <a:rPr lang="zh-CN" altLang="zh-CN" sz="2400" dirty="0"/>
+              <a:t>；</a:t>
+            </a:r>
+            <a:r>
+              <a:rPr lang="zh-CN" altLang="zh-CN" sz="2400" u="sng" dirty="0"/>
+              <a:t>     </a:t>
+            </a:r>
+            <a:r>
+              <a:rPr lang="zh-CN" altLang="zh-CN" sz="2400" u="sng" dirty="0" smtClean="0"/>
+              <a:t>        </a:t>
+            </a:r>
+            <a:r>
+              <a:rPr lang="zh-CN" altLang="zh-CN" sz="2400" dirty="0"/>
+              <a:t>，</a:t>
+            </a:r>
+            <a:r>
+              <a:rPr lang="zh-CN" altLang="zh-CN" sz="2400" u="sng" dirty="0"/>
+              <a:t>     </a:t>
+            </a:r>
+            <a:r>
+              <a:rPr lang="zh-CN" altLang="zh-CN" sz="2400" u="sng" dirty="0" smtClean="0"/>
+              <a:t>       </a:t>
+            </a:r>
+            <a:r>
+              <a:rPr lang="zh-CN" altLang="zh-CN" sz="2400" dirty="0"/>
+              <a:t>。</a:t>
+            </a:r>
+          </a:p>
+          <a:p>
+            <a:r>
+              <a:rPr lang="zh-CN" altLang="zh-CN" sz="2400" dirty="0" smtClean="0"/>
+              <a:t>9</a:t>
+            </a:r>
+            <a:r>
+              <a:rPr lang="zh-CN" altLang="zh-CN" sz="2400" dirty="0"/>
+              <a:t>.荀子在《劝学》中用比喻论证学习要逐步积累，先从正面设喻“</a:t>
+            </a:r>
+            <a:r>
+              <a:rPr lang="zh-CN" altLang="zh-CN" sz="2400" u="sng" dirty="0"/>
+              <a:t>                   </a:t>
+            </a:r>
+            <a:r>
+              <a:rPr lang="zh-CN" altLang="zh-CN" sz="2400" dirty="0" smtClean="0"/>
+              <a:t>，</a:t>
+            </a:r>
+            <a:r>
+              <a:rPr lang="zh-CN" altLang="zh-CN" sz="2400" u="sng" dirty="0" smtClean="0"/>
+              <a:t>                    </a:t>
+            </a:r>
+            <a:r>
+              <a:rPr lang="zh-CN" altLang="zh-CN" sz="2400" dirty="0"/>
+              <a:t>；</a:t>
+            </a:r>
+            <a:r>
+              <a:rPr lang="zh-CN" altLang="zh-CN" sz="2400" u="sng" dirty="0"/>
+              <a:t>                 </a:t>
+            </a:r>
+            <a:r>
+              <a:rPr lang="zh-CN" altLang="zh-CN" sz="2400" dirty="0"/>
+              <a:t>，</a:t>
+            </a:r>
+            <a:r>
+              <a:rPr lang="zh-CN" altLang="zh-CN" sz="2400" u="sng" dirty="0"/>
+              <a:t>                   </a:t>
+            </a:r>
+            <a:r>
+              <a:rPr lang="zh-CN" altLang="zh-CN" sz="2400" dirty="0"/>
+              <a:t>”，所以有这样的功效，全赖于“积”。同样，人如果能“积善成德”，就能达到</a:t>
+            </a:r>
+            <a:r>
+              <a:rPr lang="zh-CN" altLang="zh-CN" sz="2400" dirty="0" smtClean="0"/>
+              <a:t>“</a:t>
+            </a:r>
+            <a:r>
+              <a:rPr lang="zh-CN" altLang="zh-CN" sz="2400" u="sng" dirty="0" smtClean="0"/>
+              <a:t>                </a:t>
+            </a:r>
+            <a:r>
+              <a:rPr lang="zh-CN" altLang="zh-CN" sz="2400" dirty="0" smtClean="0"/>
+              <a:t>，</a:t>
+            </a:r>
+            <a:r>
+              <a:rPr lang="zh-CN" altLang="zh-CN" sz="2400" u="sng" dirty="0" smtClean="0"/>
+              <a:t>               </a:t>
+            </a:r>
+            <a:r>
+              <a:rPr lang="zh-CN" altLang="zh-CN" sz="2400" dirty="0" smtClean="0"/>
+              <a:t>”</a:t>
+            </a:r>
+            <a:r>
+              <a:rPr lang="zh-CN" altLang="zh-CN" sz="2400" dirty="0"/>
+              <a:t>的境界。接着从反面设喻“</a:t>
+            </a:r>
+            <a:r>
+              <a:rPr lang="zh-CN" altLang="zh-CN" sz="2400" u="sng" dirty="0"/>
+              <a:t>                </a:t>
+            </a:r>
+            <a:r>
+              <a:rPr lang="zh-CN" altLang="zh-CN" sz="2400" dirty="0"/>
+              <a:t>，</a:t>
+            </a:r>
+            <a:r>
+              <a:rPr lang="zh-CN" altLang="zh-CN" sz="2400" u="sng" dirty="0"/>
+              <a:t>                 </a:t>
+            </a:r>
+            <a:r>
+              <a:rPr lang="zh-CN" altLang="zh-CN" sz="2400" dirty="0" smtClean="0"/>
+              <a:t>；</a:t>
+            </a:r>
+            <a:r>
+              <a:rPr lang="zh-CN" altLang="zh-CN" sz="2400" u="sng" dirty="0" smtClean="0"/>
+              <a:t>                </a:t>
+            </a:r>
+            <a:r>
+              <a:rPr lang="zh-CN" altLang="zh-CN" sz="2400" dirty="0"/>
+              <a:t>，</a:t>
+            </a:r>
+            <a:r>
+              <a:rPr lang="zh-CN" altLang="zh-CN" sz="2400" u="sng" dirty="0"/>
+              <a:t>                 </a:t>
+            </a:r>
+            <a:r>
+              <a:rPr lang="zh-CN" altLang="zh-CN" sz="2400" dirty="0"/>
+              <a:t>”。正反对照，说明“积”与“不积”，效果完全不同。</a:t>
+            </a:r>
+          </a:p>
+          <a:p>
+            <a:r>
+              <a:rPr lang="zh-CN" altLang="zh-CN" sz="2400" dirty="0"/>
+              <a:t>10.荀子在《劝学》</a:t>
+            </a:r>
+            <a:r>
+              <a:rPr lang="zh-CN" altLang="zh-CN" sz="2400" dirty="0" smtClean="0"/>
+              <a:t>中强调</a:t>
+            </a:r>
+            <a:r>
+              <a:rPr lang="zh-CN" altLang="zh-CN" sz="2400" dirty="0"/>
+              <a:t>学习必须持之以恒，用劣马与好马进行对比以说理的句子是：</a:t>
+            </a:r>
+            <a:r>
+              <a:rPr lang="zh-CN" altLang="zh-CN" sz="2400" u="sng" dirty="0"/>
+              <a:t>               </a:t>
+            </a:r>
+            <a:r>
+              <a:rPr lang="zh-CN" altLang="zh-CN" sz="2400" dirty="0"/>
+              <a:t>，</a:t>
+            </a:r>
+            <a:r>
+              <a:rPr lang="zh-CN" altLang="zh-CN" sz="2400" u="sng" dirty="0"/>
+              <a:t>             </a:t>
+            </a:r>
+            <a:r>
+              <a:rPr lang="zh-CN" altLang="zh-CN" sz="2400" dirty="0"/>
+              <a:t>；</a:t>
+            </a:r>
+            <a:r>
+              <a:rPr lang="zh-CN" altLang="zh-CN" sz="2400" u="sng" dirty="0"/>
+              <a:t>            </a:t>
+            </a:r>
+            <a:r>
+              <a:rPr lang="zh-CN" altLang="zh-CN" sz="2400" dirty="0"/>
+              <a:t>，</a:t>
+            </a:r>
+            <a:r>
+              <a:rPr lang="zh-CN" altLang="zh-CN" sz="2400" u="sng" dirty="0"/>
+              <a:t>             </a:t>
+            </a:r>
+            <a:r>
+              <a:rPr lang="zh-CN" altLang="zh-CN" sz="2400" dirty="0"/>
+              <a:t>。</a:t>
+            </a:r>
+          </a:p>
+          <a:p>
+            <a:r>
+              <a:rPr lang="zh-CN" altLang="zh-CN" sz="2400" dirty="0" smtClean="0"/>
+              <a:t>1</a:t>
+            </a:r>
+            <a:r>
+              <a:rPr lang="en-US" altLang="zh-CN" sz="2400" dirty="0" smtClean="0"/>
+              <a:t>1</a:t>
+            </a:r>
+            <a:r>
+              <a:rPr lang="zh-CN" altLang="zh-CN" sz="2400" dirty="0" smtClean="0"/>
+              <a:t>. </a:t>
+            </a:r>
+            <a:r>
+              <a:rPr lang="zh-CN" altLang="zh-CN" sz="2400" dirty="0"/>
+              <a:t>《论语》中孔子说：“学而不思则罔，思而不学则殆。”论述了学习和思考的关系，在荀子的《劝学》中，也有一句直接提到了学与思的关系的句子是：</a:t>
+            </a:r>
+            <a:r>
+              <a:rPr lang="zh-CN" altLang="zh-CN" sz="2400" u="sng" dirty="0"/>
+              <a:t>                 </a:t>
+            </a:r>
+            <a:r>
+              <a:rPr lang="zh-CN" altLang="zh-CN" sz="2400" dirty="0"/>
+              <a:t>，</a:t>
+            </a:r>
+            <a:r>
+              <a:rPr lang="zh-CN" altLang="zh-CN" sz="2400" u="sng" dirty="0"/>
+              <a:t>                    </a:t>
+            </a:r>
+            <a:r>
+              <a:rPr lang="zh-CN" altLang="zh-CN" sz="2400" dirty="0" smtClean="0"/>
+              <a:t>。</a:t>
+            </a:r>
+            <a:endParaRPr lang="zh-CN" altLang="en-US" sz="2400" dirty="0"/>
+          </a:p>
+        </p:txBody>
+      </p:sp>
+    </p:spTree>
+    <p:extLst>
+      <p:ext uri="{BB962C8B-B14F-4D97-AF65-F5344CB8AC3E}">
+        <p14:creationId xmlns:p14="http://schemas.microsoft.com/office/powerpoint/2010/main" val="4264389724"/>
+      </p:ext>
+    </p:extLst>
+  </p:cSld>
+  <p:clrMapOvr>
+    <a:masterClrMapping/>
+  </p:clrMapOvr>
+</p:sld>
+</file>
+
+<file path=ppt/slides/slide9.xml><?xml version="1.0" encoding="utf-8"?>
+<p:sld xmlns:a="http://schemas.openxmlformats.org/drawingml/2006/main" xmlns:r="http://schemas.openxmlformats.org/officeDocument/2006/relationships" xmlns:p="http://schemas.openxmlformats.org/presentationml/2006/main">
+  <p:cSld>
+    <p:spTree>
+      <p:nvGrpSpPr>
+        <p:cNvPr id="1" name=""/>
+        <p:cNvGrpSpPr/>
+        <p:nvPr/>
+      </p:nvGrpSpPr>
+      <p:grpSpPr>
+        <a:xfrm>
+          <a:off x="0" y="0"/>
+          <a:ext cx="0" cy="0"/>
+          <a:chOff x="0" y="0"/>
+          <a:chExt cx="0" cy="0"/>
+        </a:xfrm>
+      </p:grpSpPr>
+      <p:sp>
+        <p:nvSpPr>
+          <p:cNvPr id="2" name="TextBox 1"/>
+          <p:cNvSpPr txBox="1"/>
+          <p:nvPr/>
+        </p:nvSpPr>
+        <p:spPr>
+          <a:xfrm>
+            <a:off x="179512" y="260648"/>
+            <a:ext cx="8712968" cy="5016758"/>
+          </a:xfrm>
+          <a:prstGeom prst="rect">
+            <a:avLst/>
+          </a:prstGeom>
+          <a:noFill/>
+        </p:spPr>
+        <p:txBody>
+          <a:bodyPr wrap="square" rtlCol="0">
+            <a:spAutoFit/>
+          </a:bodyPr>
+          <a:lstStyle/>
+          <a:p>
+            <a:r>
+              <a:rPr lang="zh-CN" altLang="zh-CN" sz="3200" dirty="0"/>
+              <a:t>7</a:t>
+            </a:r>
+            <a:r>
+              <a:rPr lang="zh-CN" altLang="zh-CN" sz="3200" dirty="0" smtClean="0"/>
+              <a:t>.</a:t>
+            </a:r>
+            <a:r>
+              <a:rPr lang="zh-CN" altLang="zh-CN" sz="3200" dirty="0"/>
+              <a:t>蚓无爪牙之利，筋骨之</a:t>
+            </a:r>
+            <a:r>
+              <a:rPr lang="zh-CN" altLang="zh-CN" sz="3200" dirty="0" smtClean="0"/>
+              <a:t>强</a:t>
+            </a:r>
+            <a:endParaRPr lang="en-US" altLang="zh-CN" sz="3200" dirty="0" smtClean="0"/>
+          </a:p>
+          <a:p>
+            <a:r>
+              <a:rPr lang="zh-CN" altLang="zh-CN" sz="3200" dirty="0" smtClean="0"/>
+              <a:t>蟹</a:t>
+            </a:r>
+            <a:r>
+              <a:rPr lang="zh-CN" altLang="zh-CN" sz="3200" dirty="0"/>
+              <a:t>六跪而二螯</a:t>
+            </a:r>
+            <a:r>
+              <a:rPr lang="zh-CN" altLang="en-US" sz="3200" dirty="0"/>
+              <a:t>，</a:t>
+            </a:r>
+            <a:r>
+              <a:rPr lang="zh-CN" altLang="zh-CN" sz="3200" dirty="0"/>
+              <a:t>非蛇鳝之穴无可寄托者，用心躁也。</a:t>
+            </a:r>
+          </a:p>
+          <a:p>
+            <a:r>
+              <a:rPr lang="zh-CN" altLang="zh-CN" sz="3200" dirty="0" smtClean="0"/>
+              <a:t>8.</a:t>
+            </a:r>
+            <a:r>
+              <a:rPr lang="zh-CN" altLang="zh-CN" sz="3200" dirty="0"/>
+              <a:t>锲而舍之，朽木不折；锲而不舍，金石可镂。</a:t>
+            </a:r>
+          </a:p>
+          <a:p>
+            <a:r>
+              <a:rPr lang="zh-CN" altLang="zh-CN" sz="3200" dirty="0" smtClean="0"/>
+              <a:t>9</a:t>
+            </a:r>
+            <a:r>
+              <a:rPr lang="zh-CN" altLang="zh-CN" sz="3200" dirty="0"/>
+              <a:t>.积土成山，风雨兴焉；积水成渊，蛟龙生焉。</a:t>
+            </a:r>
+          </a:p>
+          <a:p>
+            <a:r>
+              <a:rPr lang="zh-CN" altLang="en-US" sz="3200" dirty="0" smtClean="0"/>
+              <a:t>（而）</a:t>
+            </a:r>
+            <a:r>
+              <a:rPr lang="zh-CN" altLang="zh-CN" sz="3200" dirty="0" smtClean="0"/>
+              <a:t>神明</a:t>
+            </a:r>
+            <a:r>
+              <a:rPr lang="zh-CN" altLang="zh-CN" sz="3200" dirty="0"/>
+              <a:t>自得，圣心备</a:t>
+            </a:r>
+            <a:r>
+              <a:rPr lang="zh-CN" altLang="zh-CN" sz="3200" dirty="0" smtClean="0"/>
+              <a:t>焉</a:t>
+            </a:r>
+            <a:r>
+              <a:rPr lang="zh-CN" altLang="en-US" sz="3200" dirty="0" smtClean="0"/>
+              <a:t>。</a:t>
+            </a:r>
+            <a:endParaRPr lang="en-US" altLang="zh-CN" sz="3200" dirty="0" smtClean="0"/>
+          </a:p>
+          <a:p>
+            <a:r>
+              <a:rPr lang="zh-CN" altLang="zh-CN" sz="3200" dirty="0" smtClean="0"/>
+              <a:t>故</a:t>
+            </a:r>
+            <a:r>
+              <a:rPr lang="zh-CN" altLang="zh-CN" sz="3200" dirty="0"/>
+              <a:t>不积跬步，无以至千里；不积小流，无以成江海。</a:t>
+            </a:r>
+          </a:p>
+          <a:p>
+            <a:r>
+              <a:rPr lang="zh-CN" altLang="zh-CN" sz="3200" dirty="0"/>
+              <a:t>10.骐骥一跃，不能十步；驽马十驾，功在不舍。</a:t>
+            </a:r>
+          </a:p>
+          <a:p>
+            <a:r>
+              <a:rPr lang="zh-CN" altLang="zh-CN" sz="3200" dirty="0" smtClean="0"/>
+              <a:t>1</a:t>
+            </a:r>
+            <a:r>
+              <a:rPr lang="en-US" altLang="zh-CN" sz="3200" dirty="0" smtClean="0"/>
+              <a:t>1</a:t>
+            </a:r>
+            <a:r>
+              <a:rPr lang="zh-CN" altLang="zh-CN" sz="3200" dirty="0" smtClean="0"/>
+              <a:t>.</a:t>
+            </a:r>
+            <a:r>
+              <a:rPr lang="zh-CN" altLang="zh-CN" sz="3200" dirty="0"/>
+              <a:t>吾尝终日而思矣，不如须臾之所学</a:t>
+            </a:r>
+            <a:r>
+              <a:rPr lang="zh-CN" altLang="zh-CN" sz="3200" dirty="0" smtClean="0"/>
+              <a:t>也</a:t>
+            </a:r>
+            <a:r>
+              <a:rPr lang="zh-CN" altLang="en-US" sz="3200" dirty="0" smtClean="0"/>
+              <a:t>。</a:t>
+            </a:r>
+            <a:endParaRPr lang="zh-CN" altLang="en-US" sz="3200" dirty="0"/>
+          </a:p>
+        </p:txBody>
+      </p:sp>
+    </p:spTree>
+    <p:extLst>
+      <p:ext uri="{BB962C8B-B14F-4D97-AF65-F5344CB8AC3E}">
+        <p14:creationId xmlns:p14="http://schemas.microsoft.com/office/powerpoint/2010/main" val="2563987568"/>
       </p:ext>
     </p:extLst>
   </p:cSld>
@@ -3577,54 +6152,54 @@
 </file>
 
 <file path=ppt/theme/theme1.xml><?xml version="1.0" encoding="utf-8"?>
-<a:theme xmlns:a="http://schemas.openxmlformats.org/drawingml/2006/main" name="Office 主题​​">
+<a:theme xmlns:a="http://schemas.openxmlformats.org/drawingml/2006/main" name="Office 主题">
   <a:themeElements>
     <a:clrScheme name="Office">
       <a:dk1>
         <a:sysClr val="windowText" lastClr="000000"/>
       </a:dk1>
       <a:lt1>
-        <a:sysClr val="window" lastClr="FFFFFF"/>
+        <a:sysClr val="window" lastClr="CCE8CF"/>
       </a:lt1>
       <a:dk2>
-        <a:srgbClr val="44546A"/>
+        <a:srgbClr val="1F497D"/>
       </a:dk2>
       <a:lt2>
-        <a:srgbClr val="E7E6E6"/>
+        <a:srgbClr val="EEECE1"/>
       </a:lt2>
       <a:accent1>
-        <a:srgbClr val="4472C4"/>
+        <a:srgbClr val="4F81BD"/>
       </a:accent1>
       <a:accent2>
-        <a:srgbClr val="ED7D31"/>
+        <a:srgbClr val="C0504D"/>
       </a:accent2>
       <a:accent3>
-        <a:srgbClr val="A5A5A5"/>
+        <a:srgbClr val="9BBB59"/>
       </a:accent3>
       <a:accent4>
-        <a:srgbClr val="FFC000"/>
+        <a:srgbClr val="8064A2"/>
       </a:accent4>
       <a:accent5>
-        <a:srgbClr val="5B9BD5"/>
+        <a:srgbClr val="4BACC6"/>
       </a:accent5>
       <a:accent6>
-        <a:srgbClr val="70AD47"/>
+        <a:srgbClr val="F79646"/>
       </a:accent6>
       <a:hlink>
-        <a:srgbClr val="0563C1"/>
+        <a:srgbClr val="0000FF"/>
       </a:hlink>
       <a:folHlink>
-        <a:srgbClr val="954F72"/>
+        <a:srgbClr val="800080"/>
       </a:folHlink>
     </a:clrScheme>
     <a:fontScheme name="Office">
       <a:majorFont>
-        <a:latin typeface="等线 Light" panose="020F0302020204030204"/>
+        <a:latin typeface="Calibri"/>
         <a:ea typeface=""/>
         <a:cs typeface=""/>
-        <a:font script="Jpan" typeface="游ゴシック Light"/>
+        <a:font script="Jpan" typeface="ＭＳ Ｐゴシック"/>
         <a:font script="Hang" typeface="맑은 고딕"/>
-        <a:font script="Hans" typeface="等线 Light"/>
+        <a:font script="Hans" typeface="宋体"/>
         <a:font script="Hant" typeface="新細明體"/>
         <a:font script="Arab" typeface="Times New Roman"/>
         <a:font script="Hebr" typeface="Times New Roman"/>
@@ -3651,32 +6226,14 @@
         <a:font script="Mong" typeface="Mongolian Baiti"/>
         <a:font script="Viet" typeface="Times New Roman"/>
         <a:font script="Uigh" typeface="Microsoft Uighur"/>
-        <a:font script="Geor" typeface="Sylfaen"/>
-        <a:font script="Armn" typeface="Arial"/>
-        <a:font script="Bugi" typeface="Leelawadee UI"/>
-        <a:font script="Bopo" typeface="Microsoft JhengHei"/>
-        <a:font script="Java" typeface="Javanese Text"/>
-        <a:font script="Lisu" typeface="Segoe UI"/>
-        <a:font script="Mymr" typeface="Myanmar Text"/>
-        <a:font script="Nkoo" typeface="Ebrima"/>
-        <a:font script="Olck" typeface="Nirmala UI"/>
-        <a:font script="Osma" typeface="Ebrima"/>
-        <a:font script="Phag" typeface="Phagspa"/>
-        <a:font script="Syrn" typeface="Estrangelo Edessa"/>
-        <a:font script="Syrj" typeface="Estrangelo Edessa"/>
-        <a:font script="Syre" typeface="Estrangelo Edessa"/>
-        <a:font script="Sora" typeface="Nirmala UI"/>
-        <a:font script="Tale" typeface="Microsoft Tai Le"/>
-        <a:font script="Talu" typeface="Microsoft New Tai Lue"/>
-        <a:font script="Tfng" typeface="Ebrima"/>
       </a:majorFont>
       <a:minorFont>
-        <a:latin typeface="等线" panose="020F0502020204030204"/>
+        <a:latin typeface="Calibri"/>
         <a:ea typeface=""/>
         <a:cs typeface=""/>
-        <a:font script="Jpan" typeface="游ゴシック"/>
+        <a:font script="Jpan" typeface="ＭＳ Ｐゴシック"/>
         <a:font script="Hang" typeface="맑은 고딕"/>
-        <a:font script="Hans" typeface="等线"/>
+        <a:font script="Hans" typeface="宋体"/>
         <a:font script="Hant" typeface="新細明體"/>
         <a:font script="Arab" typeface="Arial"/>
         <a:font script="Hebr" typeface="Arial"/>
@@ -3703,24 +6260,6 @@
         <a:font script="Mong" typeface="Mongolian Baiti"/>
         <a:font script="Viet" typeface="Arial"/>
         <a:font script="Uigh" typeface="Microsoft Uighur"/>
-        <a:font script="Geor" typeface="Sylfaen"/>
-        <a:font script="Armn" typeface="Arial"/>
-        <a:font script="Bugi" typeface="Leelawadee UI"/>
-        <a:font script="Bopo" typeface="Microsoft JhengHei"/>
-        <a:font script="Java" typeface="Javanese Text"/>
-        <a:font script="Lisu" typeface="Segoe UI"/>
-        <a:font script="Mymr" typeface="Myanmar Text"/>
-        <a:font script="Nkoo" typeface="Ebrima"/>
-        <a:font script="Olck" typeface="Nirmala UI"/>
-        <a:font script="Osma" typeface="Ebrima"/>
-        <a:font script="Phag" typeface="Phagspa"/>
-        <a:font script="Syrn" typeface="Estrangelo Edessa"/>
-        <a:font script="Syrj" typeface="Estrangelo Edessa"/>
-        <a:font script="Syre" typeface="Estrangelo Edessa"/>
-        <a:font script="Sora" typeface="Nirmala UI"/>
-        <a:font script="Tale" typeface="Microsoft Tai Le"/>
-        <a:font script="Talu" typeface="Microsoft New Tai Lue"/>
-        <a:font script="Tfng" typeface="Ebrima"/>
       </a:minorFont>
     </a:fontScheme>
     <a:fmtScheme name="Office">
@@ -3732,141 +6271,165 @@
           <a:gsLst>
             <a:gs pos="0">
               <a:schemeClr val="phClr">
-                <a:lumMod val="110000"/>
-                <a:satMod val="105000"/>
-                <a:tint val="67000"/>
+                <a:tint val="50000"/>
+                <a:satMod val="300000"/>
               </a:schemeClr>
             </a:gs>
-            <a:gs pos="50000">
+            <a:gs pos="35000">
               <a:schemeClr val="phClr">
-                <a:lumMod val="105000"/>
-                <a:satMod val="103000"/>
-                <a:tint val="73000"/>
+                <a:tint val="37000"/>
+                <a:satMod val="300000"/>
               </a:schemeClr>
             </a:gs>
             <a:gs pos="100000">
               <a:schemeClr val="phClr">
-                <a:lumMod val="105000"/>
-                <a:satMod val="109000"/>
-                <a:tint val="81000"/>
+                <a:tint val="15000"/>
+                <a:satMod val="350000"/>
               </a:schemeClr>
             </a:gs>
           </a:gsLst>
-          <a:lin ang="5400000" scaled="0"/>
+          <a:lin ang="16200000" scaled="1"/>
         </a:gradFill>
         <a:gradFill rotWithShape="1">
           <a:gsLst>
             <a:gs pos="0">
               <a:schemeClr val="phClr">
-                <a:satMod val="103000"/>
-                <a:lumMod val="102000"/>
-                <a:tint val="94000"/>
+                <a:shade val="51000"/>
+                <a:satMod val="130000"/>
               </a:schemeClr>
             </a:gs>
-            <a:gs pos="50000">
+            <a:gs pos="80000">
               <a:schemeClr val="phClr">
-                <a:satMod val="110000"/>
-                <a:lumMod val="100000"/>
-                <a:shade val="100000"/>
+                <a:shade val="93000"/>
+                <a:satMod val="130000"/>
               </a:schemeClr>
             </a:gs>
             <a:gs pos="100000">
               <a:schemeClr val="phClr">
-                <a:lumMod val="99000"/>
-                <a:satMod val="120000"/>
-                <a:shade val="78000"/>
+                <a:shade val="94000"/>
+                <a:satMod val="135000"/>
               </a:schemeClr>
             </a:gs>
           </a:gsLst>
-          <a:lin ang="5400000" scaled="0"/>
+          <a:lin ang="16200000" scaled="0"/>
         </a:gradFill>
       </a:fillStyleLst>
       <a:lnStyleLst>
-        <a:ln w="6350" cap="flat" cmpd="sng" algn="ctr">
+        <a:ln w="9525" cap="flat" cmpd="sng" algn="ctr">
+          <a:solidFill>
+            <a:schemeClr val="phClr">
+              <a:shade val="95000"/>
+              <a:satMod val="105000"/>
+            </a:schemeClr>
+          </a:solidFill>
+          <a:prstDash val="solid"/>
+        </a:ln>
+        <a:ln w="25400" cap="flat" cmpd="sng" algn="ctr">
           <a:solidFill>
             <a:schemeClr val="phClr"/>
           </a:solidFill>
           <a:prstDash val="solid"/>
-          <a:miter lim="800000"/>
         </a:ln>
-        <a:ln w="12700" cap="flat" cmpd="sng" algn="ctr">
+        <a:ln w="38100" cap="flat" cmpd="sng" algn="ctr">
           <a:solidFill>
             <a:schemeClr val="phClr"/>
           </a:solidFill>
           <a:prstDash val="solid"/>
-          <a:miter lim="800000"/>
-        </a:ln>
-        <a:ln w="19050" cap="flat" cmpd="sng" algn="ctr">
-          <a:solidFill>
-            <a:schemeClr val="phClr"/>
-          </a:solidFill>
-          <a:prstDash val="solid"/>
-          <a:miter lim="800000"/>
         </a:ln>
       </a:lnStyleLst>
       <a:effectStyleLst>
         <a:effectStyle>
-          <a:effectLst/>
-        </a:effectStyle>
-        <a:effectStyle>
-          <a:effectLst/>
+          <a:effectLst>
+            <a:outerShdw blurRad="40000" dist="20000" dir="5400000" rotWithShape="0">
+              <a:srgbClr val="000000">
+                <a:alpha val="38000"/>
+              </a:srgbClr>
+            </a:outerShdw>
+          </a:effectLst>
         </a:effectStyle>
         <a:effectStyle>
           <a:effectLst>
-            <a:outerShdw blurRad="57150" dist="19050" dir="5400000" algn="ctr" rotWithShape="0">
+            <a:outerShdw blurRad="40000" dist="23000" dir="5400000" rotWithShape="0">
               <a:srgbClr val="000000">
-                <a:alpha val="63000"/>
+                <a:alpha val="35000"/>
               </a:srgbClr>
             </a:outerShdw>
           </a:effectLst>
+        </a:effectStyle>
+        <a:effectStyle>
+          <a:effectLst>
+            <a:outerShdw blurRad="40000" dist="23000" dir="5400000" rotWithShape="0">
+              <a:srgbClr val="000000">
+                <a:alpha val="35000"/>
+              </a:srgbClr>
+            </a:outerShdw>
+          </a:effectLst>
+          <a:scene3d>
+            <a:camera prst="orthographicFront">
+              <a:rot lat="0" lon="0" rev="0"/>
+            </a:camera>
+            <a:lightRig rig="threePt" dir="t">
+              <a:rot lat="0" lon="0" rev="1200000"/>
+            </a:lightRig>
+          </a:scene3d>
+          <a:sp3d>
+            <a:bevelT w="63500" h="25400"/>
+          </a:sp3d>
         </a:effectStyle>
       </a:effectStyleLst>
       <a:bgFillStyleLst>
         <a:solidFill>
           <a:schemeClr val="phClr"/>
         </a:solidFill>
-        <a:solidFill>
-          <a:schemeClr val="phClr">
-            <a:tint val="95000"/>
-            <a:satMod val="170000"/>
-          </a:schemeClr>
-        </a:solidFill>
         <a:gradFill rotWithShape="1">
           <a:gsLst>
             <a:gs pos="0">
               <a:schemeClr val="phClr">
-                <a:tint val="93000"/>
-                <a:satMod val="150000"/>
-                <a:shade val="98000"/>
-                <a:lumMod val="102000"/>
+                <a:tint val="40000"/>
+                <a:satMod val="350000"/>
               </a:schemeClr>
             </a:gs>
-            <a:gs pos="50000">
+            <a:gs pos="40000">
               <a:schemeClr val="phClr">
-                <a:tint val="98000"/>
-                <a:satMod val="130000"/>
-                <a:shade val="90000"/>
-                <a:lumMod val="103000"/>
+                <a:tint val="45000"/>
+                <a:shade val="99000"/>
+                <a:satMod val="350000"/>
               </a:schemeClr>
             </a:gs>
             <a:gs pos="100000">
               <a:schemeClr val="phClr">
-                <a:shade val="63000"/>
-                <a:satMod val="120000"/>
+                <a:shade val="20000"/>
+                <a:satMod val="255000"/>
               </a:schemeClr>
             </a:gs>
           </a:gsLst>
-          <a:lin ang="5400000" scaled="0"/>
+          <a:path path="circle">
+            <a:fillToRect l="50000" t="-80000" r="50000" b="180000"/>
+          </a:path>
+        </a:gradFill>
+        <a:gradFill rotWithShape="1">
+          <a:gsLst>
+            <a:gs pos="0">
+              <a:schemeClr val="phClr">
+                <a:tint val="80000"/>
+                <a:satMod val="300000"/>
+              </a:schemeClr>
+            </a:gs>
+            <a:gs pos="100000">
+              <a:schemeClr val="phClr">
+                <a:shade val="30000"/>
+                <a:satMod val="200000"/>
+              </a:schemeClr>
+            </a:gs>
+          </a:gsLst>
+          <a:path path="circle">
+            <a:fillToRect l="50000" t="50000" r="50000" b="50000"/>
+          </a:path>
         </a:gradFill>
       </a:bgFillStyleLst>
     </a:fmtScheme>
   </a:themeElements>
   <a:objectDefaults/>
   <a:extraClrSchemeLst/>
-  <a:extLst>
-    <a:ext uri="{05A4C25C-085E-4340-85A3-A5531E510DB2}">
-      <thm15:themeFamily xmlns:thm15="http://schemas.microsoft.com/office/thememl/2012/main" name="Office Theme" id="{62F939B6-93AF-4DB8-9C6B-D6C7DFDC589F}" vid="{4A3C46E8-61CC-4603-A589-7422A47A8E4A}"/>
-    </a:ext>
-  </a:extLst>
 </a:theme>
 </file>